--- a/Math 8670 Final Project.pptx
+++ b/Math 8670 Final Project.pptx
@@ -5,24 +5,28 @@
     <p:sldMasterId id="2147483659" r:id="rId1"/>
   </p:sldMasterIdLst>
   <p:notesMasterIdLst>
-    <p:notesMasterId r:id="rId17"/>
+    <p:notesMasterId r:id="rId21"/>
   </p:notesMasterIdLst>
   <p:sldIdLst>
     <p:sldId id="256" r:id="rId2"/>
     <p:sldId id="257" r:id="rId3"/>
     <p:sldId id="295" r:id="rId4"/>
-    <p:sldId id="294" r:id="rId5"/>
-    <p:sldId id="282" r:id="rId6"/>
-    <p:sldId id="286" r:id="rId7"/>
-    <p:sldId id="296" r:id="rId8"/>
-    <p:sldId id="283" r:id="rId9"/>
-    <p:sldId id="284" r:id="rId10"/>
-    <p:sldId id="285" r:id="rId11"/>
-    <p:sldId id="287" r:id="rId12"/>
-    <p:sldId id="297" r:id="rId13"/>
-    <p:sldId id="298" r:id="rId14"/>
-    <p:sldId id="299" r:id="rId15"/>
-    <p:sldId id="281" r:id="rId16"/>
+    <p:sldId id="304" r:id="rId5"/>
+    <p:sldId id="294" r:id="rId6"/>
+    <p:sldId id="282" r:id="rId7"/>
+    <p:sldId id="286" r:id="rId8"/>
+    <p:sldId id="296" r:id="rId9"/>
+    <p:sldId id="283" r:id="rId10"/>
+    <p:sldId id="284" r:id="rId11"/>
+    <p:sldId id="285" r:id="rId12"/>
+    <p:sldId id="300" r:id="rId13"/>
+    <p:sldId id="301" r:id="rId14"/>
+    <p:sldId id="302" r:id="rId15"/>
+    <p:sldId id="303" r:id="rId16"/>
+    <p:sldId id="297" r:id="rId17"/>
+    <p:sldId id="298" r:id="rId18"/>
+    <p:sldId id="299" r:id="rId19"/>
+    <p:sldId id="281" r:id="rId20"/>
   </p:sldIdLst>
   <p:sldSz cx="9144000" cy="5143500" type="screen16x9"/>
   <p:notesSz cx="6858000" cy="9144000"/>
@@ -277,7 +281,7 @@
 <file path=ppt/revisionInfo.xml><?xml version="1.0" encoding="utf-8"?>
 <p1510:revInfo xmlns:a="http://schemas.openxmlformats.org/drawingml/2006/main" xmlns:r="http://schemas.openxmlformats.org/officeDocument/2006/relationships" xmlns:p1510="http://schemas.microsoft.com/office/powerpoint/2015/10/main">
   <p1510:revLst>
-    <p1510:client id="{E76C9178-C88C-41B1-ADF9-82936E3B28D5}" v="38" dt="2021-12-14T23:56:36.011"/>
+    <p1510:client id="{E76C9178-C88C-41B1-ADF9-82936E3B28D5}" v="45" dt="2021-12-17T03:39:21.189"/>
   </p1510:revLst>
 </p1510:revInfo>
 </file>
@@ -287,7 +291,7 @@
   <pc:docChgLst>
     <pc:chgData name="David Cavanaugh" userId="0b20315e-7c2d-4d9f-9a83-59b2f42af10e" providerId="ADAL" clId="{E76C9178-C88C-41B1-ADF9-82936E3B28D5}"/>
     <pc:docChg chg="undo custSel addSld delSld modSld sldOrd">
-      <pc:chgData name="David Cavanaugh" userId="0b20315e-7c2d-4d9f-9a83-59b2f42af10e" providerId="ADAL" clId="{E76C9178-C88C-41B1-ADF9-82936E3B28D5}" dt="2021-12-15T02:33:29.628" v="6449" actId="20577"/>
+      <pc:chgData name="David Cavanaugh" userId="0b20315e-7c2d-4d9f-9a83-59b2f42af10e" providerId="ADAL" clId="{E76C9178-C88C-41B1-ADF9-82936E3B28D5}" dt="2021-12-17T03:48:18.106" v="12442" actId="6549"/>
       <pc:docMkLst>
         <pc:docMk/>
       </pc:docMkLst>
@@ -315,7 +319,7 @@
         </pc:spChg>
       </pc:sldChg>
       <pc:sldChg chg="addSp delSp modSp mod">
-        <pc:chgData name="David Cavanaugh" userId="0b20315e-7c2d-4d9f-9a83-59b2f42af10e" providerId="ADAL" clId="{E76C9178-C88C-41B1-ADF9-82936E3B28D5}" dt="2021-12-14T23:56:44.414" v="5866" actId="1076"/>
+        <pc:chgData name="David Cavanaugh" userId="0b20315e-7c2d-4d9f-9a83-59b2f42af10e" providerId="ADAL" clId="{E76C9178-C88C-41B1-ADF9-82936E3B28D5}" dt="2021-12-17T03:41:09.507" v="11641" actId="1076"/>
         <pc:sldMkLst>
           <pc:docMk/>
           <pc:sldMk cId="0" sldId="257"/>
@@ -329,7 +333,7 @@
           </ac:spMkLst>
         </pc:spChg>
         <pc:spChg chg="mod">
-          <ac:chgData name="David Cavanaugh" userId="0b20315e-7c2d-4d9f-9a83-59b2f42af10e" providerId="ADAL" clId="{E76C9178-C88C-41B1-ADF9-82936E3B28D5}" dt="2021-12-14T22:09:09.381" v="547" actId="14100"/>
+          <ac:chgData name="David Cavanaugh" userId="0b20315e-7c2d-4d9f-9a83-59b2f42af10e" providerId="ADAL" clId="{E76C9178-C88C-41B1-ADF9-82936E3B28D5}" dt="2021-12-17T03:41:03.593" v="11638" actId="14100"/>
           <ac:spMkLst>
             <pc:docMk/>
             <pc:sldMk cId="0" sldId="257"/>
@@ -385,7 +389,7 @@
           </ac:picMkLst>
         </pc:picChg>
         <pc:picChg chg="add mod">
-          <ac:chgData name="David Cavanaugh" userId="0b20315e-7c2d-4d9f-9a83-59b2f42af10e" providerId="ADAL" clId="{E76C9178-C88C-41B1-ADF9-82936E3B28D5}" dt="2021-12-14T23:56:44.414" v="5866" actId="1076"/>
+          <ac:chgData name="David Cavanaugh" userId="0b20315e-7c2d-4d9f-9a83-59b2f42af10e" providerId="ADAL" clId="{E76C9178-C88C-41B1-ADF9-82936E3B28D5}" dt="2021-12-17T03:41:09.507" v="11641" actId="1076"/>
           <ac:picMkLst>
             <pc:docMk/>
             <pc:sldMk cId="0" sldId="257"/>
@@ -402,7 +406,7 @@
         </pc:picChg>
       </pc:sldChg>
       <pc:sldChg chg="modSp mod modNotesTx">
-        <pc:chgData name="David Cavanaugh" userId="0b20315e-7c2d-4d9f-9a83-59b2f42af10e" providerId="ADAL" clId="{E76C9178-C88C-41B1-ADF9-82936E3B28D5}" dt="2021-12-15T02:33:29.628" v="6449" actId="20577"/>
+        <pc:chgData name="David Cavanaugh" userId="0b20315e-7c2d-4d9f-9a83-59b2f42af10e" providerId="ADAL" clId="{E76C9178-C88C-41B1-ADF9-82936E3B28D5}" dt="2021-12-17T03:48:18.106" v="12442" actId="6549"/>
         <pc:sldMkLst>
           <pc:docMk/>
           <pc:sldMk cId="0" sldId="281"/>
@@ -416,7 +420,7 @@
           </ac:spMkLst>
         </pc:spChg>
         <pc:spChg chg="mod">
-          <ac:chgData name="David Cavanaugh" userId="0b20315e-7c2d-4d9f-9a83-59b2f42af10e" providerId="ADAL" clId="{E76C9178-C88C-41B1-ADF9-82936E3B28D5}" dt="2021-12-14T23:34:51.628" v="5854" actId="6549"/>
+          <ac:chgData name="David Cavanaugh" userId="0b20315e-7c2d-4d9f-9a83-59b2f42af10e" providerId="ADAL" clId="{E76C9178-C88C-41B1-ADF9-82936E3B28D5}" dt="2021-12-17T03:48:18.106" v="12442" actId="6549"/>
           <ac:spMkLst>
             <pc:docMk/>
             <pc:sldMk cId="0" sldId="281"/>
@@ -425,17 +429,33 @@
         </pc:spChg>
       </pc:sldChg>
       <pc:sldChg chg="addSp delSp modSp mod">
-        <pc:chgData name="David Cavanaugh" userId="0b20315e-7c2d-4d9f-9a83-59b2f42af10e" providerId="ADAL" clId="{E76C9178-C88C-41B1-ADF9-82936E3B28D5}" dt="2021-12-15T00:01:34.545" v="5902" actId="20577"/>
+        <pc:chgData name="David Cavanaugh" userId="0b20315e-7c2d-4d9f-9a83-59b2f42af10e" providerId="ADAL" clId="{E76C9178-C88C-41B1-ADF9-82936E3B28D5}" dt="2021-12-17T02:49:44.388" v="7558" actId="1076"/>
         <pc:sldMkLst>
           <pc:docMk/>
           <pc:sldMk cId="3649565824" sldId="282"/>
         </pc:sldMkLst>
         <pc:spChg chg="add del mod">
+          <ac:chgData name="David Cavanaugh" userId="0b20315e-7c2d-4d9f-9a83-59b2f42af10e" providerId="ADAL" clId="{E76C9178-C88C-41B1-ADF9-82936E3B28D5}" dt="2021-12-17T02:47:08.261" v="7329" actId="478"/>
+          <ac:spMkLst>
+            <pc:docMk/>
+            <pc:sldMk cId="3649565824" sldId="282"/>
+            <ac:spMk id="3" creationId="{3F3ECDFF-7554-4983-BE88-95563FD53345}"/>
+          </ac:spMkLst>
+        </pc:spChg>
+        <pc:spChg chg="add del mod">
           <ac:chgData name="David Cavanaugh" userId="0b20315e-7c2d-4d9f-9a83-59b2f42af10e" providerId="ADAL" clId="{E76C9178-C88C-41B1-ADF9-82936E3B28D5}" dt="2021-12-14T22:15:30.119" v="1199" actId="21"/>
           <ac:spMkLst>
             <pc:docMk/>
             <pc:sldMk cId="3649565824" sldId="282"/>
             <ac:spMk id="3" creationId="{D8659A4F-5211-4397-9BC4-5912D3BC9D39}"/>
+          </ac:spMkLst>
+        </pc:spChg>
+        <pc:spChg chg="add mod">
+          <ac:chgData name="David Cavanaugh" userId="0b20315e-7c2d-4d9f-9a83-59b2f42af10e" providerId="ADAL" clId="{E76C9178-C88C-41B1-ADF9-82936E3B28D5}" dt="2021-12-17T02:49:31.729" v="7556" actId="20577"/>
+          <ac:spMkLst>
+            <pc:docMk/>
+            <pc:sldMk cId="3649565824" sldId="282"/>
+            <ac:spMk id="12" creationId="{2DBEAB00-EC41-4E35-9647-39B90880C113}"/>
           </ac:spMkLst>
         </pc:spChg>
         <pc:spChg chg="add mod">
@@ -487,7 +507,7 @@
           </ac:spMkLst>
         </pc:spChg>
         <pc:spChg chg="mod">
-          <ac:chgData name="David Cavanaugh" userId="0b20315e-7c2d-4d9f-9a83-59b2f42af10e" providerId="ADAL" clId="{E76C9178-C88C-41B1-ADF9-82936E3B28D5}" dt="2021-12-15T00:01:34.545" v="5902" actId="20577"/>
+          <ac:chgData name="David Cavanaugh" userId="0b20315e-7c2d-4d9f-9a83-59b2f42af10e" providerId="ADAL" clId="{E76C9178-C88C-41B1-ADF9-82936E3B28D5}" dt="2021-12-17T02:49:02.114" v="7509" actId="15"/>
           <ac:spMkLst>
             <pc:docMk/>
             <pc:sldMk cId="3649565824" sldId="282"/>
@@ -519,7 +539,7 @@
           </ac:picMkLst>
         </pc:picChg>
         <pc:picChg chg="add mod">
-          <ac:chgData name="David Cavanaugh" userId="0b20315e-7c2d-4d9f-9a83-59b2f42af10e" providerId="ADAL" clId="{E76C9178-C88C-41B1-ADF9-82936E3B28D5}" dt="2021-12-14T22:17:18.638" v="1244" actId="1076"/>
+          <ac:chgData name="David Cavanaugh" userId="0b20315e-7c2d-4d9f-9a83-59b2f42af10e" providerId="ADAL" clId="{E76C9178-C88C-41B1-ADF9-82936E3B28D5}" dt="2021-12-17T02:49:44.388" v="7558" actId="1076"/>
           <ac:picMkLst>
             <pc:docMk/>
             <pc:sldMk cId="3649565824" sldId="282"/>
@@ -527,7 +547,7 @@
           </ac:picMkLst>
         </pc:picChg>
         <pc:picChg chg="add mod">
-          <ac:chgData name="David Cavanaugh" userId="0b20315e-7c2d-4d9f-9a83-59b2f42af10e" providerId="ADAL" clId="{E76C9178-C88C-41B1-ADF9-82936E3B28D5}" dt="2021-12-14T22:17:35.432" v="1250" actId="1076"/>
+          <ac:chgData name="David Cavanaugh" userId="0b20315e-7c2d-4d9f-9a83-59b2f42af10e" providerId="ADAL" clId="{E76C9178-C88C-41B1-ADF9-82936E3B28D5}" dt="2021-12-17T02:49:41.108" v="7557" actId="1076"/>
           <ac:picMkLst>
             <pc:docMk/>
             <pc:sldMk cId="3649565824" sldId="282"/>
@@ -544,7 +564,7 @@
         </pc:picChg>
       </pc:sldChg>
       <pc:sldChg chg="addSp delSp modSp mod">
-        <pc:chgData name="David Cavanaugh" userId="0b20315e-7c2d-4d9f-9a83-59b2f42af10e" providerId="ADAL" clId="{E76C9178-C88C-41B1-ADF9-82936E3B28D5}" dt="2021-12-15T00:03:31.168" v="5908" actId="20577"/>
+        <pc:chgData name="David Cavanaugh" userId="0b20315e-7c2d-4d9f-9a83-59b2f42af10e" providerId="ADAL" clId="{E76C9178-C88C-41B1-ADF9-82936E3B28D5}" dt="2021-12-17T02:55:35.375" v="8315" actId="20577"/>
         <pc:sldMkLst>
           <pc:docMk/>
           <pc:sldMk cId="3201877962" sldId="283"/>
@@ -558,7 +578,7 @@
           </ac:spMkLst>
         </pc:spChg>
         <pc:spChg chg="mod">
-          <ac:chgData name="David Cavanaugh" userId="0b20315e-7c2d-4d9f-9a83-59b2f42af10e" providerId="ADAL" clId="{E76C9178-C88C-41B1-ADF9-82936E3B28D5}" dt="2021-12-15T00:03:31.168" v="5908" actId="20577"/>
+          <ac:chgData name="David Cavanaugh" userId="0b20315e-7c2d-4d9f-9a83-59b2f42af10e" providerId="ADAL" clId="{E76C9178-C88C-41B1-ADF9-82936E3B28D5}" dt="2021-12-17T02:55:35.375" v="8315" actId="20577"/>
           <ac:spMkLst>
             <pc:docMk/>
             <pc:sldMk cId="3201877962" sldId="283"/>
@@ -607,7 +627,7 @@
         </pc:picChg>
       </pc:sldChg>
       <pc:sldChg chg="delSp modSp mod">
-        <pc:chgData name="David Cavanaugh" userId="0b20315e-7c2d-4d9f-9a83-59b2f42af10e" providerId="ADAL" clId="{E76C9178-C88C-41B1-ADF9-82936E3B28D5}" dt="2021-12-15T00:04:39.984" v="6005" actId="20577"/>
+        <pc:chgData name="David Cavanaugh" userId="0b20315e-7c2d-4d9f-9a83-59b2f42af10e" providerId="ADAL" clId="{E76C9178-C88C-41B1-ADF9-82936E3B28D5}" dt="2021-12-17T02:56:56.837" v="8419" actId="6549"/>
         <pc:sldMkLst>
           <pc:docMk/>
           <pc:sldMk cId="3987383754" sldId="284"/>
@@ -621,7 +641,7 @@
           </ac:spMkLst>
         </pc:spChg>
         <pc:spChg chg="mod">
-          <ac:chgData name="David Cavanaugh" userId="0b20315e-7c2d-4d9f-9a83-59b2f42af10e" providerId="ADAL" clId="{E76C9178-C88C-41B1-ADF9-82936E3B28D5}" dt="2021-12-15T00:04:39.984" v="6005" actId="20577"/>
+          <ac:chgData name="David Cavanaugh" userId="0b20315e-7c2d-4d9f-9a83-59b2f42af10e" providerId="ADAL" clId="{E76C9178-C88C-41B1-ADF9-82936E3B28D5}" dt="2021-12-17T02:56:56.837" v="8419" actId="6549"/>
           <ac:spMkLst>
             <pc:docMk/>
             <pc:sldMk cId="3987383754" sldId="284"/>
@@ -654,7 +674,7 @@
         </pc:picChg>
       </pc:sldChg>
       <pc:sldChg chg="delSp modSp mod">
-        <pc:chgData name="David Cavanaugh" userId="0b20315e-7c2d-4d9f-9a83-59b2f42af10e" providerId="ADAL" clId="{E76C9178-C88C-41B1-ADF9-82936E3B28D5}" dt="2021-12-14T22:50:26.727" v="3560" actId="20577"/>
+        <pc:chgData name="David Cavanaugh" userId="0b20315e-7c2d-4d9f-9a83-59b2f42af10e" providerId="ADAL" clId="{E76C9178-C88C-41B1-ADF9-82936E3B28D5}" dt="2021-12-17T03:01:01.693" v="8954" actId="20577"/>
         <pc:sldMkLst>
           <pc:docMk/>
           <pc:sldMk cId="1206300121" sldId="285"/>
@@ -668,7 +688,7 @@
           </ac:spMkLst>
         </pc:spChg>
         <pc:spChg chg="mod">
-          <ac:chgData name="David Cavanaugh" userId="0b20315e-7c2d-4d9f-9a83-59b2f42af10e" providerId="ADAL" clId="{E76C9178-C88C-41B1-ADF9-82936E3B28D5}" dt="2021-12-14T22:50:26.727" v="3560" actId="20577"/>
+          <ac:chgData name="David Cavanaugh" userId="0b20315e-7c2d-4d9f-9a83-59b2f42af10e" providerId="ADAL" clId="{E76C9178-C88C-41B1-ADF9-82936E3B28D5}" dt="2021-12-17T03:01:01.693" v="8954" actId="20577"/>
           <ac:spMkLst>
             <pc:docMk/>
             <pc:sldMk cId="1206300121" sldId="285"/>
@@ -701,7 +721,7 @@
         </pc:picChg>
       </pc:sldChg>
       <pc:sldChg chg="addSp modSp mod">
-        <pc:chgData name="David Cavanaugh" userId="0b20315e-7c2d-4d9f-9a83-59b2f42af10e" providerId="ADAL" clId="{E76C9178-C88C-41B1-ADF9-82936E3B28D5}" dt="2021-12-14T22:19:30.468" v="1380" actId="6549"/>
+        <pc:chgData name="David Cavanaugh" userId="0b20315e-7c2d-4d9f-9a83-59b2f42af10e" providerId="ADAL" clId="{E76C9178-C88C-41B1-ADF9-82936E3B28D5}" dt="2021-12-17T02:51:22.484" v="7766" actId="1076"/>
         <pc:sldMkLst>
           <pc:docMk/>
           <pc:sldMk cId="1245058602" sldId="286"/>
@@ -715,7 +735,7 @@
           </ac:spMkLst>
         </pc:spChg>
         <pc:spChg chg="mod">
-          <ac:chgData name="David Cavanaugh" userId="0b20315e-7c2d-4d9f-9a83-59b2f42af10e" providerId="ADAL" clId="{E76C9178-C88C-41B1-ADF9-82936E3B28D5}" dt="2021-12-14T22:19:30.468" v="1380" actId="6549"/>
+          <ac:chgData name="David Cavanaugh" userId="0b20315e-7c2d-4d9f-9a83-59b2f42af10e" providerId="ADAL" clId="{E76C9178-C88C-41B1-ADF9-82936E3B28D5}" dt="2021-12-17T02:51:11.160" v="7764" actId="20577"/>
           <ac:spMkLst>
             <pc:docMk/>
             <pc:sldMk cId="1245058602" sldId="286"/>
@@ -723,7 +743,7 @@
           </ac:spMkLst>
         </pc:spChg>
         <pc:picChg chg="add mod">
-          <ac:chgData name="David Cavanaugh" userId="0b20315e-7c2d-4d9f-9a83-59b2f42af10e" providerId="ADAL" clId="{E76C9178-C88C-41B1-ADF9-82936E3B28D5}" dt="2021-12-14T22:18:45.159" v="1367" actId="1076"/>
+          <ac:chgData name="David Cavanaugh" userId="0b20315e-7c2d-4d9f-9a83-59b2f42af10e" providerId="ADAL" clId="{E76C9178-C88C-41B1-ADF9-82936E3B28D5}" dt="2021-12-17T02:51:19.505" v="7765" actId="1076"/>
           <ac:picMkLst>
             <pc:docMk/>
             <pc:sldMk cId="1245058602" sldId="286"/>
@@ -731,7 +751,7 @@
           </ac:picMkLst>
         </pc:picChg>
         <pc:picChg chg="add mod">
-          <ac:chgData name="David Cavanaugh" userId="0b20315e-7c2d-4d9f-9a83-59b2f42af10e" providerId="ADAL" clId="{E76C9178-C88C-41B1-ADF9-82936E3B28D5}" dt="2021-12-14T22:18:59.561" v="1373" actId="1076"/>
+          <ac:chgData name="David Cavanaugh" userId="0b20315e-7c2d-4d9f-9a83-59b2f42af10e" providerId="ADAL" clId="{E76C9178-C88C-41B1-ADF9-82936E3B28D5}" dt="2021-12-17T02:51:22.484" v="7766" actId="1076"/>
           <ac:picMkLst>
             <pc:docMk/>
             <pc:sldMk cId="1245058602" sldId="286"/>
@@ -739,8 +759,8 @@
           </ac:picMkLst>
         </pc:picChg>
       </pc:sldChg>
-      <pc:sldChg chg="addSp delSp modSp mod">
-        <pc:chgData name="David Cavanaugh" userId="0b20315e-7c2d-4d9f-9a83-59b2f42af10e" providerId="ADAL" clId="{E76C9178-C88C-41B1-ADF9-82936E3B28D5}" dt="2021-12-14T22:52:40.263" v="3651" actId="20577"/>
+      <pc:sldChg chg="addSp delSp modSp del mod">
+        <pc:chgData name="David Cavanaugh" userId="0b20315e-7c2d-4d9f-9a83-59b2f42af10e" providerId="ADAL" clId="{E76C9178-C88C-41B1-ADF9-82936E3B28D5}" dt="2021-12-17T03:19:51.928" v="11380" actId="47"/>
         <pc:sldMkLst>
           <pc:docMk/>
           <pc:sldMk cId="2088661663" sldId="287"/>
@@ -830,7 +850,7 @@
         </pc:sldMkLst>
       </pc:sldChg>
       <pc:sldChg chg="delSp modSp add mod ord">
-        <pc:chgData name="David Cavanaugh" userId="0b20315e-7c2d-4d9f-9a83-59b2f42af10e" providerId="ADAL" clId="{E76C9178-C88C-41B1-ADF9-82936E3B28D5}" dt="2021-12-15T00:01:11.936" v="5900" actId="20577"/>
+        <pc:chgData name="David Cavanaugh" userId="0b20315e-7c2d-4d9f-9a83-59b2f42af10e" providerId="ADAL" clId="{E76C9178-C88C-41B1-ADF9-82936E3B28D5}" dt="2021-12-17T02:43:42.528" v="7159" actId="122"/>
         <pc:sldMkLst>
           <pc:docMk/>
           <pc:sldMk cId="1170782108" sldId="294"/>
@@ -844,7 +864,7 @@
           </ac:spMkLst>
         </pc:spChg>
         <pc:spChg chg="mod">
-          <ac:chgData name="David Cavanaugh" userId="0b20315e-7c2d-4d9f-9a83-59b2f42af10e" providerId="ADAL" clId="{E76C9178-C88C-41B1-ADF9-82936E3B28D5}" dt="2021-12-15T00:01:11.936" v="5900" actId="20577"/>
+          <ac:chgData name="David Cavanaugh" userId="0b20315e-7c2d-4d9f-9a83-59b2f42af10e" providerId="ADAL" clId="{E76C9178-C88C-41B1-ADF9-82936E3B28D5}" dt="2021-12-17T02:43:42.528" v="7159" actId="122"/>
           <ac:spMkLst>
             <pc:docMk/>
             <pc:sldMk cId="1170782108" sldId="294"/>
@@ -861,7 +881,7 @@
         </pc:picChg>
       </pc:sldChg>
       <pc:sldChg chg="delSp modSp add mod">
-        <pc:chgData name="David Cavanaugh" userId="0b20315e-7c2d-4d9f-9a83-59b2f42af10e" providerId="ADAL" clId="{E76C9178-C88C-41B1-ADF9-82936E3B28D5}" dt="2021-12-15T00:00:43.758" v="5874" actId="33524"/>
+        <pc:chgData name="David Cavanaugh" userId="0b20315e-7c2d-4d9f-9a83-59b2f42af10e" providerId="ADAL" clId="{E76C9178-C88C-41B1-ADF9-82936E3B28D5}" dt="2021-12-17T02:43:22.625" v="7157" actId="20577"/>
         <pc:sldMkLst>
           <pc:docMk/>
           <pc:sldMk cId="3351395362" sldId="295"/>
@@ -875,7 +895,7 @@
           </ac:spMkLst>
         </pc:spChg>
         <pc:spChg chg="mod">
-          <ac:chgData name="David Cavanaugh" userId="0b20315e-7c2d-4d9f-9a83-59b2f42af10e" providerId="ADAL" clId="{E76C9178-C88C-41B1-ADF9-82936E3B28D5}" dt="2021-12-15T00:00:43.758" v="5874" actId="33524"/>
+          <ac:chgData name="David Cavanaugh" userId="0b20315e-7c2d-4d9f-9a83-59b2f42af10e" providerId="ADAL" clId="{E76C9178-C88C-41B1-ADF9-82936E3B28D5}" dt="2021-12-17T02:43:22.625" v="7157" actId="20577"/>
           <ac:spMkLst>
             <pc:docMk/>
             <pc:sldMk cId="3351395362" sldId="295"/>
@@ -892,13 +912,13 @@
         </pc:picChg>
       </pc:sldChg>
       <pc:sldChg chg="addSp delSp modSp add mod">
-        <pc:chgData name="David Cavanaugh" userId="0b20315e-7c2d-4d9f-9a83-59b2f42af10e" providerId="ADAL" clId="{E76C9178-C88C-41B1-ADF9-82936E3B28D5}" dt="2021-12-14T22:21:46.464" v="1404" actId="1076"/>
+        <pc:chgData name="David Cavanaugh" userId="0b20315e-7c2d-4d9f-9a83-59b2f42af10e" providerId="ADAL" clId="{E76C9178-C88C-41B1-ADF9-82936E3B28D5}" dt="2021-12-17T02:55:11.133" v="8306" actId="20577"/>
         <pc:sldMkLst>
           <pc:docMk/>
           <pc:sldMk cId="43972989" sldId="296"/>
         </pc:sldMkLst>
         <pc:spChg chg="mod">
-          <ac:chgData name="David Cavanaugh" userId="0b20315e-7c2d-4d9f-9a83-59b2f42af10e" providerId="ADAL" clId="{E76C9178-C88C-41B1-ADF9-82936E3B28D5}" dt="2021-12-14T22:19:27.202" v="1379" actId="6549"/>
+          <ac:chgData name="David Cavanaugh" userId="0b20315e-7c2d-4d9f-9a83-59b2f42af10e" providerId="ADAL" clId="{E76C9178-C88C-41B1-ADF9-82936E3B28D5}" dt="2021-12-17T02:55:11.133" v="8306" actId="20577"/>
           <ac:spMkLst>
             <pc:docMk/>
             <pc:sldMk cId="43972989" sldId="296"/>
@@ -938,7 +958,7 @@
           </ac:picMkLst>
         </pc:picChg>
         <pc:picChg chg="add mod">
-          <ac:chgData name="David Cavanaugh" userId="0b20315e-7c2d-4d9f-9a83-59b2f42af10e" providerId="ADAL" clId="{E76C9178-C88C-41B1-ADF9-82936E3B28D5}" dt="2021-12-14T22:21:33.429" v="1399" actId="1076"/>
+          <ac:chgData name="David Cavanaugh" userId="0b20315e-7c2d-4d9f-9a83-59b2f42af10e" providerId="ADAL" clId="{E76C9178-C88C-41B1-ADF9-82936E3B28D5}" dt="2021-12-17T02:52:21.538" v="7967" actId="1076"/>
           <ac:picMkLst>
             <pc:docMk/>
             <pc:sldMk cId="43972989" sldId="296"/>
@@ -946,7 +966,7 @@
           </ac:picMkLst>
         </pc:picChg>
         <pc:picChg chg="add mod">
-          <ac:chgData name="David Cavanaugh" userId="0b20315e-7c2d-4d9f-9a83-59b2f42af10e" providerId="ADAL" clId="{E76C9178-C88C-41B1-ADF9-82936E3B28D5}" dt="2021-12-14T22:21:46.464" v="1404" actId="1076"/>
+          <ac:chgData name="David Cavanaugh" userId="0b20315e-7c2d-4d9f-9a83-59b2f42af10e" providerId="ADAL" clId="{E76C9178-C88C-41B1-ADF9-82936E3B28D5}" dt="2021-12-17T02:52:33.623" v="7969" actId="1076"/>
           <ac:picMkLst>
             <pc:docMk/>
             <pc:sldMk cId="43972989" sldId="296"/>
@@ -978,7 +998,7 @@
         </pc:graphicFrameChg>
       </pc:sldChg>
       <pc:sldChg chg="addSp delSp modSp add mod ord">
-        <pc:chgData name="David Cavanaugh" userId="0b20315e-7c2d-4d9f-9a83-59b2f42af10e" providerId="ADAL" clId="{E76C9178-C88C-41B1-ADF9-82936E3B28D5}" dt="2021-12-14T23:06:02.498" v="4353" actId="1076"/>
+        <pc:chgData name="David Cavanaugh" userId="0b20315e-7c2d-4d9f-9a83-59b2f42af10e" providerId="ADAL" clId="{E76C9178-C88C-41B1-ADF9-82936E3B28D5}" dt="2021-12-17T03:20:21.012" v="11387" actId="1076"/>
         <pc:sldMkLst>
           <pc:docMk/>
           <pc:sldMk cId="4262667818" sldId="297"/>
@@ -1008,7 +1028,15 @@
           </ac:picMkLst>
         </pc:picChg>
         <pc:picChg chg="add mod">
-          <ac:chgData name="David Cavanaugh" userId="0b20315e-7c2d-4d9f-9a83-59b2f42af10e" providerId="ADAL" clId="{E76C9178-C88C-41B1-ADF9-82936E3B28D5}" dt="2021-12-14T23:06:02.498" v="4353" actId="1076"/>
+          <ac:chgData name="David Cavanaugh" userId="0b20315e-7c2d-4d9f-9a83-59b2f42af10e" providerId="ADAL" clId="{E76C9178-C88C-41B1-ADF9-82936E3B28D5}" dt="2021-12-17T03:20:21.012" v="11387" actId="1076"/>
+          <ac:picMkLst>
+            <pc:docMk/>
+            <pc:sldMk cId="4262667818" sldId="297"/>
+            <ac:picMk id="3" creationId="{447A239A-4ED3-4178-8943-80FD7F75CB87}"/>
+          </ac:picMkLst>
+        </pc:picChg>
+        <pc:picChg chg="add del mod">
+          <ac:chgData name="David Cavanaugh" userId="0b20315e-7c2d-4d9f-9a83-59b2f42af10e" providerId="ADAL" clId="{E76C9178-C88C-41B1-ADF9-82936E3B28D5}" dt="2021-12-17T03:19:57.027" v="11382" actId="478"/>
           <ac:picMkLst>
             <pc:docMk/>
             <pc:sldMk cId="4262667818" sldId="297"/>
@@ -1017,7 +1045,7 @@
         </pc:picChg>
       </pc:sldChg>
       <pc:sldChg chg="addSp delSp modSp add mod">
-        <pc:chgData name="David Cavanaugh" userId="0b20315e-7c2d-4d9f-9a83-59b2f42af10e" providerId="ADAL" clId="{E76C9178-C88C-41B1-ADF9-82936E3B28D5}" dt="2021-12-14T23:09:55.695" v="4645" actId="20577"/>
+        <pc:chgData name="David Cavanaugh" userId="0b20315e-7c2d-4d9f-9a83-59b2f42af10e" providerId="ADAL" clId="{E76C9178-C88C-41B1-ADF9-82936E3B28D5}" dt="2021-12-17T03:20:49.115" v="11393" actId="1076"/>
         <pc:sldMkLst>
           <pc:docMk/>
           <pc:sldMk cId="144743385" sldId="298"/>
@@ -1038,12 +1066,20 @@
             <ac:spMk id="65" creationId="{00000000-0000-0000-0000-000000000000}"/>
           </ac:spMkLst>
         </pc:spChg>
-        <pc:picChg chg="add mod">
-          <ac:chgData name="David Cavanaugh" userId="0b20315e-7c2d-4d9f-9a83-59b2f42af10e" providerId="ADAL" clId="{E76C9178-C88C-41B1-ADF9-82936E3B28D5}" dt="2021-12-14T23:06:44.110" v="4407" actId="1076"/>
+        <pc:picChg chg="add del mod">
+          <ac:chgData name="David Cavanaugh" userId="0b20315e-7c2d-4d9f-9a83-59b2f42af10e" providerId="ADAL" clId="{E76C9178-C88C-41B1-ADF9-82936E3B28D5}" dt="2021-12-17T03:20:32.017" v="11388" actId="478"/>
           <ac:picMkLst>
             <pc:docMk/>
             <pc:sldMk cId="144743385" sldId="298"/>
             <ac:picMk id="3" creationId="{86A106BF-31AB-4885-BACB-E4883D234451}"/>
+          </ac:picMkLst>
+        </pc:picChg>
+        <pc:picChg chg="add mod">
+          <ac:chgData name="David Cavanaugh" userId="0b20315e-7c2d-4d9f-9a83-59b2f42af10e" providerId="ADAL" clId="{E76C9178-C88C-41B1-ADF9-82936E3B28D5}" dt="2021-12-17T03:20:49.115" v="11393" actId="1076"/>
+          <ac:picMkLst>
+            <pc:docMk/>
+            <pc:sldMk cId="144743385" sldId="298"/>
+            <ac:picMk id="4" creationId="{7CD9D6BB-86EE-42E9-A6EF-CBD9BB88C4DB}"/>
           </ac:picMkLst>
         </pc:picChg>
         <pc:picChg chg="del">
@@ -1056,7 +1092,7 @@
         </pc:picChg>
       </pc:sldChg>
       <pc:sldChg chg="addSp delSp modSp add mod">
-        <pc:chgData name="David Cavanaugh" userId="0b20315e-7c2d-4d9f-9a83-59b2f42af10e" providerId="ADAL" clId="{E76C9178-C88C-41B1-ADF9-82936E3B28D5}" dt="2021-12-14T23:28:25.014" v="4822" actId="20577"/>
+        <pc:chgData name="David Cavanaugh" userId="0b20315e-7c2d-4d9f-9a83-59b2f42af10e" providerId="ADAL" clId="{E76C9178-C88C-41B1-ADF9-82936E3B28D5}" dt="2021-12-17T03:22:51.846" v="11626" actId="313"/>
         <pc:sldMkLst>
           <pc:docMk/>
           <pc:sldMk cId="2128398495" sldId="299"/>
@@ -1070,13 +1106,21 @@
           </ac:spMkLst>
         </pc:spChg>
         <pc:spChg chg="mod">
-          <ac:chgData name="David Cavanaugh" userId="0b20315e-7c2d-4d9f-9a83-59b2f42af10e" providerId="ADAL" clId="{E76C9178-C88C-41B1-ADF9-82936E3B28D5}" dt="2021-12-14T23:28:25.014" v="4822" actId="20577"/>
+          <ac:chgData name="David Cavanaugh" userId="0b20315e-7c2d-4d9f-9a83-59b2f42af10e" providerId="ADAL" clId="{E76C9178-C88C-41B1-ADF9-82936E3B28D5}" dt="2021-12-17T03:22:51.846" v="11626" actId="313"/>
           <ac:spMkLst>
             <pc:docMk/>
             <pc:sldMk cId="2128398495" sldId="299"/>
             <ac:spMk id="65" creationId="{00000000-0000-0000-0000-000000000000}"/>
           </ac:spMkLst>
         </pc:spChg>
+        <pc:picChg chg="add mod">
+          <ac:chgData name="David Cavanaugh" userId="0b20315e-7c2d-4d9f-9a83-59b2f42af10e" providerId="ADAL" clId="{E76C9178-C88C-41B1-ADF9-82936E3B28D5}" dt="2021-12-17T03:21:45.644" v="11404" actId="1076"/>
+          <ac:picMkLst>
+            <pc:docMk/>
+            <pc:sldMk cId="2128398495" sldId="299"/>
+            <ac:picMk id="3" creationId="{2DD3307F-5282-4696-A279-74F38DE838F5}"/>
+          </ac:picMkLst>
+        </pc:picChg>
         <pc:picChg chg="del">
           <ac:chgData name="David Cavanaugh" userId="0b20315e-7c2d-4d9f-9a83-59b2f42af10e" providerId="ADAL" clId="{E76C9178-C88C-41B1-ADF9-82936E3B28D5}" dt="2021-12-14T23:21:42.834" v="4688" actId="478"/>
           <ac:picMkLst>
@@ -1093,6 +1137,14 @@
             <ac:picMk id="4" creationId="{0D0BF081-D853-4442-AB7B-37BABD5AFD60}"/>
           </ac:picMkLst>
         </pc:picChg>
+        <pc:picChg chg="add mod">
+          <ac:chgData name="David Cavanaugh" userId="0b20315e-7c2d-4d9f-9a83-59b2f42af10e" providerId="ADAL" clId="{E76C9178-C88C-41B1-ADF9-82936E3B28D5}" dt="2021-12-17T03:21:37.402" v="11402" actId="1076"/>
+          <ac:picMkLst>
+            <pc:docMk/>
+            <pc:sldMk cId="2128398495" sldId="299"/>
+            <ac:picMk id="5" creationId="{ABB34C26-DD94-498D-8B14-80EEF7262C2C}"/>
+          </ac:picMkLst>
+        </pc:picChg>
         <pc:picChg chg="add del mod">
           <ac:chgData name="David Cavanaugh" userId="0b20315e-7c2d-4d9f-9a83-59b2f42af10e" providerId="ADAL" clId="{E76C9178-C88C-41B1-ADF9-82936E3B28D5}" dt="2021-12-14T23:26:43.940" v="4784" actId="478"/>
           <ac:picMkLst>
@@ -1101,16 +1153,16 @@
             <ac:picMk id="6" creationId="{BFB4E048-86F8-4F18-951A-BB6047C06443}"/>
           </ac:picMkLst>
         </pc:picChg>
-        <pc:picChg chg="add mod">
-          <ac:chgData name="David Cavanaugh" userId="0b20315e-7c2d-4d9f-9a83-59b2f42af10e" providerId="ADAL" clId="{E76C9178-C88C-41B1-ADF9-82936E3B28D5}" dt="2021-12-14T23:27:47.112" v="4802" actId="1076"/>
+        <pc:picChg chg="add del mod">
+          <ac:chgData name="David Cavanaugh" userId="0b20315e-7c2d-4d9f-9a83-59b2f42af10e" providerId="ADAL" clId="{E76C9178-C88C-41B1-ADF9-82936E3B28D5}" dt="2021-12-17T03:21:08.962" v="11395" actId="478"/>
           <ac:picMkLst>
             <pc:docMk/>
             <pc:sldMk cId="2128398495" sldId="299"/>
             <ac:picMk id="8" creationId="{CB047DEB-843C-47E4-BA08-7AFD22CE833D}"/>
           </ac:picMkLst>
         </pc:picChg>
-        <pc:picChg chg="add mod">
-          <ac:chgData name="David Cavanaugh" userId="0b20315e-7c2d-4d9f-9a83-59b2f42af10e" providerId="ADAL" clId="{E76C9178-C88C-41B1-ADF9-82936E3B28D5}" dt="2021-12-14T23:27:44.770" v="4801" actId="1076"/>
+        <pc:picChg chg="add del mod">
+          <ac:chgData name="David Cavanaugh" userId="0b20315e-7c2d-4d9f-9a83-59b2f42af10e" providerId="ADAL" clId="{E76C9178-C88C-41B1-ADF9-82936E3B28D5}" dt="2021-12-17T03:21:06.856" v="11394" actId="478"/>
           <ac:picMkLst>
             <pc:docMk/>
             <pc:sldMk cId="2128398495" sldId="299"/>
@@ -1124,6 +1176,193 @@
           <pc:docMk/>
           <pc:sldMk cId="3710477869" sldId="299"/>
         </pc:sldMkLst>
+      </pc:sldChg>
+      <pc:sldChg chg="addSp delSp modSp add mod">
+        <pc:chgData name="David Cavanaugh" userId="0b20315e-7c2d-4d9f-9a83-59b2f42af10e" providerId="ADAL" clId="{E76C9178-C88C-41B1-ADF9-82936E3B28D5}" dt="2021-12-17T03:04:55.203" v="9454" actId="33524"/>
+        <pc:sldMkLst>
+          <pc:docMk/>
+          <pc:sldMk cId="3914222650" sldId="300"/>
+        </pc:sldMkLst>
+        <pc:spChg chg="add del">
+          <ac:chgData name="David Cavanaugh" userId="0b20315e-7c2d-4d9f-9a83-59b2f42af10e" providerId="ADAL" clId="{E76C9178-C88C-41B1-ADF9-82936E3B28D5}" dt="2021-12-17T03:02:50.365" v="9103" actId="22"/>
+          <ac:spMkLst>
+            <pc:docMk/>
+            <pc:sldMk cId="3914222650" sldId="300"/>
+            <ac:spMk id="8" creationId="{7BF6C092-B252-4DF0-9719-DCFB160FD79F}"/>
+          </ac:spMkLst>
+        </pc:spChg>
+        <pc:spChg chg="add mod">
+          <ac:chgData name="David Cavanaugh" userId="0b20315e-7c2d-4d9f-9a83-59b2f42af10e" providerId="ADAL" clId="{E76C9178-C88C-41B1-ADF9-82936E3B28D5}" dt="2021-12-17T03:04:55.203" v="9454" actId="33524"/>
+          <ac:spMkLst>
+            <pc:docMk/>
+            <pc:sldMk cId="3914222650" sldId="300"/>
+            <ac:spMk id="9" creationId="{588BF4B0-CC71-4CA2-A14D-162BB24C9FB9}"/>
+          </ac:spMkLst>
+        </pc:spChg>
+        <pc:spChg chg="mod">
+          <ac:chgData name="David Cavanaugh" userId="0b20315e-7c2d-4d9f-9a83-59b2f42af10e" providerId="ADAL" clId="{E76C9178-C88C-41B1-ADF9-82936E3B28D5}" dt="2021-12-17T02:58:31.455" v="8453" actId="20577"/>
+          <ac:spMkLst>
+            <pc:docMk/>
+            <pc:sldMk cId="3914222650" sldId="300"/>
+            <ac:spMk id="64" creationId="{00000000-0000-0000-0000-000000000000}"/>
+          </ac:spMkLst>
+        </pc:spChg>
+        <pc:spChg chg="mod">
+          <ac:chgData name="David Cavanaugh" userId="0b20315e-7c2d-4d9f-9a83-59b2f42af10e" providerId="ADAL" clId="{E76C9178-C88C-41B1-ADF9-82936E3B28D5}" dt="2021-12-17T03:02:47.160" v="9101" actId="27636"/>
+          <ac:spMkLst>
+            <pc:docMk/>
+            <pc:sldMk cId="3914222650" sldId="300"/>
+            <ac:spMk id="65" creationId="{00000000-0000-0000-0000-000000000000}"/>
+          </ac:spMkLst>
+        </pc:spChg>
+        <pc:picChg chg="add mod">
+          <ac:chgData name="David Cavanaugh" userId="0b20315e-7c2d-4d9f-9a83-59b2f42af10e" providerId="ADAL" clId="{E76C9178-C88C-41B1-ADF9-82936E3B28D5}" dt="2021-12-17T03:03:14.882" v="9118" actId="1076"/>
+          <ac:picMkLst>
+            <pc:docMk/>
+            <pc:sldMk cId="3914222650" sldId="300"/>
+            <ac:picMk id="3" creationId="{5E1B70BC-26EE-43FC-AD59-179B37508B76}"/>
+          </ac:picMkLst>
+        </pc:picChg>
+      </pc:sldChg>
+      <pc:sldChg chg="addSp delSp modSp add mod">
+        <pc:chgData name="David Cavanaugh" userId="0b20315e-7c2d-4d9f-9a83-59b2f42af10e" providerId="ADAL" clId="{E76C9178-C88C-41B1-ADF9-82936E3B28D5}" dt="2021-12-17T03:12:22.867" v="10565" actId="20577"/>
+        <pc:sldMkLst>
+          <pc:docMk/>
+          <pc:sldMk cId="2436985741" sldId="301"/>
+        </pc:sldMkLst>
+        <pc:spChg chg="mod">
+          <ac:chgData name="David Cavanaugh" userId="0b20315e-7c2d-4d9f-9a83-59b2f42af10e" providerId="ADAL" clId="{E76C9178-C88C-41B1-ADF9-82936E3B28D5}" dt="2021-12-17T03:11:29.129" v="10502" actId="1076"/>
+          <ac:spMkLst>
+            <pc:docMk/>
+            <pc:sldMk cId="2436985741" sldId="301"/>
+            <ac:spMk id="9" creationId="{588BF4B0-CC71-4CA2-A14D-162BB24C9FB9}"/>
+          </ac:spMkLst>
+        </pc:spChg>
+        <pc:spChg chg="mod">
+          <ac:chgData name="David Cavanaugh" userId="0b20315e-7c2d-4d9f-9a83-59b2f42af10e" providerId="ADAL" clId="{E76C9178-C88C-41B1-ADF9-82936E3B28D5}" dt="2021-12-17T03:12:22.867" v="10565" actId="20577"/>
+          <ac:spMkLst>
+            <pc:docMk/>
+            <pc:sldMk cId="2436985741" sldId="301"/>
+            <ac:spMk id="65" creationId="{00000000-0000-0000-0000-000000000000}"/>
+          </ac:spMkLst>
+        </pc:spChg>
+        <pc:picChg chg="del">
+          <ac:chgData name="David Cavanaugh" userId="0b20315e-7c2d-4d9f-9a83-59b2f42af10e" providerId="ADAL" clId="{E76C9178-C88C-41B1-ADF9-82936E3B28D5}" dt="2021-12-17T03:07:41.897" v="9982" actId="478"/>
+          <ac:picMkLst>
+            <pc:docMk/>
+            <pc:sldMk cId="2436985741" sldId="301"/>
+            <ac:picMk id="3" creationId="{5E1B70BC-26EE-43FC-AD59-179B37508B76}"/>
+          </ac:picMkLst>
+        </pc:picChg>
+        <pc:picChg chg="add mod">
+          <ac:chgData name="David Cavanaugh" userId="0b20315e-7c2d-4d9f-9a83-59b2f42af10e" providerId="ADAL" clId="{E76C9178-C88C-41B1-ADF9-82936E3B28D5}" dt="2021-12-17T03:08:40.423" v="10085" actId="1076"/>
+          <ac:picMkLst>
+            <pc:docMk/>
+            <pc:sldMk cId="2436985741" sldId="301"/>
+            <ac:picMk id="4" creationId="{CEF276F5-49E0-400C-9C70-6BECEEDA0A71}"/>
+          </ac:picMkLst>
+        </pc:picChg>
+      </pc:sldChg>
+      <pc:sldChg chg="addSp delSp modSp add mod">
+        <pc:chgData name="David Cavanaugh" userId="0b20315e-7c2d-4d9f-9a83-59b2f42af10e" providerId="ADAL" clId="{E76C9178-C88C-41B1-ADF9-82936E3B28D5}" dt="2021-12-17T03:16:12.687" v="10971" actId="313"/>
+        <pc:sldMkLst>
+          <pc:docMk/>
+          <pc:sldMk cId="3303164628" sldId="302"/>
+        </pc:sldMkLst>
+        <pc:spChg chg="mod">
+          <ac:chgData name="David Cavanaugh" userId="0b20315e-7c2d-4d9f-9a83-59b2f42af10e" providerId="ADAL" clId="{E76C9178-C88C-41B1-ADF9-82936E3B28D5}" dt="2021-12-17T03:16:12.687" v="10971" actId="313"/>
+          <ac:spMkLst>
+            <pc:docMk/>
+            <pc:sldMk cId="3303164628" sldId="302"/>
+            <ac:spMk id="9" creationId="{588BF4B0-CC71-4CA2-A14D-162BB24C9FB9}"/>
+          </ac:spMkLst>
+        </pc:spChg>
+        <pc:spChg chg="mod">
+          <ac:chgData name="David Cavanaugh" userId="0b20315e-7c2d-4d9f-9a83-59b2f42af10e" providerId="ADAL" clId="{E76C9178-C88C-41B1-ADF9-82936E3B28D5}" dt="2021-12-17T03:16:06.267" v="10970" actId="404"/>
+          <ac:spMkLst>
+            <pc:docMk/>
+            <pc:sldMk cId="3303164628" sldId="302"/>
+            <ac:spMk id="65" creationId="{00000000-0000-0000-0000-000000000000}"/>
+          </ac:spMkLst>
+        </pc:spChg>
+        <pc:picChg chg="add mod">
+          <ac:chgData name="David Cavanaugh" userId="0b20315e-7c2d-4d9f-9a83-59b2f42af10e" providerId="ADAL" clId="{E76C9178-C88C-41B1-ADF9-82936E3B28D5}" dt="2021-12-17T03:14:56.496" v="10896" actId="1076"/>
+          <ac:picMkLst>
+            <pc:docMk/>
+            <pc:sldMk cId="3303164628" sldId="302"/>
+            <ac:picMk id="3" creationId="{78C6044D-41DA-42DB-AFB8-35E1B85C1CAB}"/>
+          </ac:picMkLst>
+        </pc:picChg>
+        <pc:picChg chg="del">
+          <ac:chgData name="David Cavanaugh" userId="0b20315e-7c2d-4d9f-9a83-59b2f42af10e" providerId="ADAL" clId="{E76C9178-C88C-41B1-ADF9-82936E3B28D5}" dt="2021-12-17T03:14:52.513" v="10894" actId="478"/>
+          <ac:picMkLst>
+            <pc:docMk/>
+            <pc:sldMk cId="3303164628" sldId="302"/>
+            <ac:picMk id="4" creationId="{CEF276F5-49E0-400C-9C70-6BECEEDA0A71}"/>
+          </ac:picMkLst>
+        </pc:picChg>
+      </pc:sldChg>
+      <pc:sldChg chg="addSp delSp modSp add mod">
+        <pc:chgData name="David Cavanaugh" userId="0b20315e-7c2d-4d9f-9a83-59b2f42af10e" providerId="ADAL" clId="{E76C9178-C88C-41B1-ADF9-82936E3B28D5}" dt="2021-12-17T03:19:19.579" v="11379" actId="404"/>
+        <pc:sldMkLst>
+          <pc:docMk/>
+          <pc:sldMk cId="821307744" sldId="303"/>
+        </pc:sldMkLst>
+        <pc:spChg chg="mod">
+          <ac:chgData name="David Cavanaugh" userId="0b20315e-7c2d-4d9f-9a83-59b2f42af10e" providerId="ADAL" clId="{E76C9178-C88C-41B1-ADF9-82936E3B28D5}" dt="2021-12-17T03:19:19.579" v="11379" actId="404"/>
+          <ac:spMkLst>
+            <pc:docMk/>
+            <pc:sldMk cId="821307744" sldId="303"/>
+            <ac:spMk id="9" creationId="{588BF4B0-CC71-4CA2-A14D-162BB24C9FB9}"/>
+          </ac:spMkLst>
+        </pc:spChg>
+        <pc:spChg chg="mod">
+          <ac:chgData name="David Cavanaugh" userId="0b20315e-7c2d-4d9f-9a83-59b2f42af10e" providerId="ADAL" clId="{E76C9178-C88C-41B1-ADF9-82936E3B28D5}" dt="2021-12-17T03:17:58.033" v="11252" actId="27636"/>
+          <ac:spMkLst>
+            <pc:docMk/>
+            <pc:sldMk cId="821307744" sldId="303"/>
+            <ac:spMk id="65" creationId="{00000000-0000-0000-0000-000000000000}"/>
+          </ac:spMkLst>
+        </pc:spChg>
+        <pc:picChg chg="del">
+          <ac:chgData name="David Cavanaugh" userId="0b20315e-7c2d-4d9f-9a83-59b2f42af10e" providerId="ADAL" clId="{E76C9178-C88C-41B1-ADF9-82936E3B28D5}" dt="2021-12-17T03:18:02.240" v="11253" actId="478"/>
+          <ac:picMkLst>
+            <pc:docMk/>
+            <pc:sldMk cId="821307744" sldId="303"/>
+            <ac:picMk id="3" creationId="{78C6044D-41DA-42DB-AFB8-35E1B85C1CAB}"/>
+          </ac:picMkLst>
+        </pc:picChg>
+        <pc:picChg chg="add mod">
+          <ac:chgData name="David Cavanaugh" userId="0b20315e-7c2d-4d9f-9a83-59b2f42af10e" providerId="ADAL" clId="{E76C9178-C88C-41B1-ADF9-82936E3B28D5}" dt="2021-12-17T03:18:35.676" v="11255" actId="1076"/>
+          <ac:picMkLst>
+            <pc:docMk/>
+            <pc:sldMk cId="821307744" sldId="303"/>
+            <ac:picMk id="4" creationId="{52A90959-FE67-40BF-B492-B075D404715B}"/>
+          </ac:picMkLst>
+        </pc:picChg>
+      </pc:sldChg>
+      <pc:sldChg chg="modSp add mod">
+        <pc:chgData name="David Cavanaugh" userId="0b20315e-7c2d-4d9f-9a83-59b2f42af10e" providerId="ADAL" clId="{E76C9178-C88C-41B1-ADF9-82936E3B28D5}" dt="2021-12-17T03:47:26.758" v="12339" actId="20577"/>
+        <pc:sldMkLst>
+          <pc:docMk/>
+          <pc:sldMk cId="417058454" sldId="304"/>
+        </pc:sldMkLst>
+        <pc:spChg chg="mod">
+          <ac:chgData name="David Cavanaugh" userId="0b20315e-7c2d-4d9f-9a83-59b2f42af10e" providerId="ADAL" clId="{E76C9178-C88C-41B1-ADF9-82936E3B28D5}" dt="2021-12-17T03:41:33.708" v="11658" actId="20577"/>
+          <ac:spMkLst>
+            <pc:docMk/>
+            <pc:sldMk cId="417058454" sldId="304"/>
+            <ac:spMk id="64" creationId="{00000000-0000-0000-0000-000000000000}"/>
+          </ac:spMkLst>
+        </pc:spChg>
+        <pc:spChg chg="mod">
+          <ac:chgData name="David Cavanaugh" userId="0b20315e-7c2d-4d9f-9a83-59b2f42af10e" providerId="ADAL" clId="{E76C9178-C88C-41B1-ADF9-82936E3B28D5}" dt="2021-12-17T03:47:26.758" v="12339" actId="20577"/>
+          <ac:spMkLst>
+            <pc:docMk/>
+            <pc:sldMk cId="417058454" sldId="304"/>
+            <ac:spMk id="65" creationId="{00000000-0000-0000-0000-000000000000}"/>
+          </ac:spMkLst>
+        </pc:spChg>
       </pc:sldChg>
     </pc:docChg>
   </pc:docChgLst>
@@ -2778,14 +3017,14 @@
               </a:spcAft>
               <a:buNone/>
             </a:pPr>
-            <a:endParaRPr dirty="0"/>
+            <a:endParaRPr/>
           </a:p>
         </p:txBody>
       </p:sp>
     </p:spTree>
     <p:extLst>
       <p:ext uri="{BB962C8B-B14F-4D97-AF65-F5344CB8AC3E}">
-        <p14:creationId xmlns:p14="http://schemas.microsoft.com/office/powerpoint/2010/main" val="2712812702"/>
+        <p14:creationId xmlns:p14="http://schemas.microsoft.com/office/powerpoint/2010/main" val="2526489594"/>
       </p:ext>
     </p:extLst>
   </p:cSld>
@@ -2887,14 +3126,14 @@
               </a:spcAft>
               <a:buNone/>
             </a:pPr>
-            <a:endParaRPr dirty="0"/>
+            <a:endParaRPr/>
           </a:p>
         </p:txBody>
       </p:sp>
     </p:spTree>
     <p:extLst>
       <p:ext uri="{BB962C8B-B14F-4D97-AF65-F5344CB8AC3E}">
-        <p14:creationId xmlns:p14="http://schemas.microsoft.com/office/powerpoint/2010/main" val="1895154225"/>
+        <p14:creationId xmlns:p14="http://schemas.microsoft.com/office/powerpoint/2010/main" val="1771672418"/>
       </p:ext>
     </p:extLst>
   </p:cSld>
@@ -3003,6 +3242,442 @@
     </p:spTree>
     <p:extLst>
       <p:ext uri="{BB962C8B-B14F-4D97-AF65-F5344CB8AC3E}">
+        <p14:creationId xmlns:p14="http://schemas.microsoft.com/office/powerpoint/2010/main" val="1638241262"/>
+      </p:ext>
+    </p:extLst>
+  </p:cSld>
+  <p:clrMapOvr>
+    <a:masterClrMapping/>
+  </p:clrMapOvr>
+</p:notes>
+</file>
+
+<file path=ppt/notesSlides/notesSlide13.xml><?xml version="1.0" encoding="utf-8"?>
+<p:notes xmlns:a="http://schemas.openxmlformats.org/drawingml/2006/main" xmlns:r="http://schemas.openxmlformats.org/officeDocument/2006/relationships" xmlns:p="http://schemas.openxmlformats.org/presentationml/2006/main" showMasterSp="0" showMasterPhAnim="0">
+  <p:cSld>
+    <p:spTree>
+      <p:nvGrpSpPr>
+        <p:cNvPr id="1" name="Shape 60"/>
+        <p:cNvGrpSpPr/>
+        <p:nvPr/>
+      </p:nvGrpSpPr>
+      <p:grpSpPr>
+        <a:xfrm>
+          <a:off x="0" y="0"/>
+          <a:ext cx="0" cy="0"/>
+          <a:chOff x="0" y="0"/>
+          <a:chExt cx="0" cy="0"/>
+        </a:xfrm>
+      </p:grpSpPr>
+      <p:sp>
+        <p:nvSpPr>
+          <p:cNvPr id="61" name="Google Shape;61;gf627c69ef5_0_0:notes"/>
+          <p:cNvSpPr>
+            <a:spLocks noGrp="1" noRot="1" noChangeAspect="1"/>
+          </p:cNvSpPr>
+          <p:nvPr>
+            <p:ph type="sldImg" idx="2"/>
+          </p:nvPr>
+        </p:nvSpPr>
+        <p:spPr>
+          <a:xfrm>
+            <a:off x="381000" y="685800"/>
+            <a:ext cx="6096000" cy="3429000"/>
+          </a:xfrm>
+          <a:custGeom>
+            <a:avLst/>
+            <a:gdLst/>
+            <a:ahLst/>
+            <a:cxnLst/>
+            <a:rect l="l" t="t" r="r" b="b"/>
+            <a:pathLst>
+              <a:path w="120000" h="120000" extrusionOk="0">
+                <a:moveTo>
+                  <a:pt x="0" y="0"/>
+                </a:moveTo>
+                <a:lnTo>
+                  <a:pt x="120000" y="0"/>
+                </a:lnTo>
+                <a:lnTo>
+                  <a:pt x="120000" y="120000"/>
+                </a:lnTo>
+                <a:lnTo>
+                  <a:pt x="0" y="120000"/>
+                </a:lnTo>
+                <a:close/>
+              </a:path>
+            </a:pathLst>
+          </a:custGeom>
+        </p:spPr>
+      </p:sp>
+      <p:sp>
+        <p:nvSpPr>
+          <p:cNvPr id="62" name="Google Shape;62;gf627c69ef5_0_0:notes"/>
+          <p:cNvSpPr txBox="1">
+            <a:spLocks noGrp="1"/>
+          </p:cNvSpPr>
+          <p:nvPr>
+            <p:ph type="body" idx="1"/>
+          </p:nvPr>
+        </p:nvSpPr>
+        <p:spPr>
+          <a:xfrm>
+            <a:off x="685800" y="4343400"/>
+            <a:ext cx="5486400" cy="4114800"/>
+          </a:xfrm>
+          <a:prstGeom prst="rect">
+            <a:avLst/>
+          </a:prstGeom>
+        </p:spPr>
+        <p:txBody>
+          <a:bodyPr spcFirstLastPara="1" wrap="square" lIns="91425" tIns="91425" rIns="91425" bIns="91425" anchor="t" anchorCtr="0">
+            <a:noAutofit/>
+          </a:bodyPr>
+          <a:lstStyle/>
+          <a:p>
+            <a:pPr marL="0" lvl="0" indent="0" algn="l" rtl="0">
+              <a:spcBef>
+                <a:spcPts val="0"/>
+              </a:spcBef>
+              <a:spcAft>
+                <a:spcPts val="0"/>
+              </a:spcAft>
+              <a:buNone/>
+            </a:pPr>
+            <a:endParaRPr dirty="0"/>
+          </a:p>
+        </p:txBody>
+      </p:sp>
+    </p:spTree>
+    <p:extLst>
+      <p:ext uri="{BB962C8B-B14F-4D97-AF65-F5344CB8AC3E}">
+        <p14:creationId xmlns:p14="http://schemas.microsoft.com/office/powerpoint/2010/main" val="176768290"/>
+      </p:ext>
+    </p:extLst>
+  </p:cSld>
+  <p:clrMapOvr>
+    <a:masterClrMapping/>
+  </p:clrMapOvr>
+</p:notes>
+</file>
+
+<file path=ppt/notesSlides/notesSlide14.xml><?xml version="1.0" encoding="utf-8"?>
+<p:notes xmlns:a="http://schemas.openxmlformats.org/drawingml/2006/main" xmlns:r="http://schemas.openxmlformats.org/officeDocument/2006/relationships" xmlns:p="http://schemas.openxmlformats.org/presentationml/2006/main" showMasterSp="0" showMasterPhAnim="0">
+  <p:cSld>
+    <p:spTree>
+      <p:nvGrpSpPr>
+        <p:cNvPr id="1" name="Shape 60"/>
+        <p:cNvGrpSpPr/>
+        <p:nvPr/>
+      </p:nvGrpSpPr>
+      <p:grpSpPr>
+        <a:xfrm>
+          <a:off x="0" y="0"/>
+          <a:ext cx="0" cy="0"/>
+          <a:chOff x="0" y="0"/>
+          <a:chExt cx="0" cy="0"/>
+        </a:xfrm>
+      </p:grpSpPr>
+      <p:sp>
+        <p:nvSpPr>
+          <p:cNvPr id="61" name="Google Shape;61;gf627c69ef5_0_0:notes"/>
+          <p:cNvSpPr>
+            <a:spLocks noGrp="1" noRot="1" noChangeAspect="1"/>
+          </p:cNvSpPr>
+          <p:nvPr>
+            <p:ph type="sldImg" idx="2"/>
+          </p:nvPr>
+        </p:nvSpPr>
+        <p:spPr>
+          <a:xfrm>
+            <a:off x="381000" y="685800"/>
+            <a:ext cx="6096000" cy="3429000"/>
+          </a:xfrm>
+          <a:custGeom>
+            <a:avLst/>
+            <a:gdLst/>
+            <a:ahLst/>
+            <a:cxnLst/>
+            <a:rect l="l" t="t" r="r" b="b"/>
+            <a:pathLst>
+              <a:path w="120000" h="120000" extrusionOk="0">
+                <a:moveTo>
+                  <a:pt x="0" y="0"/>
+                </a:moveTo>
+                <a:lnTo>
+                  <a:pt x="120000" y="0"/>
+                </a:lnTo>
+                <a:lnTo>
+                  <a:pt x="120000" y="120000"/>
+                </a:lnTo>
+                <a:lnTo>
+                  <a:pt x="0" y="120000"/>
+                </a:lnTo>
+                <a:close/>
+              </a:path>
+            </a:pathLst>
+          </a:custGeom>
+        </p:spPr>
+      </p:sp>
+      <p:sp>
+        <p:nvSpPr>
+          <p:cNvPr id="62" name="Google Shape;62;gf627c69ef5_0_0:notes"/>
+          <p:cNvSpPr txBox="1">
+            <a:spLocks noGrp="1"/>
+          </p:cNvSpPr>
+          <p:nvPr>
+            <p:ph type="body" idx="1"/>
+          </p:nvPr>
+        </p:nvSpPr>
+        <p:spPr>
+          <a:xfrm>
+            <a:off x="685800" y="4343400"/>
+            <a:ext cx="5486400" cy="4114800"/>
+          </a:xfrm>
+          <a:prstGeom prst="rect">
+            <a:avLst/>
+          </a:prstGeom>
+        </p:spPr>
+        <p:txBody>
+          <a:bodyPr spcFirstLastPara="1" wrap="square" lIns="91425" tIns="91425" rIns="91425" bIns="91425" anchor="t" anchorCtr="0">
+            <a:noAutofit/>
+          </a:bodyPr>
+          <a:lstStyle/>
+          <a:p>
+            <a:pPr marL="0" lvl="0" indent="0" algn="l" rtl="0">
+              <a:spcBef>
+                <a:spcPts val="0"/>
+              </a:spcBef>
+              <a:spcAft>
+                <a:spcPts val="0"/>
+              </a:spcAft>
+              <a:buNone/>
+            </a:pPr>
+            <a:endParaRPr dirty="0"/>
+          </a:p>
+        </p:txBody>
+      </p:sp>
+    </p:spTree>
+    <p:extLst>
+      <p:ext uri="{BB962C8B-B14F-4D97-AF65-F5344CB8AC3E}">
+        <p14:creationId xmlns:p14="http://schemas.microsoft.com/office/powerpoint/2010/main" val="2712812702"/>
+      </p:ext>
+    </p:extLst>
+  </p:cSld>
+  <p:clrMapOvr>
+    <a:masterClrMapping/>
+  </p:clrMapOvr>
+</p:notes>
+</file>
+
+<file path=ppt/notesSlides/notesSlide15.xml><?xml version="1.0" encoding="utf-8"?>
+<p:notes xmlns:a="http://schemas.openxmlformats.org/drawingml/2006/main" xmlns:r="http://schemas.openxmlformats.org/officeDocument/2006/relationships" xmlns:p="http://schemas.openxmlformats.org/presentationml/2006/main" showMasterSp="0" showMasterPhAnim="0">
+  <p:cSld>
+    <p:spTree>
+      <p:nvGrpSpPr>
+        <p:cNvPr id="1" name="Shape 60"/>
+        <p:cNvGrpSpPr/>
+        <p:nvPr/>
+      </p:nvGrpSpPr>
+      <p:grpSpPr>
+        <a:xfrm>
+          <a:off x="0" y="0"/>
+          <a:ext cx="0" cy="0"/>
+          <a:chOff x="0" y="0"/>
+          <a:chExt cx="0" cy="0"/>
+        </a:xfrm>
+      </p:grpSpPr>
+      <p:sp>
+        <p:nvSpPr>
+          <p:cNvPr id="61" name="Google Shape;61;gf627c69ef5_0_0:notes"/>
+          <p:cNvSpPr>
+            <a:spLocks noGrp="1" noRot="1" noChangeAspect="1"/>
+          </p:cNvSpPr>
+          <p:nvPr>
+            <p:ph type="sldImg" idx="2"/>
+          </p:nvPr>
+        </p:nvSpPr>
+        <p:spPr>
+          <a:xfrm>
+            <a:off x="381000" y="685800"/>
+            <a:ext cx="6096000" cy="3429000"/>
+          </a:xfrm>
+          <a:custGeom>
+            <a:avLst/>
+            <a:gdLst/>
+            <a:ahLst/>
+            <a:cxnLst/>
+            <a:rect l="l" t="t" r="r" b="b"/>
+            <a:pathLst>
+              <a:path w="120000" h="120000" extrusionOk="0">
+                <a:moveTo>
+                  <a:pt x="0" y="0"/>
+                </a:moveTo>
+                <a:lnTo>
+                  <a:pt x="120000" y="0"/>
+                </a:lnTo>
+                <a:lnTo>
+                  <a:pt x="120000" y="120000"/>
+                </a:lnTo>
+                <a:lnTo>
+                  <a:pt x="0" y="120000"/>
+                </a:lnTo>
+                <a:close/>
+              </a:path>
+            </a:pathLst>
+          </a:custGeom>
+        </p:spPr>
+      </p:sp>
+      <p:sp>
+        <p:nvSpPr>
+          <p:cNvPr id="62" name="Google Shape;62;gf627c69ef5_0_0:notes"/>
+          <p:cNvSpPr txBox="1">
+            <a:spLocks noGrp="1"/>
+          </p:cNvSpPr>
+          <p:nvPr>
+            <p:ph type="body" idx="1"/>
+          </p:nvPr>
+        </p:nvSpPr>
+        <p:spPr>
+          <a:xfrm>
+            <a:off x="685800" y="4343400"/>
+            <a:ext cx="5486400" cy="4114800"/>
+          </a:xfrm>
+          <a:prstGeom prst="rect">
+            <a:avLst/>
+          </a:prstGeom>
+        </p:spPr>
+        <p:txBody>
+          <a:bodyPr spcFirstLastPara="1" wrap="square" lIns="91425" tIns="91425" rIns="91425" bIns="91425" anchor="t" anchorCtr="0">
+            <a:noAutofit/>
+          </a:bodyPr>
+          <a:lstStyle/>
+          <a:p>
+            <a:pPr marL="0" lvl="0" indent="0" algn="l" rtl="0">
+              <a:spcBef>
+                <a:spcPts val="0"/>
+              </a:spcBef>
+              <a:spcAft>
+                <a:spcPts val="0"/>
+              </a:spcAft>
+              <a:buNone/>
+            </a:pPr>
+            <a:endParaRPr dirty="0"/>
+          </a:p>
+        </p:txBody>
+      </p:sp>
+    </p:spTree>
+    <p:extLst>
+      <p:ext uri="{BB962C8B-B14F-4D97-AF65-F5344CB8AC3E}">
+        <p14:creationId xmlns:p14="http://schemas.microsoft.com/office/powerpoint/2010/main" val="1895154225"/>
+      </p:ext>
+    </p:extLst>
+  </p:cSld>
+  <p:clrMapOvr>
+    <a:masterClrMapping/>
+  </p:clrMapOvr>
+</p:notes>
+</file>
+
+<file path=ppt/notesSlides/notesSlide16.xml><?xml version="1.0" encoding="utf-8"?>
+<p:notes xmlns:a="http://schemas.openxmlformats.org/drawingml/2006/main" xmlns:r="http://schemas.openxmlformats.org/officeDocument/2006/relationships" xmlns:p="http://schemas.openxmlformats.org/presentationml/2006/main" showMasterSp="0" showMasterPhAnim="0">
+  <p:cSld>
+    <p:spTree>
+      <p:nvGrpSpPr>
+        <p:cNvPr id="1" name="Shape 60"/>
+        <p:cNvGrpSpPr/>
+        <p:nvPr/>
+      </p:nvGrpSpPr>
+      <p:grpSpPr>
+        <a:xfrm>
+          <a:off x="0" y="0"/>
+          <a:ext cx="0" cy="0"/>
+          <a:chOff x="0" y="0"/>
+          <a:chExt cx="0" cy="0"/>
+        </a:xfrm>
+      </p:grpSpPr>
+      <p:sp>
+        <p:nvSpPr>
+          <p:cNvPr id="61" name="Google Shape;61;gf627c69ef5_0_0:notes"/>
+          <p:cNvSpPr>
+            <a:spLocks noGrp="1" noRot="1" noChangeAspect="1"/>
+          </p:cNvSpPr>
+          <p:nvPr>
+            <p:ph type="sldImg" idx="2"/>
+          </p:nvPr>
+        </p:nvSpPr>
+        <p:spPr>
+          <a:xfrm>
+            <a:off x="381000" y="685800"/>
+            <a:ext cx="6096000" cy="3429000"/>
+          </a:xfrm>
+          <a:custGeom>
+            <a:avLst/>
+            <a:gdLst/>
+            <a:ahLst/>
+            <a:cxnLst/>
+            <a:rect l="l" t="t" r="r" b="b"/>
+            <a:pathLst>
+              <a:path w="120000" h="120000" extrusionOk="0">
+                <a:moveTo>
+                  <a:pt x="0" y="0"/>
+                </a:moveTo>
+                <a:lnTo>
+                  <a:pt x="120000" y="0"/>
+                </a:lnTo>
+                <a:lnTo>
+                  <a:pt x="120000" y="120000"/>
+                </a:lnTo>
+                <a:lnTo>
+                  <a:pt x="0" y="120000"/>
+                </a:lnTo>
+                <a:close/>
+              </a:path>
+            </a:pathLst>
+          </a:custGeom>
+        </p:spPr>
+      </p:sp>
+      <p:sp>
+        <p:nvSpPr>
+          <p:cNvPr id="62" name="Google Shape;62;gf627c69ef5_0_0:notes"/>
+          <p:cNvSpPr txBox="1">
+            <a:spLocks noGrp="1"/>
+          </p:cNvSpPr>
+          <p:nvPr>
+            <p:ph type="body" idx="1"/>
+          </p:nvPr>
+        </p:nvSpPr>
+        <p:spPr>
+          <a:xfrm>
+            <a:off x="685800" y="4343400"/>
+            <a:ext cx="5486400" cy="4114800"/>
+          </a:xfrm>
+          <a:prstGeom prst="rect">
+            <a:avLst/>
+          </a:prstGeom>
+        </p:spPr>
+        <p:txBody>
+          <a:bodyPr spcFirstLastPara="1" wrap="square" lIns="91425" tIns="91425" rIns="91425" bIns="91425" anchor="t" anchorCtr="0">
+            <a:noAutofit/>
+          </a:bodyPr>
+          <a:lstStyle/>
+          <a:p>
+            <a:pPr marL="0" lvl="0" indent="0" algn="l" rtl="0">
+              <a:spcBef>
+                <a:spcPts val="0"/>
+              </a:spcBef>
+              <a:spcAft>
+                <a:spcPts val="0"/>
+              </a:spcAft>
+              <a:buNone/>
+            </a:pPr>
+            <a:endParaRPr dirty="0"/>
+          </a:p>
+        </p:txBody>
+      </p:sp>
+    </p:spTree>
+    <p:extLst>
+      <p:ext uri="{BB962C8B-B14F-4D97-AF65-F5344CB8AC3E}">
         <p14:creationId xmlns:p14="http://schemas.microsoft.com/office/powerpoint/2010/main" val="3194889479"/>
       </p:ext>
     </p:extLst>
@@ -3013,7 +3688,7 @@
 </p:notes>
 </file>
 
-<file path=ppt/notesSlides/notesSlide13.xml><?xml version="1.0" encoding="utf-8"?>
+<file path=ppt/notesSlides/notesSlide17.xml><?xml version="1.0" encoding="utf-8"?>
 <p:notes xmlns:a="http://schemas.openxmlformats.org/drawingml/2006/main" xmlns:r="http://schemas.openxmlformats.org/officeDocument/2006/relationships" xmlns:p="http://schemas.openxmlformats.org/presentationml/2006/main" showMasterSp="0" showMasterPhAnim="0">
   <p:cSld>
     <p:spTree>
@@ -3105,120 +3780,7 @@
               </a:spcAft>
               <a:buNone/>
             </a:pPr>
-            <a:r>
-              <a:rPr lang="en-US" dirty="0"/>
-              <a:t>Things to answer:</a:t>
-            </a:r>
-          </a:p>
-          <a:p>
-            <a:pPr marL="228600" lvl="0" indent="-228600" algn="l" rtl="0">
-              <a:spcBef>
-                <a:spcPts val="0"/>
-              </a:spcBef>
-              <a:spcAft>
-                <a:spcPts val="0"/>
-              </a:spcAft>
-              <a:buAutoNum type="arabicPeriod"/>
-            </a:pPr>
-            <a:r>
-              <a:rPr lang="en-US" dirty="0"/>
-              <a:t>Introduce the background</a:t>
-            </a:r>
-          </a:p>
-          <a:p>
-            <a:pPr marL="228600" lvl="0" indent="-228600" algn="l" rtl="0">
-              <a:spcBef>
-                <a:spcPts val="0"/>
-              </a:spcBef>
-              <a:spcAft>
-                <a:spcPts val="0"/>
-              </a:spcAft>
-              <a:buAutoNum type="arabicPeriod"/>
-            </a:pPr>
-            <a:r>
-              <a:rPr lang="en-US" dirty="0"/>
-              <a:t>Address research question clearly</a:t>
-            </a:r>
-          </a:p>
-          <a:p>
-            <a:pPr marL="228600" lvl="0" indent="-228600" algn="l" rtl="0">
-              <a:spcBef>
-                <a:spcPts val="0"/>
-              </a:spcBef>
-              <a:spcAft>
-                <a:spcPts val="0"/>
-              </a:spcAft>
-              <a:buAutoNum type="arabicPeriod"/>
-            </a:pPr>
-            <a:r>
-              <a:rPr lang="en-US" dirty="0"/>
-              <a:t>Stick to the tables/graphs – not the code</a:t>
-            </a:r>
-          </a:p>
-          <a:p>
-            <a:pPr marL="228600" lvl="0" indent="-228600" algn="l" rtl="0">
-              <a:spcBef>
-                <a:spcPts val="0"/>
-              </a:spcBef>
-              <a:spcAft>
-                <a:spcPts val="0"/>
-              </a:spcAft>
-              <a:buAutoNum type="arabicPeriod"/>
-            </a:pPr>
-            <a:r>
-              <a:rPr lang="en-US" dirty="0"/>
-              <a:t>Cleaning and preparation – make it clear what I did and why</a:t>
-            </a:r>
-          </a:p>
-          <a:p>
-            <a:pPr marL="228600" lvl="0" indent="-228600" algn="l" rtl="0">
-              <a:spcBef>
-                <a:spcPts val="0"/>
-              </a:spcBef>
-              <a:spcAft>
-                <a:spcPts val="0"/>
-              </a:spcAft>
-              <a:buAutoNum type="arabicPeriod"/>
-            </a:pPr>
-            <a:r>
-              <a:rPr lang="en-US" dirty="0"/>
-              <a:t>Give an explanation on the method &amp; introduction to the method – provide an algorithm (simple)</a:t>
-            </a:r>
-          </a:p>
-          <a:p>
-            <a:pPr marL="228600" lvl="0" indent="-228600" algn="l" rtl="0">
-              <a:spcBef>
-                <a:spcPts val="0"/>
-              </a:spcBef>
-              <a:spcAft>
-                <a:spcPts val="0"/>
-              </a:spcAft>
-              <a:buAutoNum type="arabicPeriod"/>
-            </a:pPr>
-            <a:r>
-              <a:rPr lang="en-US" dirty="0"/>
-              <a:t>Model output – explain the parameter settings and the results</a:t>
-            </a:r>
-          </a:p>
-          <a:p>
-            <a:pPr marL="228600" lvl="0" indent="-228600" algn="l" rtl="0">
-              <a:spcBef>
-                <a:spcPts val="0"/>
-              </a:spcBef>
-              <a:spcAft>
-                <a:spcPts val="0"/>
-              </a:spcAft>
-              <a:buAutoNum type="arabicPeriod"/>
-            </a:pPr>
-            <a:r>
-              <a:rPr lang="en-US" dirty="0"/>
-              <a:t>Summary of results and discussion (limitations and possible </a:t>
-            </a:r>
-            <a:r>
-              <a:rPr lang="en-US"/>
-              <a:t>future improvements)</a:t>
-            </a:r>
-            <a:endParaRPr/>
+            <a:endParaRPr dirty="0"/>
           </a:p>
         </p:txBody>
       </p:sp>
@@ -3542,7 +4104,7 @@
     </p:spTree>
     <p:extLst>
       <p:ext uri="{BB962C8B-B14F-4D97-AF65-F5344CB8AC3E}">
-        <p14:creationId xmlns:p14="http://schemas.microsoft.com/office/powerpoint/2010/main" val="3015691967"/>
+        <p14:creationId xmlns:p14="http://schemas.microsoft.com/office/powerpoint/2010/main" val="3233828591"/>
       </p:ext>
     </p:extLst>
   </p:cSld>
@@ -3651,7 +4213,7 @@
     </p:spTree>
     <p:extLst>
       <p:ext uri="{BB962C8B-B14F-4D97-AF65-F5344CB8AC3E}">
-        <p14:creationId xmlns:p14="http://schemas.microsoft.com/office/powerpoint/2010/main" val="1190997161"/>
+        <p14:creationId xmlns:p14="http://schemas.microsoft.com/office/powerpoint/2010/main" val="3015691967"/>
       </p:ext>
     </p:extLst>
   </p:cSld>
@@ -3760,7 +4322,7 @@
     </p:spTree>
     <p:extLst>
       <p:ext uri="{BB962C8B-B14F-4D97-AF65-F5344CB8AC3E}">
-        <p14:creationId xmlns:p14="http://schemas.microsoft.com/office/powerpoint/2010/main" val="2319008599"/>
+        <p14:creationId xmlns:p14="http://schemas.microsoft.com/office/powerpoint/2010/main" val="1190997161"/>
       </p:ext>
     </p:extLst>
   </p:cSld>
@@ -3869,7 +4431,7 @@
     </p:spTree>
     <p:extLst>
       <p:ext uri="{BB962C8B-B14F-4D97-AF65-F5344CB8AC3E}">
-        <p14:creationId xmlns:p14="http://schemas.microsoft.com/office/powerpoint/2010/main" val="3905916959"/>
+        <p14:creationId xmlns:p14="http://schemas.microsoft.com/office/powerpoint/2010/main" val="2319008599"/>
       </p:ext>
     </p:extLst>
   </p:cSld>
@@ -3971,14 +4533,14 @@
               </a:spcAft>
               <a:buNone/>
             </a:pPr>
-            <a:endParaRPr/>
+            <a:endParaRPr dirty="0"/>
           </a:p>
         </p:txBody>
       </p:sp>
     </p:spTree>
     <p:extLst>
       <p:ext uri="{BB962C8B-B14F-4D97-AF65-F5344CB8AC3E}">
-        <p14:creationId xmlns:p14="http://schemas.microsoft.com/office/powerpoint/2010/main" val="2844051112"/>
+        <p14:creationId xmlns:p14="http://schemas.microsoft.com/office/powerpoint/2010/main" val="3905916959"/>
       </p:ext>
     </p:extLst>
   </p:cSld>
@@ -4080,14 +4642,14 @@
               </a:spcAft>
               <a:buNone/>
             </a:pPr>
-            <a:endParaRPr dirty="0"/>
+            <a:endParaRPr/>
           </a:p>
         </p:txBody>
       </p:sp>
     </p:spTree>
     <p:extLst>
       <p:ext uri="{BB962C8B-B14F-4D97-AF65-F5344CB8AC3E}">
-        <p14:creationId xmlns:p14="http://schemas.microsoft.com/office/powerpoint/2010/main" val="4267933123"/>
+        <p14:creationId xmlns:p14="http://schemas.microsoft.com/office/powerpoint/2010/main" val="2844051112"/>
       </p:ext>
     </p:extLst>
   </p:cSld>
@@ -9203,7 +9765,7 @@
             </a:pPr>
             <a:r>
               <a:rPr lang="en" dirty="0"/>
-              <a:t>Model Fitting</a:t>
+              <a:t>Model Framework Cont’d</a:t>
             </a:r>
             <a:endParaRPr dirty="0"/>
           </a:p>
@@ -9230,7 +9792,7 @@
         </p:spPr>
         <p:txBody>
           <a:bodyPr spcFirstLastPara="1" wrap="square" lIns="91425" tIns="91425" rIns="91425" bIns="91425" anchor="t" anchorCtr="0">
-            <a:normAutofit fontScale="92500" lnSpcReduction="10000"/>
+            <a:normAutofit/>
           </a:bodyPr>
           <a:lstStyle/>
           <a:p>
@@ -9246,7 +9808,7 @@
             </a:pPr>
             <a:r>
               <a:rPr lang="en-US" sz="2000" dirty="0"/>
-              <a:t>Data is separated into training and testing sets chronologically for each county. </a:t>
+              <a:t>Include county area	</a:t>
             </a:r>
           </a:p>
           <a:p>
@@ -9255,45 +9817,8 @@
               <a:buChar char="●"/>
             </a:pPr>
             <a:r>
-              <a:rPr lang="en-US" sz="1600" dirty="0"/>
-              <a:t>That is; 1992-2017 is used for training and 2018 is used for testing</a:t>
-            </a:r>
-          </a:p>
-          <a:p>
-            <a:pPr marL="457200" lvl="0" indent="-356115" algn="l" rtl="0">
-              <a:spcBef>
-                <a:spcPts val="0"/>
-              </a:spcBef>
-              <a:spcAft>
-                <a:spcPts val="0"/>
-              </a:spcAft>
-              <a:buSzPts val="2008"/>
-              <a:buChar char="●"/>
-            </a:pPr>
-            <a:endParaRPr lang="en-US" sz="2000" dirty="0"/>
-          </a:p>
-          <a:p>
-            <a:pPr marL="457200" lvl="0" indent="-356115" algn="l" rtl="0">
-              <a:spcBef>
-                <a:spcPts val="0"/>
-              </a:spcBef>
-              <a:spcAft>
-                <a:spcPts val="0"/>
-              </a:spcAft>
-              <a:buSzPts val="2008"/>
-              <a:buChar char="●"/>
-            </a:pPr>
-            <a:r>
-              <a:rPr lang="en-US" sz="2000" dirty="0"/>
-              <a:t>We fit a </a:t>
-            </a:r>
-            <a:r>
-              <a:rPr lang="en-US" sz="2000" dirty="0" err="1"/>
-              <a:t>CatBoost</a:t>
-            </a:r>
-            <a:r>
-              <a:rPr lang="en-US" sz="2000" dirty="0"/>
-              <a:t> model</a:t>
+              <a:rPr lang="en-US" dirty="0"/>
+              <a:t>Account for the fact that larger counties typically have more land to burn</a:t>
             </a:r>
           </a:p>
           <a:p>
@@ -9302,85 +9827,44 @@
               <a:buChar char="●"/>
             </a:pPr>
             <a:r>
-              <a:rPr lang="en-US" sz="1600" dirty="0"/>
-              <a:t>Implements the </a:t>
+              <a:rPr lang="en-US" dirty="0"/>
+              <a:t>Fun fact: although we did not include Alaska, there are some counties in Alaska with county areas larger than most entire states</a:t>
             </a:r>
+          </a:p>
+          <a:p>
+            <a:pPr indent="-356115">
+              <a:buSzPts val="2008"/>
+            </a:pPr>
             <a:r>
-              <a:rPr lang="en-US" sz="1600" dirty="0" err="1"/>
-              <a:t>XGBoost</a:t>
-            </a:r>
-            <a:r>
-              <a:rPr lang="en-US" sz="1600" dirty="0"/>
-              <a:t> algorithm but with better handling of categorical features</a:t>
-            </a:r>
-          </a:p>
-          <a:p>
-            <a:pPr marL="457200" lvl="0" indent="-356115" algn="l" rtl="0">
-              <a:spcBef>
-                <a:spcPts val="0"/>
-              </a:spcBef>
-              <a:spcAft>
-                <a:spcPts val="0"/>
-              </a:spcAft>
-              <a:buSzPts val="2008"/>
-              <a:buChar char="●"/>
-            </a:pPr>
-            <a:endParaRPr lang="en-US" sz="2000" dirty="0"/>
-          </a:p>
-          <a:p>
-            <a:pPr marL="457200" lvl="0" indent="-356115" algn="l" rtl="0">
-              <a:spcBef>
-                <a:spcPts val="0"/>
-              </a:spcBef>
-              <a:spcAft>
-                <a:spcPts val="0"/>
-              </a:spcAft>
-              <a:buSzPts val="2008"/>
-              <a:buChar char="●"/>
-            </a:pPr>
-            <a:r>
-              <a:rPr lang="en-US" sz="2000" dirty="0"/>
-              <a:t>Accuracy metrics</a:t>
+              <a:rPr lang="en-US" dirty="0"/>
+              <a:t>Include categorical variables for individual county and state</a:t>
             </a:r>
           </a:p>
           <a:p>
             <a:pPr lvl="1" indent="-356115">
               <a:buSzPts val="2008"/>
-              <a:buChar char="●"/>
             </a:pPr>
             <a:r>
-              <a:rPr lang="en-US" sz="1600" dirty="0"/>
-              <a:t>Root mean squared error</a:t>
+              <a:rPr lang="en-US" dirty="0"/>
+              <a:t>This may account for varying wildfire containment or prevention policies by county or state as those are likely left up to local governments to determine</a:t>
             </a:r>
           </a:p>
           <a:p>
             <a:pPr lvl="1" indent="-356115">
               <a:buSzPts val="2008"/>
-              <a:buChar char="●"/>
             </a:pPr>
             <a:r>
-              <a:rPr lang="en-US" sz="1600" dirty="0"/>
-              <a:t>Mean absolute percent error</a:t>
-            </a:r>
-          </a:p>
-          <a:p>
-            <a:pPr lvl="1" indent="-356115">
-              <a:buSzPts val="2008"/>
-              <a:buChar char="●"/>
-            </a:pPr>
-            <a:r>
-              <a:rPr lang="en-US" sz="1600" dirty="0"/>
-              <a:t>Median squared error</a:t>
+              <a:rPr lang="en-US" dirty="0"/>
+              <a:t>This consists of 411 individual counties and 11 states</a:t>
             </a:r>
           </a:p>
           <a:p>
             <a:pPr lvl="2" indent="-356115">
               <a:buSzPts val="2008"/>
-              <a:buChar char="●"/>
             </a:pPr>
             <a:r>
               <a:rPr lang="en-US" dirty="0"/>
-              <a:t>Due to some of the outliers and extreme values in the data</a:t>
+              <a:t>The large number of categories may be an issue unless we handle them carefully</a:t>
             </a:r>
           </a:p>
         </p:txBody>
@@ -9430,7 +9914,7 @@
     </p:spTree>
     <p:extLst>
       <p:ext uri="{BB962C8B-B14F-4D97-AF65-F5344CB8AC3E}">
-        <p14:creationId xmlns:p14="http://schemas.microsoft.com/office/powerpoint/2010/main" val="1206300121"/>
+        <p14:creationId xmlns:p14="http://schemas.microsoft.com/office/powerpoint/2010/main" val="3987383754"/>
       </p:ext>
     </p:extLst>
   </p:cSld>
@@ -9493,9 +9977,130 @@
             </a:pPr>
             <a:r>
               <a:rPr lang="en" dirty="0"/>
-              <a:t>Model Accuracy</a:t>
+              <a:t>Model Fitting</a:t>
             </a:r>
             <a:endParaRPr dirty="0"/>
+          </a:p>
+        </p:txBody>
+      </p:sp>
+      <p:sp>
+        <p:nvSpPr>
+          <p:cNvPr id="65" name="Google Shape;65;p14"/>
+          <p:cNvSpPr txBox="1">
+            <a:spLocks noGrp="1"/>
+          </p:cNvSpPr>
+          <p:nvPr>
+            <p:ph type="body" idx="1"/>
+          </p:nvPr>
+        </p:nvSpPr>
+        <p:spPr>
+          <a:xfrm>
+            <a:off x="311700" y="1152475"/>
+            <a:ext cx="8520600" cy="3416400"/>
+          </a:xfrm>
+          <a:prstGeom prst="rect">
+            <a:avLst/>
+          </a:prstGeom>
+        </p:spPr>
+        <p:txBody>
+          <a:bodyPr spcFirstLastPara="1" wrap="square" lIns="91425" tIns="91425" rIns="91425" bIns="91425" anchor="t" anchorCtr="0">
+            <a:normAutofit/>
+          </a:bodyPr>
+          <a:lstStyle/>
+          <a:p>
+            <a:pPr marL="457200" lvl="0" indent="-356115" algn="l" rtl="0">
+              <a:spcBef>
+                <a:spcPts val="0"/>
+              </a:spcBef>
+              <a:spcAft>
+                <a:spcPts val="0"/>
+              </a:spcAft>
+              <a:buSzPts val="2008"/>
+              <a:buChar char="●"/>
+            </a:pPr>
+            <a:r>
+              <a:rPr lang="en-US" sz="2000" dirty="0"/>
+              <a:t>Data is separated into training and testing sets chronologically for each county. </a:t>
+            </a:r>
+          </a:p>
+          <a:p>
+            <a:pPr lvl="1" indent="-356115">
+              <a:buSzPts val="2008"/>
+              <a:buChar char="●"/>
+            </a:pPr>
+            <a:r>
+              <a:rPr lang="en-US" sz="1600" dirty="0"/>
+              <a:t>That is; 1992-2016 is used for training and 2017 - 2018 is used for testing</a:t>
+            </a:r>
+          </a:p>
+          <a:p>
+            <a:pPr marL="101085" lvl="0" indent="0" algn="l" rtl="0">
+              <a:spcBef>
+                <a:spcPts val="0"/>
+              </a:spcBef>
+              <a:spcAft>
+                <a:spcPts val="0"/>
+              </a:spcAft>
+              <a:buSzPts val="2008"/>
+              <a:buNone/>
+            </a:pPr>
+            <a:endParaRPr lang="en-US" sz="2000" dirty="0"/>
+          </a:p>
+          <a:p>
+            <a:pPr marL="457200" lvl="0" indent="-356115" algn="l" rtl="0">
+              <a:spcBef>
+                <a:spcPts val="0"/>
+              </a:spcBef>
+              <a:spcAft>
+                <a:spcPts val="0"/>
+              </a:spcAft>
+              <a:buSzPts val="2008"/>
+              <a:buChar char="●"/>
+            </a:pPr>
+            <a:r>
+              <a:rPr lang="en-US" sz="2000" dirty="0"/>
+              <a:t>Accuracy metrics</a:t>
+            </a:r>
+          </a:p>
+          <a:p>
+            <a:pPr lvl="1" indent="-356115">
+              <a:buSzPts val="2008"/>
+              <a:buChar char="●"/>
+            </a:pPr>
+            <a:r>
+              <a:rPr lang="en-US" sz="1600" dirty="0"/>
+              <a:t>Root mean squared error</a:t>
+            </a:r>
+          </a:p>
+          <a:p>
+            <a:pPr lvl="1" indent="-356115">
+              <a:buSzPts val="2008"/>
+              <a:buChar char="●"/>
+            </a:pPr>
+            <a:r>
+              <a:rPr lang="en-US" sz="1600" dirty="0"/>
+              <a:t>Mean absolute percent error</a:t>
+            </a:r>
+          </a:p>
+          <a:p>
+            <a:pPr lvl="1" indent="-356115">
+              <a:buSzPts val="2008"/>
+              <a:buChar char="●"/>
+            </a:pPr>
+            <a:r>
+              <a:rPr lang="en-US" sz="1600" dirty="0"/>
+              <a:t>Median absolute error</a:t>
+            </a:r>
+          </a:p>
+          <a:p>
+            <a:pPr lvl="2" indent="-356115">
+              <a:buSzPts val="2008"/>
+              <a:buChar char="●"/>
+            </a:pPr>
+            <a:r>
+              <a:rPr lang="en-US" dirty="0"/>
+              <a:t>Due to some of the outliers and extreme values in the data</a:t>
+            </a:r>
           </a:p>
         </p:txBody>
       </p:sp>
@@ -9541,256 +10146,10 @@
           </a:p>
         </p:txBody>
       </p:sp>
-      <p:graphicFrame>
-        <p:nvGraphicFramePr>
-          <p:cNvPr id="2" name="Table 2">
-            <a:extLst>
-              <a:ext uri="{FF2B5EF4-FFF2-40B4-BE49-F238E27FC236}">
-                <a16:creationId xmlns:a16="http://schemas.microsoft.com/office/drawing/2014/main" id="{93E335AB-E822-46FD-95C3-8CEC54569141}"/>
-              </a:ext>
-            </a:extLst>
-          </p:cNvPr>
-          <p:cNvGraphicFramePr>
-            <a:graphicFrameLocks noGrp="1"/>
-          </p:cNvGraphicFramePr>
-          <p:nvPr>
-            <p:extLst>
-              <p:ext uri="{D42A27DB-BD31-4B8C-83A1-F6EECF244321}">
-                <p14:modId xmlns:p14="http://schemas.microsoft.com/office/powerpoint/2010/main" val="2717713080"/>
-              </p:ext>
-            </p:extLst>
-          </p:nvPr>
-        </p:nvGraphicFramePr>
-        <p:xfrm>
-          <a:off x="1450042" y="1830070"/>
-          <a:ext cx="6096000" cy="1483360"/>
-        </p:xfrm>
-        <a:graphic>
-          <a:graphicData uri="http://schemas.openxmlformats.org/drawingml/2006/table">
-            <a:tbl>
-              <a:tblPr firstRow="1" bandRow="1">
-                <a:tableStyleId>{E01B5121-5541-4489-98BA-4E0541C5D607}</a:tableStyleId>
-              </a:tblPr>
-              <a:tblGrid>
-                <a:gridCol w="2032000">
-                  <a:extLst>
-                    <a:ext uri="{9D8B030D-6E8A-4147-A177-3AD203B41FA5}">
-                      <a16:colId xmlns:a16="http://schemas.microsoft.com/office/drawing/2014/main" val="670144723"/>
-                    </a:ext>
-                  </a:extLst>
-                </a:gridCol>
-                <a:gridCol w="2032000">
-                  <a:extLst>
-                    <a:ext uri="{9D8B030D-6E8A-4147-A177-3AD203B41FA5}">
-                      <a16:colId xmlns:a16="http://schemas.microsoft.com/office/drawing/2014/main" val="4228561402"/>
-                    </a:ext>
-                  </a:extLst>
-                </a:gridCol>
-                <a:gridCol w="2032000">
-                  <a:extLst>
-                    <a:ext uri="{9D8B030D-6E8A-4147-A177-3AD203B41FA5}">
-                      <a16:colId xmlns:a16="http://schemas.microsoft.com/office/drawing/2014/main" val="3320341330"/>
-                    </a:ext>
-                  </a:extLst>
-                </a:gridCol>
-              </a:tblGrid>
-              <a:tr h="370840">
-                <a:tc>
-                  <a:txBody>
-                    <a:bodyPr/>
-                    <a:lstStyle/>
-                    <a:p>
-                      <a:endParaRPr lang="en-US"/>
-                    </a:p>
-                  </a:txBody>
-                  <a:tcPr/>
-                </a:tc>
-                <a:tc>
-                  <a:txBody>
-                    <a:bodyPr/>
-                    <a:lstStyle/>
-                    <a:p>
-                      <a:pPr algn="ctr"/>
-                      <a:r>
-                        <a:rPr lang="en-US" dirty="0"/>
-                        <a:t>Train</a:t>
-                      </a:r>
-                    </a:p>
-                  </a:txBody>
-                  <a:tcPr/>
-                </a:tc>
-                <a:tc>
-                  <a:txBody>
-                    <a:bodyPr/>
-                    <a:lstStyle/>
-                    <a:p>
-                      <a:pPr algn="ctr"/>
-                      <a:r>
-                        <a:rPr lang="en-US" dirty="0"/>
-                        <a:t>Test</a:t>
-                      </a:r>
-                    </a:p>
-                  </a:txBody>
-                  <a:tcPr/>
-                </a:tc>
-                <a:extLst>
-                  <a:ext uri="{0D108BD9-81ED-4DB2-BD59-A6C34878D82A}">
-                    <a16:rowId xmlns:a16="http://schemas.microsoft.com/office/drawing/2014/main" val="1279771980"/>
-                  </a:ext>
-                </a:extLst>
-              </a:tr>
-              <a:tr h="370840">
-                <a:tc>
-                  <a:txBody>
-                    <a:bodyPr/>
-                    <a:lstStyle/>
-                    <a:p>
-                      <a:r>
-                        <a:rPr lang="en-US" dirty="0"/>
-                        <a:t>RMSE</a:t>
-                      </a:r>
-                    </a:p>
-                  </a:txBody>
-                  <a:tcPr/>
-                </a:tc>
-                <a:tc>
-                  <a:txBody>
-                    <a:bodyPr/>
-                    <a:lstStyle/>
-                    <a:p>
-                      <a:pPr algn="ctr"/>
-                      <a:r>
-                        <a:rPr lang="en-US" dirty="0"/>
-                        <a:t>5200.411</a:t>
-                      </a:r>
-                    </a:p>
-                  </a:txBody>
-                  <a:tcPr/>
-                </a:tc>
-                <a:tc>
-                  <a:txBody>
-                    <a:bodyPr/>
-                    <a:lstStyle/>
-                    <a:p>
-                      <a:pPr algn="ctr"/>
-                      <a:r>
-                        <a:rPr lang="en-US" dirty="0"/>
-                        <a:t>12171.78</a:t>
-                      </a:r>
-                    </a:p>
-                  </a:txBody>
-                  <a:tcPr/>
-                </a:tc>
-                <a:extLst>
-                  <a:ext uri="{0D108BD9-81ED-4DB2-BD59-A6C34878D82A}">
-                    <a16:rowId xmlns:a16="http://schemas.microsoft.com/office/drawing/2014/main" val="1966238879"/>
-                  </a:ext>
-                </a:extLst>
-              </a:tr>
-              <a:tr h="370840">
-                <a:tc>
-                  <a:txBody>
-                    <a:bodyPr/>
-                    <a:lstStyle/>
-                    <a:p>
-                      <a:r>
-                        <a:rPr lang="en-US" dirty="0"/>
-                        <a:t>MAPE</a:t>
-                      </a:r>
-                    </a:p>
-                  </a:txBody>
-                  <a:tcPr/>
-                </a:tc>
-                <a:tc>
-                  <a:txBody>
-                    <a:bodyPr/>
-                    <a:lstStyle/>
-                    <a:p>
-                      <a:pPr algn="ctr"/>
-                      <a:r>
-                        <a:rPr lang="en-US" dirty="0"/>
-                        <a:t>2.09%</a:t>
-                      </a:r>
-                    </a:p>
-                  </a:txBody>
-                  <a:tcPr/>
-                </a:tc>
-                <a:tc>
-                  <a:txBody>
-                    <a:bodyPr/>
-                    <a:lstStyle/>
-                    <a:p>
-                      <a:pPr algn="ctr"/>
-                      <a:r>
-                        <a:rPr lang="en-US" dirty="0"/>
-                        <a:t>2.14%</a:t>
-                      </a:r>
-                    </a:p>
-                  </a:txBody>
-                  <a:tcPr/>
-                </a:tc>
-                <a:extLst>
-                  <a:ext uri="{0D108BD9-81ED-4DB2-BD59-A6C34878D82A}">
-                    <a16:rowId xmlns:a16="http://schemas.microsoft.com/office/drawing/2014/main" val="220413331"/>
-                  </a:ext>
-                </a:extLst>
-              </a:tr>
-              <a:tr h="370840">
-                <a:tc>
-                  <a:txBody>
-                    <a:bodyPr/>
-                    <a:lstStyle/>
-                    <a:p>
-                      <a:r>
-                        <a:rPr lang="en-US" dirty="0"/>
-                        <a:t>Median Absolute Error</a:t>
-                      </a:r>
-                    </a:p>
-                  </a:txBody>
-                  <a:tcPr/>
-                </a:tc>
-                <a:tc>
-                  <a:txBody>
-                    <a:bodyPr/>
-                    <a:lstStyle/>
-                    <a:p>
-                      <a:pPr algn="ctr"/>
-                      <a:r>
-                        <a:rPr lang="en-US" dirty="0"/>
-                        <a:t>115.51</a:t>
-                      </a:r>
-                    </a:p>
-                  </a:txBody>
-                  <a:tcPr/>
-                </a:tc>
-                <a:tc>
-                  <a:txBody>
-                    <a:bodyPr/>
-                    <a:lstStyle/>
-                    <a:p>
-                      <a:pPr algn="ctr"/>
-                      <a:r>
-                        <a:rPr lang="en-US" dirty="0"/>
-                        <a:t>141.62</a:t>
-                      </a:r>
-                    </a:p>
-                  </a:txBody>
-                  <a:tcPr/>
-                </a:tc>
-                <a:extLst>
-                  <a:ext uri="{0D108BD9-81ED-4DB2-BD59-A6C34878D82A}">
-                    <a16:rowId xmlns:a16="http://schemas.microsoft.com/office/drawing/2014/main" val="3471448443"/>
-                  </a:ext>
-                </a:extLst>
-              </a:tr>
-            </a:tbl>
-          </a:graphicData>
-        </a:graphic>
-      </p:graphicFrame>
     </p:spTree>
     <p:extLst>
       <p:ext uri="{BB962C8B-B14F-4D97-AF65-F5344CB8AC3E}">
-        <p14:creationId xmlns:p14="http://schemas.microsoft.com/office/powerpoint/2010/main" val="2088661663"/>
+        <p14:creationId xmlns:p14="http://schemas.microsoft.com/office/powerpoint/2010/main" val="1206300121"/>
       </p:ext>
     </p:extLst>
   </p:cSld>
@@ -9853,7 +10212,7 @@
             </a:pPr>
             <a:r>
               <a:rPr lang="en" dirty="0"/>
-              <a:t>Model Interpretation</a:t>
+              <a:t>Model Fitting Cont’d</a:t>
             </a:r>
             <a:endParaRPr dirty="0"/>
           </a:p>
@@ -9872,7 +10231,7 @@
         <p:spPr>
           <a:xfrm>
             <a:off x="311700" y="1152475"/>
-            <a:ext cx="4421666" cy="3416400"/>
+            <a:ext cx="8520600" cy="1419275"/>
           </a:xfrm>
           <a:prstGeom prst="rect">
             <a:avLst/>
@@ -9880,7 +10239,7 @@
         </p:spPr>
         <p:txBody>
           <a:bodyPr spcFirstLastPara="1" wrap="square" lIns="91425" tIns="91425" rIns="91425" bIns="91425" anchor="t" anchorCtr="0">
-            <a:normAutofit/>
+            <a:normAutofit lnSpcReduction="10000"/>
           </a:bodyPr>
           <a:lstStyle/>
           <a:p>
@@ -9895,10 +10254,9 @@
               <a:buChar char="●"/>
             </a:pPr>
             <a:r>
-              <a:rPr lang="en-US" dirty="0"/>
-              <a:t>Feature Importance</a:t>
+              <a:rPr lang="en-US" sz="2000" dirty="0"/>
+              <a:t>Start simple with linear regression and only a few variables.</a:t>
             </a:r>
-            <a:endParaRPr lang="en-US" sz="1200" dirty="0"/>
           </a:p>
           <a:p>
             <a:pPr lvl="1" indent="-356115">
@@ -9906,65 +10264,55 @@
               <a:buChar char="●"/>
             </a:pPr>
             <a:r>
-              <a:rPr lang="en-US" dirty="0"/>
-              <a:t>Using </a:t>
+              <a:rPr lang="en-US" sz="1200" dirty="0"/>
+              <a:t>Y = Total Burn Area</a:t>
+            </a:r>
+          </a:p>
+          <a:p>
+            <a:pPr lvl="1" indent="-356115">
+              <a:buSzPts val="2008"/>
+              <a:buChar char="●"/>
+            </a:pPr>
+            <a:r>
+              <a:rPr lang="en-US" sz="1200" dirty="0"/>
+              <a:t>X includes county area, precipitation, min &amp; max temperate, 1 &amp; 12 period lags for total burn area</a:t>
+            </a:r>
+          </a:p>
+          <a:p>
+            <a:pPr indent="-356115">
+              <a:buSzPts val="2008"/>
+            </a:pPr>
+            <a:r>
+              <a:rPr lang="en-US" sz="1600" dirty="0"/>
+              <a:t>Parameters</a:t>
+            </a:r>
+          </a:p>
+          <a:p>
+            <a:pPr lvl="1" indent="-356115">
+              <a:buSzPts val="2008"/>
+            </a:pPr>
+            <a:r>
+              <a:rPr lang="en-US" sz="1200" dirty="0"/>
+              <a:t>No parameters are adjusted from Sci-Kit Learn defaults for </a:t>
             </a:r>
             <a:r>
-              <a:rPr lang="en-US" dirty="0" err="1"/>
-              <a:t>Shap</a:t>
+              <a:rPr lang="en-US" sz="1200" dirty="0" err="1"/>
+              <a:t>LinearRegression</a:t>
             </a:r>
-            <a:r>
-              <a:rPr lang="en-US" dirty="0"/>
-              <a:t> values</a:t>
-            </a:r>
-          </a:p>
-          <a:p>
-            <a:pPr indent="-356115">
+            <a:endParaRPr lang="en-US" sz="1200" dirty="0"/>
+          </a:p>
+          <a:p>
+            <a:pPr marL="101085" lvl="0" indent="0" algn="l" rtl="0">
+              <a:spcBef>
+                <a:spcPts val="0"/>
+              </a:spcBef>
+              <a:spcAft>
+                <a:spcPts val="0"/>
+              </a:spcAft>
               <a:buSzPts val="2008"/>
-            </a:pPr>
-            <a:endParaRPr lang="en-US" dirty="0"/>
-          </a:p>
-          <a:p>
-            <a:pPr indent="-356115">
-              <a:buSzPts val="2008"/>
-            </a:pPr>
-            <a:r>
-              <a:rPr lang="en-US" dirty="0"/>
-              <a:t>Weather</a:t>
-            </a:r>
-          </a:p>
-          <a:p>
-            <a:pPr lvl="1" indent="-356115">
-              <a:buSzPts val="2008"/>
-            </a:pPr>
-            <a:r>
-              <a:rPr lang="en-US" dirty="0"/>
-              <a:t>Captures the cyclical nature of wildfires and impact of weather on their size</a:t>
-            </a:r>
-          </a:p>
-          <a:p>
-            <a:pPr indent="-356115">
-              <a:buSzPts val="2008"/>
-            </a:pPr>
-            <a:endParaRPr lang="en-US" dirty="0"/>
-          </a:p>
-          <a:p>
-            <a:pPr indent="-356115">
-              <a:buSzPts val="2008"/>
-            </a:pPr>
-            <a:r>
-              <a:rPr lang="en-US" dirty="0"/>
-              <a:t>Previous month/year burn area</a:t>
-            </a:r>
-          </a:p>
-          <a:p>
-            <a:pPr lvl="1" indent="-356115">
-              <a:buSzPts val="2008"/>
-            </a:pPr>
-            <a:r>
-              <a:rPr lang="en-US" dirty="0"/>
-              <a:t>Indicate the model is capturing the autocorrelation we noticed previously</a:t>
-            </a:r>
+              <a:buNone/>
+            </a:pPr>
+            <a:endParaRPr lang="en-US" sz="2000" dirty="0"/>
           </a:p>
         </p:txBody>
       </p:sp>
@@ -10012,10 +10360,10 @@
       </p:sp>
       <p:pic>
         <p:nvPicPr>
-          <p:cNvPr id="5" name="Picture 4" descr="Table&#10;&#10;Description automatically generated with medium confidence">
+          <p:cNvPr id="3" name="Picture 2">
             <a:extLst>
               <a:ext uri="{FF2B5EF4-FFF2-40B4-BE49-F238E27FC236}">
-                <a16:creationId xmlns:a16="http://schemas.microsoft.com/office/drawing/2014/main" id="{FF1CAA00-B886-4A83-8117-413DAE8435BD}"/>
+                <a16:creationId xmlns:a16="http://schemas.microsoft.com/office/drawing/2014/main" id="{5E1B70BC-26EE-43FC-AD59-179B37508B76}"/>
               </a:ext>
             </a:extLst>
           </p:cNvPr>
@@ -10032,18 +10380,324 @@
         </p:blipFill>
         <p:spPr>
           <a:xfrm>
-            <a:off x="4954019" y="161521"/>
-            <a:ext cx="3228516" cy="4820457"/>
+            <a:off x="4733925" y="2709308"/>
+            <a:ext cx="4410075" cy="1609725"/>
           </a:xfrm>
           <a:prstGeom prst="rect">
             <a:avLst/>
           </a:prstGeom>
         </p:spPr>
       </p:pic>
+      <p:sp>
+        <p:nvSpPr>
+          <p:cNvPr id="9" name="Google Shape;65;p14">
+            <a:extLst>
+              <a:ext uri="{FF2B5EF4-FFF2-40B4-BE49-F238E27FC236}">
+                <a16:creationId xmlns:a16="http://schemas.microsoft.com/office/drawing/2014/main" id="{588BF4B0-CC71-4CA2-A14D-162BB24C9FB9}"/>
+              </a:ext>
+            </a:extLst>
+          </p:cNvPr>
+          <p:cNvSpPr txBox="1">
+            <a:spLocks/>
+          </p:cNvSpPr>
+          <p:nvPr/>
+        </p:nvSpPr>
+        <p:spPr>
+          <a:xfrm>
+            <a:off x="311700" y="2600640"/>
+            <a:ext cx="4299383" cy="1419275"/>
+          </a:xfrm>
+          <a:prstGeom prst="rect">
+            <a:avLst/>
+          </a:prstGeom>
+          <a:noFill/>
+          <a:ln>
+            <a:noFill/>
+          </a:ln>
+        </p:spPr>
+        <p:txBody>
+          <a:bodyPr spcFirstLastPara="1" wrap="square" lIns="91425" tIns="91425" rIns="91425" bIns="91425" anchor="t" anchorCtr="0">
+            <a:normAutofit/>
+          </a:bodyPr>
+          <a:lstStyle>
+            <a:defPPr marR="0" lvl="0" algn="l" rtl="0">
+              <a:lnSpc>
+                <a:spcPct val="100000"/>
+              </a:lnSpc>
+              <a:spcBef>
+                <a:spcPts val="0"/>
+              </a:spcBef>
+              <a:spcAft>
+                <a:spcPts val="0"/>
+              </a:spcAft>
+            </a:defPPr>
+            <a:lvl1pPr marL="457200" marR="0" lvl="0" indent="-342900" algn="l" rtl="0">
+              <a:lnSpc>
+                <a:spcPct val="115000"/>
+              </a:lnSpc>
+              <a:spcBef>
+                <a:spcPts val="0"/>
+              </a:spcBef>
+              <a:spcAft>
+                <a:spcPts val="0"/>
+              </a:spcAft>
+              <a:buClr>
+                <a:schemeClr val="dk2"/>
+              </a:buClr>
+              <a:buSzPts val="1800"/>
+              <a:buFont typeface="Arial"/>
+              <a:buChar char="●"/>
+              <a:defRPr sz="1800" b="0" i="0" u="none" strike="noStrike" cap="none">
+                <a:solidFill>
+                  <a:schemeClr val="dk2"/>
+                </a:solidFill>
+                <a:latin typeface="Arial"/>
+                <a:ea typeface="Arial"/>
+                <a:cs typeface="Arial"/>
+                <a:sym typeface="Arial"/>
+              </a:defRPr>
+            </a:lvl1pPr>
+            <a:lvl2pPr marL="914400" marR="0" lvl="1" indent="-317500" algn="l" rtl="0">
+              <a:lnSpc>
+                <a:spcPct val="115000"/>
+              </a:lnSpc>
+              <a:spcBef>
+                <a:spcPts val="0"/>
+              </a:spcBef>
+              <a:spcAft>
+                <a:spcPts val="0"/>
+              </a:spcAft>
+              <a:buClr>
+                <a:schemeClr val="dk2"/>
+              </a:buClr>
+              <a:buSzPts val="1400"/>
+              <a:buFont typeface="Arial"/>
+              <a:buChar char="○"/>
+              <a:defRPr sz="1400" b="0" i="0" u="none" strike="noStrike" cap="none">
+                <a:solidFill>
+                  <a:schemeClr val="dk2"/>
+                </a:solidFill>
+                <a:latin typeface="Arial"/>
+                <a:ea typeface="Arial"/>
+                <a:cs typeface="Arial"/>
+                <a:sym typeface="Arial"/>
+              </a:defRPr>
+            </a:lvl2pPr>
+            <a:lvl3pPr marL="1371600" marR="0" lvl="2" indent="-317500" algn="l" rtl="0">
+              <a:lnSpc>
+                <a:spcPct val="115000"/>
+              </a:lnSpc>
+              <a:spcBef>
+                <a:spcPts val="0"/>
+              </a:spcBef>
+              <a:spcAft>
+                <a:spcPts val="0"/>
+              </a:spcAft>
+              <a:buClr>
+                <a:schemeClr val="dk2"/>
+              </a:buClr>
+              <a:buSzPts val="1400"/>
+              <a:buFont typeface="Arial"/>
+              <a:buChar char="■"/>
+              <a:defRPr sz="1400" b="0" i="0" u="none" strike="noStrike" cap="none">
+                <a:solidFill>
+                  <a:schemeClr val="dk2"/>
+                </a:solidFill>
+                <a:latin typeface="Arial"/>
+                <a:ea typeface="Arial"/>
+                <a:cs typeface="Arial"/>
+                <a:sym typeface="Arial"/>
+              </a:defRPr>
+            </a:lvl3pPr>
+            <a:lvl4pPr marL="1828800" marR="0" lvl="3" indent="-317500" algn="l" rtl="0">
+              <a:lnSpc>
+                <a:spcPct val="115000"/>
+              </a:lnSpc>
+              <a:spcBef>
+                <a:spcPts val="0"/>
+              </a:spcBef>
+              <a:spcAft>
+                <a:spcPts val="0"/>
+              </a:spcAft>
+              <a:buClr>
+                <a:schemeClr val="dk2"/>
+              </a:buClr>
+              <a:buSzPts val="1400"/>
+              <a:buFont typeface="Arial"/>
+              <a:buChar char="●"/>
+              <a:defRPr sz="1400" b="0" i="0" u="none" strike="noStrike" cap="none">
+                <a:solidFill>
+                  <a:schemeClr val="dk2"/>
+                </a:solidFill>
+                <a:latin typeface="Arial"/>
+                <a:ea typeface="Arial"/>
+                <a:cs typeface="Arial"/>
+                <a:sym typeface="Arial"/>
+              </a:defRPr>
+            </a:lvl4pPr>
+            <a:lvl5pPr marL="2286000" marR="0" lvl="4" indent="-317500" algn="l" rtl="0">
+              <a:lnSpc>
+                <a:spcPct val="115000"/>
+              </a:lnSpc>
+              <a:spcBef>
+                <a:spcPts val="0"/>
+              </a:spcBef>
+              <a:spcAft>
+                <a:spcPts val="0"/>
+              </a:spcAft>
+              <a:buClr>
+                <a:schemeClr val="dk2"/>
+              </a:buClr>
+              <a:buSzPts val="1400"/>
+              <a:buFont typeface="Arial"/>
+              <a:buChar char="○"/>
+              <a:defRPr sz="1400" b="0" i="0" u="none" strike="noStrike" cap="none">
+                <a:solidFill>
+                  <a:schemeClr val="dk2"/>
+                </a:solidFill>
+                <a:latin typeface="Arial"/>
+                <a:ea typeface="Arial"/>
+                <a:cs typeface="Arial"/>
+                <a:sym typeface="Arial"/>
+              </a:defRPr>
+            </a:lvl5pPr>
+            <a:lvl6pPr marL="2743200" marR="0" lvl="5" indent="-317500" algn="l" rtl="0">
+              <a:lnSpc>
+                <a:spcPct val="115000"/>
+              </a:lnSpc>
+              <a:spcBef>
+                <a:spcPts val="0"/>
+              </a:spcBef>
+              <a:spcAft>
+                <a:spcPts val="0"/>
+              </a:spcAft>
+              <a:buClr>
+                <a:schemeClr val="dk2"/>
+              </a:buClr>
+              <a:buSzPts val="1400"/>
+              <a:buFont typeface="Arial"/>
+              <a:buChar char="■"/>
+              <a:defRPr sz="1400" b="0" i="0" u="none" strike="noStrike" cap="none">
+                <a:solidFill>
+                  <a:schemeClr val="dk2"/>
+                </a:solidFill>
+                <a:latin typeface="Arial"/>
+                <a:ea typeface="Arial"/>
+                <a:cs typeface="Arial"/>
+                <a:sym typeface="Arial"/>
+              </a:defRPr>
+            </a:lvl6pPr>
+            <a:lvl7pPr marL="3200400" marR="0" lvl="6" indent="-317500" algn="l" rtl="0">
+              <a:lnSpc>
+                <a:spcPct val="115000"/>
+              </a:lnSpc>
+              <a:spcBef>
+                <a:spcPts val="0"/>
+              </a:spcBef>
+              <a:spcAft>
+                <a:spcPts val="0"/>
+              </a:spcAft>
+              <a:buClr>
+                <a:schemeClr val="dk2"/>
+              </a:buClr>
+              <a:buSzPts val="1400"/>
+              <a:buFont typeface="Arial"/>
+              <a:buChar char="●"/>
+              <a:defRPr sz="1400" b="0" i="0" u="none" strike="noStrike" cap="none">
+                <a:solidFill>
+                  <a:schemeClr val="dk2"/>
+                </a:solidFill>
+                <a:latin typeface="Arial"/>
+                <a:ea typeface="Arial"/>
+                <a:cs typeface="Arial"/>
+                <a:sym typeface="Arial"/>
+              </a:defRPr>
+            </a:lvl7pPr>
+            <a:lvl8pPr marL="3657600" marR="0" lvl="7" indent="-317500" algn="l" rtl="0">
+              <a:lnSpc>
+                <a:spcPct val="115000"/>
+              </a:lnSpc>
+              <a:spcBef>
+                <a:spcPts val="0"/>
+              </a:spcBef>
+              <a:spcAft>
+                <a:spcPts val="0"/>
+              </a:spcAft>
+              <a:buClr>
+                <a:schemeClr val="dk2"/>
+              </a:buClr>
+              <a:buSzPts val="1400"/>
+              <a:buFont typeface="Arial"/>
+              <a:buChar char="○"/>
+              <a:defRPr sz="1400" b="0" i="0" u="none" strike="noStrike" cap="none">
+                <a:solidFill>
+                  <a:schemeClr val="dk2"/>
+                </a:solidFill>
+                <a:latin typeface="Arial"/>
+                <a:ea typeface="Arial"/>
+                <a:cs typeface="Arial"/>
+                <a:sym typeface="Arial"/>
+              </a:defRPr>
+            </a:lvl8pPr>
+            <a:lvl9pPr marL="4114800" marR="0" lvl="8" indent="-317500" algn="l" rtl="0">
+              <a:lnSpc>
+                <a:spcPct val="115000"/>
+              </a:lnSpc>
+              <a:spcBef>
+                <a:spcPts val="0"/>
+              </a:spcBef>
+              <a:spcAft>
+                <a:spcPts val="0"/>
+              </a:spcAft>
+              <a:buClr>
+                <a:schemeClr val="dk2"/>
+              </a:buClr>
+              <a:buSzPts val="1400"/>
+              <a:buFont typeface="Arial"/>
+              <a:buChar char="■"/>
+              <a:defRPr sz="1400" b="0" i="0" u="none" strike="noStrike" cap="none">
+                <a:solidFill>
+                  <a:schemeClr val="dk2"/>
+                </a:solidFill>
+                <a:latin typeface="Arial"/>
+                <a:ea typeface="Arial"/>
+                <a:cs typeface="Arial"/>
+                <a:sym typeface="Arial"/>
+              </a:defRPr>
+            </a:lvl9pPr>
+          </a:lstStyle>
+          <a:p>
+            <a:pPr indent="-356115">
+              <a:buSzPts val="2008"/>
+            </a:pPr>
+            <a:r>
+              <a:rPr lang="en-US" sz="2000" dirty="0"/>
+              <a:t>Accuracy</a:t>
+            </a:r>
+          </a:p>
+          <a:p>
+            <a:pPr lvl="1" indent="-356115">
+              <a:buSzPts val="2008"/>
+            </a:pPr>
+            <a:r>
+              <a:rPr lang="en-US" dirty="0"/>
+              <a:t>MAPE can be deceiving on its own, but it is used here primarily as a point of comparison with other models</a:t>
+            </a:r>
+          </a:p>
+          <a:p>
+            <a:pPr marL="101085" indent="0">
+              <a:buSzPts val="2008"/>
+              <a:buFont typeface="Arial"/>
+              <a:buNone/>
+            </a:pPr>
+            <a:endParaRPr lang="en-US" sz="2000" dirty="0"/>
+          </a:p>
+        </p:txBody>
+      </p:sp>
     </p:spTree>
     <p:extLst>
       <p:ext uri="{BB962C8B-B14F-4D97-AF65-F5344CB8AC3E}">
-        <p14:creationId xmlns:p14="http://schemas.microsoft.com/office/powerpoint/2010/main" val="4262667818"/>
+        <p14:creationId xmlns:p14="http://schemas.microsoft.com/office/powerpoint/2010/main" val="3914222650"/>
       </p:ext>
     </p:extLst>
   </p:cSld>
@@ -10106,7 +10760,7 @@
             </a:pPr>
             <a:r>
               <a:rPr lang="en" dirty="0"/>
-              <a:t>Model Interpretation Cont’d</a:t>
+              <a:t>Model Fitting Cont’d</a:t>
             </a:r>
             <a:endParaRPr dirty="0"/>
           </a:p>
@@ -10124,8 +10778,8 @@
         </p:nvSpPr>
         <p:spPr>
           <a:xfrm>
-            <a:off x="311700" y="1152475"/>
-            <a:ext cx="4260300" cy="3416400"/>
+            <a:off x="311700" y="1152474"/>
+            <a:ext cx="8520600" cy="1819159"/>
           </a:xfrm>
           <a:prstGeom prst="rect">
             <a:avLst/>
@@ -10133,7 +10787,7 @@
         </p:spPr>
         <p:txBody>
           <a:bodyPr spcFirstLastPara="1" wrap="square" lIns="91425" tIns="91425" rIns="91425" bIns="91425" anchor="t" anchorCtr="0">
-            <a:normAutofit/>
+            <a:normAutofit lnSpcReduction="10000"/>
           </a:bodyPr>
           <a:lstStyle/>
           <a:p>
@@ -10148,58 +10802,83 @@
               <a:buChar char="●"/>
             </a:pPr>
             <a:r>
-              <a:rPr lang="en-US" dirty="0"/>
-              <a:t>Feature Impact</a:t>
+              <a:rPr lang="en-US" sz="2000" dirty="0"/>
+              <a:t>Switch to </a:t>
             </a:r>
+            <a:r>
+              <a:rPr lang="en-US" sz="2000" dirty="0" err="1"/>
+              <a:t>CatBoost</a:t>
+            </a:r>
+            <a:endParaRPr lang="en-US" sz="2000" dirty="0"/>
           </a:p>
           <a:p>
             <a:pPr lvl="1" indent="-356115">
               <a:buSzPts val="2008"/>
-              <a:buChar char="●"/>
             </a:pPr>
             <a:r>
-              <a:rPr lang="en-US" dirty="0"/>
-              <a:t>Using </a:t>
+              <a:rPr lang="en-US" sz="1200" dirty="0"/>
+              <a:t>We want to be able to better handle the categorical variables for State and County</a:t>
+            </a:r>
+          </a:p>
+          <a:p>
+            <a:pPr indent="-356115">
+              <a:buSzPts val="2008"/>
+            </a:pPr>
+            <a:r>
+              <a:rPr lang="en-US" sz="1600" dirty="0"/>
+              <a:t>Parameters</a:t>
+            </a:r>
+          </a:p>
+          <a:p>
+            <a:pPr lvl="1" indent="-356115">
+              <a:buSzPts val="2008"/>
+            </a:pPr>
+            <a:r>
+              <a:rPr lang="en-US" sz="1200" dirty="0"/>
+              <a:t>Set </a:t>
             </a:r>
             <a:r>
-              <a:rPr lang="en-US" dirty="0" err="1"/>
-              <a:t>Shap</a:t>
+              <a:rPr lang="en-US" sz="1200" i="1" dirty="0" err="1"/>
+              <a:t>has_time</a:t>
             </a:r>
             <a:r>
-              <a:rPr lang="en-US" dirty="0"/>
-              <a:t> value per prediction</a:t>
+              <a:rPr lang="en-US" sz="1200" i="1" dirty="0"/>
+              <a:t> = True,</a:t>
+            </a:r>
+            <a:r>
+              <a:rPr lang="en-US" sz="1200" dirty="0"/>
+              <a:t> this turns off some of the random permutations which occur in the building of the forests so that the time-dependent structure of the data is preserved, all other parameters are left as defaults</a:t>
             </a:r>
           </a:p>
           <a:p>
             <a:pPr lvl="1" indent="-356115">
               <a:buSzPts val="2008"/>
-              <a:buChar char="●"/>
-            </a:pPr>
-            <a:endParaRPr lang="en-US" dirty="0"/>
-          </a:p>
-          <a:p>
-            <a:pPr indent="-356115">
+            </a:pPr>
+            <a:r>
+              <a:rPr lang="en-US" sz="1200" dirty="0"/>
+              <a:t>Include </a:t>
+            </a:r>
+            <a:r>
+              <a:rPr lang="en-US" sz="1200" i="1" dirty="0"/>
+              <a:t>only</a:t>
+            </a:r>
+            <a:r>
+              <a:rPr lang="en-US" sz="1200" dirty="0"/>
+              <a:t> the additional variables; we leave out any lag values of total burn area. Once we have selected the specific additional variables, we want we will add the lags of total burn area</a:t>
+            </a:r>
+          </a:p>
+          <a:p>
+            <a:pPr marL="101085" lvl="0" indent="0" algn="l" rtl="0">
+              <a:spcBef>
+                <a:spcPts val="0"/>
+              </a:spcBef>
+              <a:spcAft>
+                <a:spcPts val="0"/>
+              </a:spcAft>
               <a:buSzPts val="2008"/>
-            </a:pPr>
-            <a:r>
-              <a:rPr lang="en-US" dirty="0"/>
-              <a:t>Generally positive impact from previous month/year burn area</a:t>
-            </a:r>
-          </a:p>
-          <a:p>
-            <a:pPr indent="-356115">
-              <a:buSzPts val="2008"/>
-            </a:pPr>
-            <a:endParaRPr lang="en-US" dirty="0"/>
-          </a:p>
-          <a:p>
-            <a:pPr indent="-356115">
-              <a:buSzPts val="2008"/>
-            </a:pPr>
-            <a:r>
-              <a:rPr lang="en-US" dirty="0"/>
-              <a:t>Impacts due to weather are difficult to explain since ‘extreme’ weather is relative to each state/county</a:t>
-            </a:r>
+              <a:buNone/>
+            </a:pPr>
+            <a:endParaRPr lang="en-US" sz="2000" dirty="0"/>
           </a:p>
         </p:txBody>
       </p:sp>
@@ -10245,12 +10924,328 @@
           </a:p>
         </p:txBody>
       </p:sp>
+      <p:sp>
+        <p:nvSpPr>
+          <p:cNvPr id="9" name="Google Shape;65;p14">
+            <a:extLst>
+              <a:ext uri="{FF2B5EF4-FFF2-40B4-BE49-F238E27FC236}">
+                <a16:creationId xmlns:a16="http://schemas.microsoft.com/office/drawing/2014/main" id="{588BF4B0-CC71-4CA2-A14D-162BB24C9FB9}"/>
+              </a:ext>
+            </a:extLst>
+          </p:cNvPr>
+          <p:cNvSpPr txBox="1">
+            <a:spLocks/>
+          </p:cNvSpPr>
+          <p:nvPr/>
+        </p:nvSpPr>
+        <p:spPr>
+          <a:xfrm>
+            <a:off x="311700" y="2812468"/>
+            <a:ext cx="4299383" cy="2191100"/>
+          </a:xfrm>
+          <a:prstGeom prst="rect">
+            <a:avLst/>
+          </a:prstGeom>
+          <a:noFill/>
+          <a:ln>
+            <a:noFill/>
+          </a:ln>
+        </p:spPr>
+        <p:txBody>
+          <a:bodyPr spcFirstLastPara="1" wrap="square" lIns="91425" tIns="91425" rIns="91425" bIns="91425" anchor="t" anchorCtr="0">
+            <a:normAutofit lnSpcReduction="10000"/>
+          </a:bodyPr>
+          <a:lstStyle>
+            <a:defPPr marR="0" lvl="0" algn="l" rtl="0">
+              <a:lnSpc>
+                <a:spcPct val="100000"/>
+              </a:lnSpc>
+              <a:spcBef>
+                <a:spcPts val="0"/>
+              </a:spcBef>
+              <a:spcAft>
+                <a:spcPts val="0"/>
+              </a:spcAft>
+            </a:defPPr>
+            <a:lvl1pPr marL="457200" marR="0" lvl="0" indent="-342900" algn="l" rtl="0">
+              <a:lnSpc>
+                <a:spcPct val="115000"/>
+              </a:lnSpc>
+              <a:spcBef>
+                <a:spcPts val="0"/>
+              </a:spcBef>
+              <a:spcAft>
+                <a:spcPts val="0"/>
+              </a:spcAft>
+              <a:buClr>
+                <a:schemeClr val="dk2"/>
+              </a:buClr>
+              <a:buSzPts val="1800"/>
+              <a:buFont typeface="Arial"/>
+              <a:buChar char="●"/>
+              <a:defRPr sz="1800" b="0" i="0" u="none" strike="noStrike" cap="none">
+                <a:solidFill>
+                  <a:schemeClr val="dk2"/>
+                </a:solidFill>
+                <a:latin typeface="Arial"/>
+                <a:ea typeface="Arial"/>
+                <a:cs typeface="Arial"/>
+                <a:sym typeface="Arial"/>
+              </a:defRPr>
+            </a:lvl1pPr>
+            <a:lvl2pPr marL="914400" marR="0" lvl="1" indent="-317500" algn="l" rtl="0">
+              <a:lnSpc>
+                <a:spcPct val="115000"/>
+              </a:lnSpc>
+              <a:spcBef>
+                <a:spcPts val="0"/>
+              </a:spcBef>
+              <a:spcAft>
+                <a:spcPts val="0"/>
+              </a:spcAft>
+              <a:buClr>
+                <a:schemeClr val="dk2"/>
+              </a:buClr>
+              <a:buSzPts val="1400"/>
+              <a:buFont typeface="Arial"/>
+              <a:buChar char="○"/>
+              <a:defRPr sz="1400" b="0" i="0" u="none" strike="noStrike" cap="none">
+                <a:solidFill>
+                  <a:schemeClr val="dk2"/>
+                </a:solidFill>
+                <a:latin typeface="Arial"/>
+                <a:ea typeface="Arial"/>
+                <a:cs typeface="Arial"/>
+                <a:sym typeface="Arial"/>
+              </a:defRPr>
+            </a:lvl2pPr>
+            <a:lvl3pPr marL="1371600" marR="0" lvl="2" indent="-317500" algn="l" rtl="0">
+              <a:lnSpc>
+                <a:spcPct val="115000"/>
+              </a:lnSpc>
+              <a:spcBef>
+                <a:spcPts val="0"/>
+              </a:spcBef>
+              <a:spcAft>
+                <a:spcPts val="0"/>
+              </a:spcAft>
+              <a:buClr>
+                <a:schemeClr val="dk2"/>
+              </a:buClr>
+              <a:buSzPts val="1400"/>
+              <a:buFont typeface="Arial"/>
+              <a:buChar char="■"/>
+              <a:defRPr sz="1400" b="0" i="0" u="none" strike="noStrike" cap="none">
+                <a:solidFill>
+                  <a:schemeClr val="dk2"/>
+                </a:solidFill>
+                <a:latin typeface="Arial"/>
+                <a:ea typeface="Arial"/>
+                <a:cs typeface="Arial"/>
+                <a:sym typeface="Arial"/>
+              </a:defRPr>
+            </a:lvl3pPr>
+            <a:lvl4pPr marL="1828800" marR="0" lvl="3" indent="-317500" algn="l" rtl="0">
+              <a:lnSpc>
+                <a:spcPct val="115000"/>
+              </a:lnSpc>
+              <a:spcBef>
+                <a:spcPts val="0"/>
+              </a:spcBef>
+              <a:spcAft>
+                <a:spcPts val="0"/>
+              </a:spcAft>
+              <a:buClr>
+                <a:schemeClr val="dk2"/>
+              </a:buClr>
+              <a:buSzPts val="1400"/>
+              <a:buFont typeface="Arial"/>
+              <a:buChar char="●"/>
+              <a:defRPr sz="1400" b="0" i="0" u="none" strike="noStrike" cap="none">
+                <a:solidFill>
+                  <a:schemeClr val="dk2"/>
+                </a:solidFill>
+                <a:latin typeface="Arial"/>
+                <a:ea typeface="Arial"/>
+                <a:cs typeface="Arial"/>
+                <a:sym typeface="Arial"/>
+              </a:defRPr>
+            </a:lvl4pPr>
+            <a:lvl5pPr marL="2286000" marR="0" lvl="4" indent="-317500" algn="l" rtl="0">
+              <a:lnSpc>
+                <a:spcPct val="115000"/>
+              </a:lnSpc>
+              <a:spcBef>
+                <a:spcPts val="0"/>
+              </a:spcBef>
+              <a:spcAft>
+                <a:spcPts val="0"/>
+              </a:spcAft>
+              <a:buClr>
+                <a:schemeClr val="dk2"/>
+              </a:buClr>
+              <a:buSzPts val="1400"/>
+              <a:buFont typeface="Arial"/>
+              <a:buChar char="○"/>
+              <a:defRPr sz="1400" b="0" i="0" u="none" strike="noStrike" cap="none">
+                <a:solidFill>
+                  <a:schemeClr val="dk2"/>
+                </a:solidFill>
+                <a:latin typeface="Arial"/>
+                <a:ea typeface="Arial"/>
+                <a:cs typeface="Arial"/>
+                <a:sym typeface="Arial"/>
+              </a:defRPr>
+            </a:lvl5pPr>
+            <a:lvl6pPr marL="2743200" marR="0" lvl="5" indent="-317500" algn="l" rtl="0">
+              <a:lnSpc>
+                <a:spcPct val="115000"/>
+              </a:lnSpc>
+              <a:spcBef>
+                <a:spcPts val="0"/>
+              </a:spcBef>
+              <a:spcAft>
+                <a:spcPts val="0"/>
+              </a:spcAft>
+              <a:buClr>
+                <a:schemeClr val="dk2"/>
+              </a:buClr>
+              <a:buSzPts val="1400"/>
+              <a:buFont typeface="Arial"/>
+              <a:buChar char="■"/>
+              <a:defRPr sz="1400" b="0" i="0" u="none" strike="noStrike" cap="none">
+                <a:solidFill>
+                  <a:schemeClr val="dk2"/>
+                </a:solidFill>
+                <a:latin typeface="Arial"/>
+                <a:ea typeface="Arial"/>
+                <a:cs typeface="Arial"/>
+                <a:sym typeface="Arial"/>
+              </a:defRPr>
+            </a:lvl6pPr>
+            <a:lvl7pPr marL="3200400" marR="0" lvl="6" indent="-317500" algn="l" rtl="0">
+              <a:lnSpc>
+                <a:spcPct val="115000"/>
+              </a:lnSpc>
+              <a:spcBef>
+                <a:spcPts val="0"/>
+              </a:spcBef>
+              <a:spcAft>
+                <a:spcPts val="0"/>
+              </a:spcAft>
+              <a:buClr>
+                <a:schemeClr val="dk2"/>
+              </a:buClr>
+              <a:buSzPts val="1400"/>
+              <a:buFont typeface="Arial"/>
+              <a:buChar char="●"/>
+              <a:defRPr sz="1400" b="0" i="0" u="none" strike="noStrike" cap="none">
+                <a:solidFill>
+                  <a:schemeClr val="dk2"/>
+                </a:solidFill>
+                <a:latin typeface="Arial"/>
+                <a:ea typeface="Arial"/>
+                <a:cs typeface="Arial"/>
+                <a:sym typeface="Arial"/>
+              </a:defRPr>
+            </a:lvl7pPr>
+            <a:lvl8pPr marL="3657600" marR="0" lvl="7" indent="-317500" algn="l" rtl="0">
+              <a:lnSpc>
+                <a:spcPct val="115000"/>
+              </a:lnSpc>
+              <a:spcBef>
+                <a:spcPts val="0"/>
+              </a:spcBef>
+              <a:spcAft>
+                <a:spcPts val="0"/>
+              </a:spcAft>
+              <a:buClr>
+                <a:schemeClr val="dk2"/>
+              </a:buClr>
+              <a:buSzPts val="1400"/>
+              <a:buFont typeface="Arial"/>
+              <a:buChar char="○"/>
+              <a:defRPr sz="1400" b="0" i="0" u="none" strike="noStrike" cap="none">
+                <a:solidFill>
+                  <a:schemeClr val="dk2"/>
+                </a:solidFill>
+                <a:latin typeface="Arial"/>
+                <a:ea typeface="Arial"/>
+                <a:cs typeface="Arial"/>
+                <a:sym typeface="Arial"/>
+              </a:defRPr>
+            </a:lvl8pPr>
+            <a:lvl9pPr marL="4114800" marR="0" lvl="8" indent="-317500" algn="l" rtl="0">
+              <a:lnSpc>
+                <a:spcPct val="115000"/>
+              </a:lnSpc>
+              <a:spcBef>
+                <a:spcPts val="0"/>
+              </a:spcBef>
+              <a:spcAft>
+                <a:spcPts val="0"/>
+              </a:spcAft>
+              <a:buClr>
+                <a:schemeClr val="dk2"/>
+              </a:buClr>
+              <a:buSzPts val="1400"/>
+              <a:buFont typeface="Arial"/>
+              <a:buChar char="■"/>
+              <a:defRPr sz="1400" b="0" i="0" u="none" strike="noStrike" cap="none">
+                <a:solidFill>
+                  <a:schemeClr val="dk2"/>
+                </a:solidFill>
+                <a:latin typeface="Arial"/>
+                <a:ea typeface="Arial"/>
+                <a:cs typeface="Arial"/>
+                <a:sym typeface="Arial"/>
+              </a:defRPr>
+            </a:lvl9pPr>
+          </a:lstStyle>
+          <a:p>
+            <a:pPr indent="-356115">
+              <a:buSzPts val="2008"/>
+            </a:pPr>
+            <a:r>
+              <a:rPr lang="en-US" sz="2000" dirty="0"/>
+              <a:t>Accuracy</a:t>
+            </a:r>
+          </a:p>
+          <a:p>
+            <a:pPr lvl="1" indent="-356115">
+              <a:buSzPts val="2008"/>
+            </a:pPr>
+            <a:r>
+              <a:rPr lang="en-US" sz="1600" dirty="0"/>
+              <a:t>Significant improvement on median absolute error compared to simple linear regression</a:t>
+            </a:r>
+          </a:p>
+          <a:p>
+            <a:pPr lvl="1" indent="-356115">
+              <a:buSzPts val="2008"/>
+            </a:pPr>
+            <a:r>
+              <a:rPr lang="en-US" sz="1600" dirty="0"/>
+              <a:t>Training RMSE improved but test did not, </a:t>
+            </a:r>
+          </a:p>
+          <a:p>
+            <a:pPr lvl="1" indent="-356115">
+              <a:buSzPts val="2008"/>
+            </a:pPr>
+            <a:r>
+              <a:rPr lang="en-US" sz="1600" dirty="0"/>
+              <a:t>MAPE was significantly worse.</a:t>
+            </a:r>
+          </a:p>
+        </p:txBody>
+      </p:sp>
       <p:pic>
         <p:nvPicPr>
-          <p:cNvPr id="3" name="Picture 2" descr="Graphical user interface&#10;&#10;Description automatically generated">
+          <p:cNvPr id="4" name="Picture 3">
             <a:extLst>
               <a:ext uri="{FF2B5EF4-FFF2-40B4-BE49-F238E27FC236}">
-                <a16:creationId xmlns:a16="http://schemas.microsoft.com/office/drawing/2014/main" id="{86A106BF-31AB-4885-BACB-E4883D234451}"/>
+                <a16:creationId xmlns:a16="http://schemas.microsoft.com/office/drawing/2014/main" id="{CEF276F5-49E0-400C-9C70-6BECEEDA0A71}"/>
               </a:ext>
             </a:extLst>
           </p:cNvPr>
@@ -10267,8 +11262,8 @@
         </p:blipFill>
         <p:spPr>
           <a:xfrm>
-            <a:off x="4572000" y="147917"/>
-            <a:ext cx="3791738" cy="4847665"/>
+            <a:off x="4734908" y="2971634"/>
+            <a:ext cx="4286250" cy="1562100"/>
           </a:xfrm>
           <a:prstGeom prst="rect">
             <a:avLst/>
@@ -10278,7 +11273,7 @@
     </p:spTree>
     <p:extLst>
       <p:ext uri="{BB962C8B-B14F-4D97-AF65-F5344CB8AC3E}">
-        <p14:creationId xmlns:p14="http://schemas.microsoft.com/office/powerpoint/2010/main" val="144743385"/>
+        <p14:creationId xmlns:p14="http://schemas.microsoft.com/office/powerpoint/2010/main" val="2436985741"/>
       </p:ext>
     </p:extLst>
   </p:cSld>
@@ -10341,6 +11336,1610 @@
             </a:pPr>
             <a:r>
               <a:rPr lang="en" dirty="0"/>
+              <a:t>Model Fitting Cont’d</a:t>
+            </a:r>
+            <a:endParaRPr dirty="0"/>
+          </a:p>
+        </p:txBody>
+      </p:sp>
+      <p:sp>
+        <p:nvSpPr>
+          <p:cNvPr id="65" name="Google Shape;65;p14"/>
+          <p:cNvSpPr txBox="1">
+            <a:spLocks noGrp="1"/>
+          </p:cNvSpPr>
+          <p:nvPr>
+            <p:ph type="body" idx="1"/>
+          </p:nvPr>
+        </p:nvSpPr>
+        <p:spPr>
+          <a:xfrm>
+            <a:off x="311700" y="1152475"/>
+            <a:ext cx="8520600" cy="1936275"/>
+          </a:xfrm>
+          <a:prstGeom prst="rect">
+            <a:avLst/>
+          </a:prstGeom>
+        </p:spPr>
+        <p:txBody>
+          <a:bodyPr spcFirstLastPara="1" wrap="square" lIns="91425" tIns="91425" rIns="91425" bIns="91425" anchor="t" anchorCtr="0">
+            <a:normAutofit/>
+          </a:bodyPr>
+          <a:lstStyle/>
+          <a:p>
+            <a:pPr marL="457200" lvl="0" indent="-356115" algn="l" rtl="0">
+              <a:spcBef>
+                <a:spcPts val="0"/>
+              </a:spcBef>
+              <a:spcAft>
+                <a:spcPts val="0"/>
+              </a:spcAft>
+              <a:buSzPts val="2008"/>
+              <a:buChar char="●"/>
+            </a:pPr>
+            <a:r>
+              <a:rPr lang="en-US" sz="2000" dirty="0"/>
+              <a:t>Reduce dimensionality</a:t>
+            </a:r>
+          </a:p>
+          <a:p>
+            <a:pPr lvl="1" indent="-356115">
+              <a:buSzPts val="2008"/>
+            </a:pPr>
+            <a:r>
+              <a:rPr lang="en-US" dirty="0"/>
+              <a:t>Eliminate variables based on feature importance, removing variables which have an importance of less than 1</a:t>
+            </a:r>
+          </a:p>
+          <a:p>
+            <a:pPr indent="-356115">
+              <a:buSzPts val="2008"/>
+            </a:pPr>
+            <a:r>
+              <a:rPr lang="en-US" sz="2000" dirty="0"/>
+              <a:t>Parameters</a:t>
+            </a:r>
+            <a:endParaRPr lang="en-US" sz="1600" dirty="0"/>
+          </a:p>
+          <a:p>
+            <a:pPr lvl="1" indent="-356115">
+              <a:buSzPts val="2008"/>
+            </a:pPr>
+            <a:r>
+              <a:rPr lang="en-US" dirty="0"/>
+              <a:t>Keep </a:t>
+            </a:r>
+            <a:r>
+              <a:rPr lang="en-US" i="1" dirty="0" err="1"/>
+              <a:t>has_time</a:t>
+            </a:r>
+            <a:r>
+              <a:rPr lang="en-US" i="1" dirty="0"/>
+              <a:t> = True, </a:t>
+            </a:r>
+            <a:r>
+              <a:rPr lang="en-US" dirty="0"/>
+              <a:t>and prune the tree by setting the </a:t>
+            </a:r>
+            <a:r>
+              <a:rPr lang="en-US" i="1" dirty="0" err="1"/>
+              <a:t>max_depth</a:t>
+            </a:r>
+            <a:r>
+              <a:rPr lang="en-US" i="1" dirty="0"/>
+              <a:t> = 5</a:t>
+            </a:r>
+            <a:r>
+              <a:rPr lang="en-US" dirty="0"/>
+              <a:t>, also increase the size of the leaves to a minimum of 10 samples. </a:t>
+            </a:r>
+          </a:p>
+          <a:p>
+            <a:pPr marL="101085" lvl="0" indent="0" algn="l" rtl="0">
+              <a:spcBef>
+                <a:spcPts val="0"/>
+              </a:spcBef>
+              <a:spcAft>
+                <a:spcPts val="0"/>
+              </a:spcAft>
+              <a:buSzPts val="2008"/>
+              <a:buNone/>
+            </a:pPr>
+            <a:endParaRPr lang="en-US" sz="2000" dirty="0"/>
+          </a:p>
+        </p:txBody>
+      </p:sp>
+      <p:sp>
+        <p:nvSpPr>
+          <p:cNvPr id="67" name="Google Shape;67;p14"/>
+          <p:cNvSpPr txBox="1">
+            <a:spLocks noGrp="1"/>
+          </p:cNvSpPr>
+          <p:nvPr>
+            <p:ph type="sldNum" idx="12"/>
+          </p:nvPr>
+        </p:nvSpPr>
+        <p:spPr>
+          <a:xfrm>
+            <a:off x="8472458" y="4663217"/>
+            <a:ext cx="548700" cy="393600"/>
+          </a:xfrm>
+          <a:prstGeom prst="rect">
+            <a:avLst/>
+          </a:prstGeom>
+        </p:spPr>
+        <p:txBody>
+          <a:bodyPr spcFirstLastPara="1" wrap="square" lIns="91425" tIns="91425" rIns="91425" bIns="91425" anchor="ctr" anchorCtr="0">
+            <a:normAutofit/>
+          </a:bodyPr>
+          <a:lstStyle/>
+          <a:p>
+            <a:pPr marL="0" lvl="0" indent="0" algn="r" rtl="0">
+              <a:spcBef>
+                <a:spcPts val="0"/>
+              </a:spcBef>
+              <a:spcAft>
+                <a:spcPts val="0"/>
+              </a:spcAft>
+              <a:buNone/>
+            </a:pPr>
+            <a:fld id="{00000000-1234-1234-1234-123412341234}" type="slidenum">
+              <a:rPr lang="en"/>
+              <a:t>14</a:t>
+            </a:fld>
+            <a:endParaRPr/>
+          </a:p>
+        </p:txBody>
+      </p:sp>
+      <p:sp>
+        <p:nvSpPr>
+          <p:cNvPr id="9" name="Google Shape;65;p14">
+            <a:extLst>
+              <a:ext uri="{FF2B5EF4-FFF2-40B4-BE49-F238E27FC236}">
+                <a16:creationId xmlns:a16="http://schemas.microsoft.com/office/drawing/2014/main" id="{588BF4B0-CC71-4CA2-A14D-162BB24C9FB9}"/>
+              </a:ext>
+            </a:extLst>
+          </p:cNvPr>
+          <p:cNvSpPr txBox="1">
+            <a:spLocks/>
+          </p:cNvSpPr>
+          <p:nvPr/>
+        </p:nvSpPr>
+        <p:spPr>
+          <a:xfrm>
+            <a:off x="311700" y="3088750"/>
+            <a:ext cx="4299383" cy="1702990"/>
+          </a:xfrm>
+          <a:prstGeom prst="rect">
+            <a:avLst/>
+          </a:prstGeom>
+          <a:noFill/>
+          <a:ln>
+            <a:noFill/>
+          </a:ln>
+        </p:spPr>
+        <p:txBody>
+          <a:bodyPr spcFirstLastPara="1" wrap="square" lIns="91425" tIns="91425" rIns="91425" bIns="91425" anchor="t" anchorCtr="0">
+            <a:normAutofit/>
+          </a:bodyPr>
+          <a:lstStyle>
+            <a:defPPr marR="0" lvl="0" algn="l" rtl="0">
+              <a:lnSpc>
+                <a:spcPct val="100000"/>
+              </a:lnSpc>
+              <a:spcBef>
+                <a:spcPts val="0"/>
+              </a:spcBef>
+              <a:spcAft>
+                <a:spcPts val="0"/>
+              </a:spcAft>
+            </a:defPPr>
+            <a:lvl1pPr marL="457200" marR="0" lvl="0" indent="-342900" algn="l" rtl="0">
+              <a:lnSpc>
+                <a:spcPct val="115000"/>
+              </a:lnSpc>
+              <a:spcBef>
+                <a:spcPts val="0"/>
+              </a:spcBef>
+              <a:spcAft>
+                <a:spcPts val="0"/>
+              </a:spcAft>
+              <a:buClr>
+                <a:schemeClr val="dk2"/>
+              </a:buClr>
+              <a:buSzPts val="1800"/>
+              <a:buFont typeface="Arial"/>
+              <a:buChar char="●"/>
+              <a:defRPr sz="1800" b="0" i="0" u="none" strike="noStrike" cap="none">
+                <a:solidFill>
+                  <a:schemeClr val="dk2"/>
+                </a:solidFill>
+                <a:latin typeface="Arial"/>
+                <a:ea typeface="Arial"/>
+                <a:cs typeface="Arial"/>
+                <a:sym typeface="Arial"/>
+              </a:defRPr>
+            </a:lvl1pPr>
+            <a:lvl2pPr marL="914400" marR="0" lvl="1" indent="-317500" algn="l" rtl="0">
+              <a:lnSpc>
+                <a:spcPct val="115000"/>
+              </a:lnSpc>
+              <a:spcBef>
+                <a:spcPts val="0"/>
+              </a:spcBef>
+              <a:spcAft>
+                <a:spcPts val="0"/>
+              </a:spcAft>
+              <a:buClr>
+                <a:schemeClr val="dk2"/>
+              </a:buClr>
+              <a:buSzPts val="1400"/>
+              <a:buFont typeface="Arial"/>
+              <a:buChar char="○"/>
+              <a:defRPr sz="1400" b="0" i="0" u="none" strike="noStrike" cap="none">
+                <a:solidFill>
+                  <a:schemeClr val="dk2"/>
+                </a:solidFill>
+                <a:latin typeface="Arial"/>
+                <a:ea typeface="Arial"/>
+                <a:cs typeface="Arial"/>
+                <a:sym typeface="Arial"/>
+              </a:defRPr>
+            </a:lvl2pPr>
+            <a:lvl3pPr marL="1371600" marR="0" lvl="2" indent="-317500" algn="l" rtl="0">
+              <a:lnSpc>
+                <a:spcPct val="115000"/>
+              </a:lnSpc>
+              <a:spcBef>
+                <a:spcPts val="0"/>
+              </a:spcBef>
+              <a:spcAft>
+                <a:spcPts val="0"/>
+              </a:spcAft>
+              <a:buClr>
+                <a:schemeClr val="dk2"/>
+              </a:buClr>
+              <a:buSzPts val="1400"/>
+              <a:buFont typeface="Arial"/>
+              <a:buChar char="■"/>
+              <a:defRPr sz="1400" b="0" i="0" u="none" strike="noStrike" cap="none">
+                <a:solidFill>
+                  <a:schemeClr val="dk2"/>
+                </a:solidFill>
+                <a:latin typeface="Arial"/>
+                <a:ea typeface="Arial"/>
+                <a:cs typeface="Arial"/>
+                <a:sym typeface="Arial"/>
+              </a:defRPr>
+            </a:lvl3pPr>
+            <a:lvl4pPr marL="1828800" marR="0" lvl="3" indent="-317500" algn="l" rtl="0">
+              <a:lnSpc>
+                <a:spcPct val="115000"/>
+              </a:lnSpc>
+              <a:spcBef>
+                <a:spcPts val="0"/>
+              </a:spcBef>
+              <a:spcAft>
+                <a:spcPts val="0"/>
+              </a:spcAft>
+              <a:buClr>
+                <a:schemeClr val="dk2"/>
+              </a:buClr>
+              <a:buSzPts val="1400"/>
+              <a:buFont typeface="Arial"/>
+              <a:buChar char="●"/>
+              <a:defRPr sz="1400" b="0" i="0" u="none" strike="noStrike" cap="none">
+                <a:solidFill>
+                  <a:schemeClr val="dk2"/>
+                </a:solidFill>
+                <a:latin typeface="Arial"/>
+                <a:ea typeface="Arial"/>
+                <a:cs typeface="Arial"/>
+                <a:sym typeface="Arial"/>
+              </a:defRPr>
+            </a:lvl4pPr>
+            <a:lvl5pPr marL="2286000" marR="0" lvl="4" indent="-317500" algn="l" rtl="0">
+              <a:lnSpc>
+                <a:spcPct val="115000"/>
+              </a:lnSpc>
+              <a:spcBef>
+                <a:spcPts val="0"/>
+              </a:spcBef>
+              <a:spcAft>
+                <a:spcPts val="0"/>
+              </a:spcAft>
+              <a:buClr>
+                <a:schemeClr val="dk2"/>
+              </a:buClr>
+              <a:buSzPts val="1400"/>
+              <a:buFont typeface="Arial"/>
+              <a:buChar char="○"/>
+              <a:defRPr sz="1400" b="0" i="0" u="none" strike="noStrike" cap="none">
+                <a:solidFill>
+                  <a:schemeClr val="dk2"/>
+                </a:solidFill>
+                <a:latin typeface="Arial"/>
+                <a:ea typeface="Arial"/>
+                <a:cs typeface="Arial"/>
+                <a:sym typeface="Arial"/>
+              </a:defRPr>
+            </a:lvl5pPr>
+            <a:lvl6pPr marL="2743200" marR="0" lvl="5" indent="-317500" algn="l" rtl="0">
+              <a:lnSpc>
+                <a:spcPct val="115000"/>
+              </a:lnSpc>
+              <a:spcBef>
+                <a:spcPts val="0"/>
+              </a:spcBef>
+              <a:spcAft>
+                <a:spcPts val="0"/>
+              </a:spcAft>
+              <a:buClr>
+                <a:schemeClr val="dk2"/>
+              </a:buClr>
+              <a:buSzPts val="1400"/>
+              <a:buFont typeface="Arial"/>
+              <a:buChar char="■"/>
+              <a:defRPr sz="1400" b="0" i="0" u="none" strike="noStrike" cap="none">
+                <a:solidFill>
+                  <a:schemeClr val="dk2"/>
+                </a:solidFill>
+                <a:latin typeface="Arial"/>
+                <a:ea typeface="Arial"/>
+                <a:cs typeface="Arial"/>
+                <a:sym typeface="Arial"/>
+              </a:defRPr>
+            </a:lvl6pPr>
+            <a:lvl7pPr marL="3200400" marR="0" lvl="6" indent="-317500" algn="l" rtl="0">
+              <a:lnSpc>
+                <a:spcPct val="115000"/>
+              </a:lnSpc>
+              <a:spcBef>
+                <a:spcPts val="0"/>
+              </a:spcBef>
+              <a:spcAft>
+                <a:spcPts val="0"/>
+              </a:spcAft>
+              <a:buClr>
+                <a:schemeClr val="dk2"/>
+              </a:buClr>
+              <a:buSzPts val="1400"/>
+              <a:buFont typeface="Arial"/>
+              <a:buChar char="●"/>
+              <a:defRPr sz="1400" b="0" i="0" u="none" strike="noStrike" cap="none">
+                <a:solidFill>
+                  <a:schemeClr val="dk2"/>
+                </a:solidFill>
+                <a:latin typeface="Arial"/>
+                <a:ea typeface="Arial"/>
+                <a:cs typeface="Arial"/>
+                <a:sym typeface="Arial"/>
+              </a:defRPr>
+            </a:lvl7pPr>
+            <a:lvl8pPr marL="3657600" marR="0" lvl="7" indent="-317500" algn="l" rtl="0">
+              <a:lnSpc>
+                <a:spcPct val="115000"/>
+              </a:lnSpc>
+              <a:spcBef>
+                <a:spcPts val="0"/>
+              </a:spcBef>
+              <a:spcAft>
+                <a:spcPts val="0"/>
+              </a:spcAft>
+              <a:buClr>
+                <a:schemeClr val="dk2"/>
+              </a:buClr>
+              <a:buSzPts val="1400"/>
+              <a:buFont typeface="Arial"/>
+              <a:buChar char="○"/>
+              <a:defRPr sz="1400" b="0" i="0" u="none" strike="noStrike" cap="none">
+                <a:solidFill>
+                  <a:schemeClr val="dk2"/>
+                </a:solidFill>
+                <a:latin typeface="Arial"/>
+                <a:ea typeface="Arial"/>
+                <a:cs typeface="Arial"/>
+                <a:sym typeface="Arial"/>
+              </a:defRPr>
+            </a:lvl8pPr>
+            <a:lvl9pPr marL="4114800" marR="0" lvl="8" indent="-317500" algn="l" rtl="0">
+              <a:lnSpc>
+                <a:spcPct val="115000"/>
+              </a:lnSpc>
+              <a:spcBef>
+                <a:spcPts val="0"/>
+              </a:spcBef>
+              <a:spcAft>
+                <a:spcPts val="0"/>
+              </a:spcAft>
+              <a:buClr>
+                <a:schemeClr val="dk2"/>
+              </a:buClr>
+              <a:buSzPts val="1400"/>
+              <a:buFont typeface="Arial"/>
+              <a:buChar char="■"/>
+              <a:defRPr sz="1400" b="0" i="0" u="none" strike="noStrike" cap="none">
+                <a:solidFill>
+                  <a:schemeClr val="dk2"/>
+                </a:solidFill>
+                <a:latin typeface="Arial"/>
+                <a:ea typeface="Arial"/>
+                <a:cs typeface="Arial"/>
+                <a:sym typeface="Arial"/>
+              </a:defRPr>
+            </a:lvl9pPr>
+          </a:lstStyle>
+          <a:p>
+            <a:pPr indent="-356115">
+              <a:buSzPts val="2008"/>
+            </a:pPr>
+            <a:r>
+              <a:rPr lang="en-US" sz="2000" dirty="0"/>
+              <a:t>Accuracy</a:t>
+            </a:r>
+          </a:p>
+          <a:p>
+            <a:pPr lvl="1" indent="-356115">
+              <a:buSzPts val="2008"/>
+            </a:pPr>
+            <a:r>
+              <a:rPr lang="en-US" sz="1600" dirty="0"/>
+              <a:t>Test RMSE improved slightly</a:t>
+            </a:r>
+          </a:p>
+          <a:p>
+            <a:pPr lvl="1" indent="-356115">
+              <a:buSzPts val="2008"/>
+            </a:pPr>
+            <a:r>
+              <a:rPr lang="en-US" sz="1600" dirty="0"/>
+              <a:t>MAPE improved significantly </a:t>
+            </a:r>
+          </a:p>
+        </p:txBody>
+      </p:sp>
+      <p:pic>
+        <p:nvPicPr>
+          <p:cNvPr id="3" name="Picture 2">
+            <a:extLst>
+              <a:ext uri="{FF2B5EF4-FFF2-40B4-BE49-F238E27FC236}">
+                <a16:creationId xmlns:a16="http://schemas.microsoft.com/office/drawing/2014/main" id="{78C6044D-41DA-42DB-AFB8-35E1B85C1CAB}"/>
+              </a:ext>
+            </a:extLst>
+          </p:cNvPr>
+          <p:cNvPicPr>
+            <a:picLocks noChangeAspect="1"/>
+          </p:cNvPicPr>
+          <p:nvPr/>
+        </p:nvPicPr>
+        <p:blipFill>
+          <a:blip r:embed="rId3"/>
+          <a:stretch>
+            <a:fillRect/>
+          </a:stretch>
+        </p:blipFill>
+        <p:spPr>
+          <a:xfrm>
+            <a:off x="4696808" y="3088750"/>
+            <a:ext cx="4324350" cy="1609725"/>
+          </a:xfrm>
+          <a:prstGeom prst="rect">
+            <a:avLst/>
+          </a:prstGeom>
+        </p:spPr>
+      </p:pic>
+    </p:spTree>
+    <p:extLst>
+      <p:ext uri="{BB962C8B-B14F-4D97-AF65-F5344CB8AC3E}">
+        <p14:creationId xmlns:p14="http://schemas.microsoft.com/office/powerpoint/2010/main" val="3303164628"/>
+      </p:ext>
+    </p:extLst>
+  </p:cSld>
+  <p:clrMapOvr>
+    <a:masterClrMapping/>
+  </p:clrMapOvr>
+</p:sld>
+</file>
+
+<file path=ppt/slides/slide15.xml><?xml version="1.0" encoding="utf-8"?>
+<p:sld xmlns:a="http://schemas.openxmlformats.org/drawingml/2006/main" xmlns:r="http://schemas.openxmlformats.org/officeDocument/2006/relationships" xmlns:p="http://schemas.openxmlformats.org/presentationml/2006/main">
+  <p:cSld>
+    <p:spTree>
+      <p:nvGrpSpPr>
+        <p:cNvPr id="1" name="Shape 63"/>
+        <p:cNvGrpSpPr/>
+        <p:nvPr/>
+      </p:nvGrpSpPr>
+      <p:grpSpPr>
+        <a:xfrm>
+          <a:off x="0" y="0"/>
+          <a:ext cx="0" cy="0"/>
+          <a:chOff x="0" y="0"/>
+          <a:chExt cx="0" cy="0"/>
+        </a:xfrm>
+      </p:grpSpPr>
+      <p:sp>
+        <p:nvSpPr>
+          <p:cNvPr id="64" name="Google Shape;64;p14"/>
+          <p:cNvSpPr txBox="1">
+            <a:spLocks noGrp="1"/>
+          </p:cNvSpPr>
+          <p:nvPr>
+            <p:ph type="title"/>
+          </p:nvPr>
+        </p:nvSpPr>
+        <p:spPr>
+          <a:xfrm>
+            <a:off x="311700" y="445025"/>
+            <a:ext cx="8520600" cy="572700"/>
+          </a:xfrm>
+          <a:prstGeom prst="rect">
+            <a:avLst/>
+          </a:prstGeom>
+        </p:spPr>
+        <p:txBody>
+          <a:bodyPr spcFirstLastPara="1" wrap="square" lIns="91425" tIns="91425" rIns="91425" bIns="91425" anchor="t" anchorCtr="0">
+            <a:normAutofit fontScale="90000"/>
+          </a:bodyPr>
+          <a:lstStyle/>
+          <a:p>
+            <a:pPr marL="0" lvl="0" indent="0" algn="l" rtl="0">
+              <a:spcBef>
+                <a:spcPts val="0"/>
+              </a:spcBef>
+              <a:spcAft>
+                <a:spcPts val="0"/>
+              </a:spcAft>
+              <a:buNone/>
+            </a:pPr>
+            <a:r>
+              <a:rPr lang="en" dirty="0"/>
+              <a:t>Model Fitting Cont’d</a:t>
+            </a:r>
+            <a:endParaRPr dirty="0"/>
+          </a:p>
+        </p:txBody>
+      </p:sp>
+      <p:sp>
+        <p:nvSpPr>
+          <p:cNvPr id="65" name="Google Shape;65;p14"/>
+          <p:cNvSpPr txBox="1">
+            <a:spLocks noGrp="1"/>
+          </p:cNvSpPr>
+          <p:nvPr>
+            <p:ph type="body" idx="1"/>
+          </p:nvPr>
+        </p:nvSpPr>
+        <p:spPr>
+          <a:xfrm>
+            <a:off x="311700" y="1152475"/>
+            <a:ext cx="8520600" cy="2047925"/>
+          </a:xfrm>
+          <a:prstGeom prst="rect">
+            <a:avLst/>
+          </a:prstGeom>
+        </p:spPr>
+        <p:txBody>
+          <a:bodyPr spcFirstLastPara="1" wrap="square" lIns="91425" tIns="91425" rIns="91425" bIns="91425" anchor="t" anchorCtr="0">
+            <a:normAutofit lnSpcReduction="10000"/>
+          </a:bodyPr>
+          <a:lstStyle/>
+          <a:p>
+            <a:pPr marL="457200" lvl="0" indent="-356115" algn="l" rtl="0">
+              <a:spcBef>
+                <a:spcPts val="0"/>
+              </a:spcBef>
+              <a:spcAft>
+                <a:spcPts val="0"/>
+              </a:spcAft>
+              <a:buSzPts val="2008"/>
+              <a:buChar char="●"/>
+            </a:pPr>
+            <a:r>
+              <a:rPr lang="en-US" sz="2000" dirty="0"/>
+              <a:t>Add Auto-Regressive Terms</a:t>
+            </a:r>
+          </a:p>
+          <a:p>
+            <a:pPr lvl="1" indent="-356115">
+              <a:buSzPts val="2008"/>
+            </a:pPr>
+            <a:r>
+              <a:rPr lang="en-US" dirty="0"/>
+              <a:t>We first fit a model with all the lags of total burn area included and then by analyzing feature importance we remove all the variables, which also include some additional variables, which have an importance less than 1</a:t>
+            </a:r>
+          </a:p>
+          <a:p>
+            <a:pPr indent="-356115">
+              <a:buSzPts val="2008"/>
+            </a:pPr>
+            <a:r>
+              <a:rPr lang="en-US" sz="2000" dirty="0"/>
+              <a:t>Parameters</a:t>
+            </a:r>
+            <a:endParaRPr lang="en-US" sz="1600" dirty="0"/>
+          </a:p>
+          <a:p>
+            <a:pPr lvl="1" indent="-356115">
+              <a:buSzPts val="2008"/>
+            </a:pPr>
+            <a:r>
+              <a:rPr lang="en-US" dirty="0"/>
+              <a:t>Keep </a:t>
+            </a:r>
+            <a:r>
+              <a:rPr lang="en-US" i="1" dirty="0" err="1"/>
+              <a:t>has_time</a:t>
+            </a:r>
+            <a:r>
+              <a:rPr lang="en-US" i="1" dirty="0"/>
+              <a:t> = True, </a:t>
+            </a:r>
+            <a:r>
+              <a:rPr lang="en-US" dirty="0"/>
+              <a:t>and prune the tree by setting the </a:t>
+            </a:r>
+            <a:r>
+              <a:rPr lang="en-US" i="1" dirty="0" err="1"/>
+              <a:t>max_depth</a:t>
+            </a:r>
+            <a:r>
+              <a:rPr lang="en-US" i="1" dirty="0"/>
+              <a:t> = 5</a:t>
+            </a:r>
+            <a:r>
+              <a:rPr lang="en-US" dirty="0"/>
+              <a:t>, also increase the size of the leaves to a minimum of 10 samples. </a:t>
+            </a:r>
+          </a:p>
+          <a:p>
+            <a:pPr marL="101085" lvl="0" indent="0" algn="l" rtl="0">
+              <a:spcBef>
+                <a:spcPts val="0"/>
+              </a:spcBef>
+              <a:spcAft>
+                <a:spcPts val="0"/>
+              </a:spcAft>
+              <a:buSzPts val="2008"/>
+              <a:buNone/>
+            </a:pPr>
+            <a:endParaRPr lang="en-US" sz="2000" dirty="0"/>
+          </a:p>
+        </p:txBody>
+      </p:sp>
+      <p:sp>
+        <p:nvSpPr>
+          <p:cNvPr id="67" name="Google Shape;67;p14"/>
+          <p:cNvSpPr txBox="1">
+            <a:spLocks noGrp="1"/>
+          </p:cNvSpPr>
+          <p:nvPr>
+            <p:ph type="sldNum" idx="12"/>
+          </p:nvPr>
+        </p:nvSpPr>
+        <p:spPr>
+          <a:xfrm>
+            <a:off x="8472458" y="4663217"/>
+            <a:ext cx="548700" cy="393600"/>
+          </a:xfrm>
+          <a:prstGeom prst="rect">
+            <a:avLst/>
+          </a:prstGeom>
+        </p:spPr>
+        <p:txBody>
+          <a:bodyPr spcFirstLastPara="1" wrap="square" lIns="91425" tIns="91425" rIns="91425" bIns="91425" anchor="ctr" anchorCtr="0">
+            <a:normAutofit/>
+          </a:bodyPr>
+          <a:lstStyle/>
+          <a:p>
+            <a:pPr marL="0" lvl="0" indent="0" algn="r" rtl="0">
+              <a:spcBef>
+                <a:spcPts val="0"/>
+              </a:spcBef>
+              <a:spcAft>
+                <a:spcPts val="0"/>
+              </a:spcAft>
+              <a:buNone/>
+            </a:pPr>
+            <a:fld id="{00000000-1234-1234-1234-123412341234}" type="slidenum">
+              <a:rPr lang="en"/>
+              <a:t>15</a:t>
+            </a:fld>
+            <a:endParaRPr/>
+          </a:p>
+        </p:txBody>
+      </p:sp>
+      <p:sp>
+        <p:nvSpPr>
+          <p:cNvPr id="9" name="Google Shape;65;p14">
+            <a:extLst>
+              <a:ext uri="{FF2B5EF4-FFF2-40B4-BE49-F238E27FC236}">
+                <a16:creationId xmlns:a16="http://schemas.microsoft.com/office/drawing/2014/main" id="{588BF4B0-CC71-4CA2-A14D-162BB24C9FB9}"/>
+              </a:ext>
+            </a:extLst>
+          </p:cNvPr>
+          <p:cNvSpPr txBox="1">
+            <a:spLocks/>
+          </p:cNvSpPr>
+          <p:nvPr/>
+        </p:nvSpPr>
+        <p:spPr>
+          <a:xfrm>
+            <a:off x="311700" y="3088750"/>
+            <a:ext cx="4299383" cy="1702990"/>
+          </a:xfrm>
+          <a:prstGeom prst="rect">
+            <a:avLst/>
+          </a:prstGeom>
+          <a:noFill/>
+          <a:ln>
+            <a:noFill/>
+          </a:ln>
+        </p:spPr>
+        <p:txBody>
+          <a:bodyPr spcFirstLastPara="1" wrap="square" lIns="91425" tIns="91425" rIns="91425" bIns="91425" anchor="t" anchorCtr="0">
+            <a:normAutofit/>
+          </a:bodyPr>
+          <a:lstStyle>
+            <a:defPPr marR="0" lvl="0" algn="l" rtl="0">
+              <a:lnSpc>
+                <a:spcPct val="100000"/>
+              </a:lnSpc>
+              <a:spcBef>
+                <a:spcPts val="0"/>
+              </a:spcBef>
+              <a:spcAft>
+                <a:spcPts val="0"/>
+              </a:spcAft>
+            </a:defPPr>
+            <a:lvl1pPr marL="457200" marR="0" lvl="0" indent="-342900" algn="l" rtl="0">
+              <a:lnSpc>
+                <a:spcPct val="115000"/>
+              </a:lnSpc>
+              <a:spcBef>
+                <a:spcPts val="0"/>
+              </a:spcBef>
+              <a:spcAft>
+                <a:spcPts val="0"/>
+              </a:spcAft>
+              <a:buClr>
+                <a:schemeClr val="dk2"/>
+              </a:buClr>
+              <a:buSzPts val="1800"/>
+              <a:buFont typeface="Arial"/>
+              <a:buChar char="●"/>
+              <a:defRPr sz="1800" b="0" i="0" u="none" strike="noStrike" cap="none">
+                <a:solidFill>
+                  <a:schemeClr val="dk2"/>
+                </a:solidFill>
+                <a:latin typeface="Arial"/>
+                <a:ea typeface="Arial"/>
+                <a:cs typeface="Arial"/>
+                <a:sym typeface="Arial"/>
+              </a:defRPr>
+            </a:lvl1pPr>
+            <a:lvl2pPr marL="914400" marR="0" lvl="1" indent="-317500" algn="l" rtl="0">
+              <a:lnSpc>
+                <a:spcPct val="115000"/>
+              </a:lnSpc>
+              <a:spcBef>
+                <a:spcPts val="0"/>
+              </a:spcBef>
+              <a:spcAft>
+                <a:spcPts val="0"/>
+              </a:spcAft>
+              <a:buClr>
+                <a:schemeClr val="dk2"/>
+              </a:buClr>
+              <a:buSzPts val="1400"/>
+              <a:buFont typeface="Arial"/>
+              <a:buChar char="○"/>
+              <a:defRPr sz="1400" b="0" i="0" u="none" strike="noStrike" cap="none">
+                <a:solidFill>
+                  <a:schemeClr val="dk2"/>
+                </a:solidFill>
+                <a:latin typeface="Arial"/>
+                <a:ea typeface="Arial"/>
+                <a:cs typeface="Arial"/>
+                <a:sym typeface="Arial"/>
+              </a:defRPr>
+            </a:lvl2pPr>
+            <a:lvl3pPr marL="1371600" marR="0" lvl="2" indent="-317500" algn="l" rtl="0">
+              <a:lnSpc>
+                <a:spcPct val="115000"/>
+              </a:lnSpc>
+              <a:spcBef>
+                <a:spcPts val="0"/>
+              </a:spcBef>
+              <a:spcAft>
+                <a:spcPts val="0"/>
+              </a:spcAft>
+              <a:buClr>
+                <a:schemeClr val="dk2"/>
+              </a:buClr>
+              <a:buSzPts val="1400"/>
+              <a:buFont typeface="Arial"/>
+              <a:buChar char="■"/>
+              <a:defRPr sz="1400" b="0" i="0" u="none" strike="noStrike" cap="none">
+                <a:solidFill>
+                  <a:schemeClr val="dk2"/>
+                </a:solidFill>
+                <a:latin typeface="Arial"/>
+                <a:ea typeface="Arial"/>
+                <a:cs typeface="Arial"/>
+                <a:sym typeface="Arial"/>
+              </a:defRPr>
+            </a:lvl3pPr>
+            <a:lvl4pPr marL="1828800" marR="0" lvl="3" indent="-317500" algn="l" rtl="0">
+              <a:lnSpc>
+                <a:spcPct val="115000"/>
+              </a:lnSpc>
+              <a:spcBef>
+                <a:spcPts val="0"/>
+              </a:spcBef>
+              <a:spcAft>
+                <a:spcPts val="0"/>
+              </a:spcAft>
+              <a:buClr>
+                <a:schemeClr val="dk2"/>
+              </a:buClr>
+              <a:buSzPts val="1400"/>
+              <a:buFont typeface="Arial"/>
+              <a:buChar char="●"/>
+              <a:defRPr sz="1400" b="0" i="0" u="none" strike="noStrike" cap="none">
+                <a:solidFill>
+                  <a:schemeClr val="dk2"/>
+                </a:solidFill>
+                <a:latin typeface="Arial"/>
+                <a:ea typeface="Arial"/>
+                <a:cs typeface="Arial"/>
+                <a:sym typeface="Arial"/>
+              </a:defRPr>
+            </a:lvl4pPr>
+            <a:lvl5pPr marL="2286000" marR="0" lvl="4" indent="-317500" algn="l" rtl="0">
+              <a:lnSpc>
+                <a:spcPct val="115000"/>
+              </a:lnSpc>
+              <a:spcBef>
+                <a:spcPts val="0"/>
+              </a:spcBef>
+              <a:spcAft>
+                <a:spcPts val="0"/>
+              </a:spcAft>
+              <a:buClr>
+                <a:schemeClr val="dk2"/>
+              </a:buClr>
+              <a:buSzPts val="1400"/>
+              <a:buFont typeface="Arial"/>
+              <a:buChar char="○"/>
+              <a:defRPr sz="1400" b="0" i="0" u="none" strike="noStrike" cap="none">
+                <a:solidFill>
+                  <a:schemeClr val="dk2"/>
+                </a:solidFill>
+                <a:latin typeface="Arial"/>
+                <a:ea typeface="Arial"/>
+                <a:cs typeface="Arial"/>
+                <a:sym typeface="Arial"/>
+              </a:defRPr>
+            </a:lvl5pPr>
+            <a:lvl6pPr marL="2743200" marR="0" lvl="5" indent="-317500" algn="l" rtl="0">
+              <a:lnSpc>
+                <a:spcPct val="115000"/>
+              </a:lnSpc>
+              <a:spcBef>
+                <a:spcPts val="0"/>
+              </a:spcBef>
+              <a:spcAft>
+                <a:spcPts val="0"/>
+              </a:spcAft>
+              <a:buClr>
+                <a:schemeClr val="dk2"/>
+              </a:buClr>
+              <a:buSzPts val="1400"/>
+              <a:buFont typeface="Arial"/>
+              <a:buChar char="■"/>
+              <a:defRPr sz="1400" b="0" i="0" u="none" strike="noStrike" cap="none">
+                <a:solidFill>
+                  <a:schemeClr val="dk2"/>
+                </a:solidFill>
+                <a:latin typeface="Arial"/>
+                <a:ea typeface="Arial"/>
+                <a:cs typeface="Arial"/>
+                <a:sym typeface="Arial"/>
+              </a:defRPr>
+            </a:lvl6pPr>
+            <a:lvl7pPr marL="3200400" marR="0" lvl="6" indent="-317500" algn="l" rtl="0">
+              <a:lnSpc>
+                <a:spcPct val="115000"/>
+              </a:lnSpc>
+              <a:spcBef>
+                <a:spcPts val="0"/>
+              </a:spcBef>
+              <a:spcAft>
+                <a:spcPts val="0"/>
+              </a:spcAft>
+              <a:buClr>
+                <a:schemeClr val="dk2"/>
+              </a:buClr>
+              <a:buSzPts val="1400"/>
+              <a:buFont typeface="Arial"/>
+              <a:buChar char="●"/>
+              <a:defRPr sz="1400" b="0" i="0" u="none" strike="noStrike" cap="none">
+                <a:solidFill>
+                  <a:schemeClr val="dk2"/>
+                </a:solidFill>
+                <a:latin typeface="Arial"/>
+                <a:ea typeface="Arial"/>
+                <a:cs typeface="Arial"/>
+                <a:sym typeface="Arial"/>
+              </a:defRPr>
+            </a:lvl7pPr>
+            <a:lvl8pPr marL="3657600" marR="0" lvl="7" indent="-317500" algn="l" rtl="0">
+              <a:lnSpc>
+                <a:spcPct val="115000"/>
+              </a:lnSpc>
+              <a:spcBef>
+                <a:spcPts val="0"/>
+              </a:spcBef>
+              <a:spcAft>
+                <a:spcPts val="0"/>
+              </a:spcAft>
+              <a:buClr>
+                <a:schemeClr val="dk2"/>
+              </a:buClr>
+              <a:buSzPts val="1400"/>
+              <a:buFont typeface="Arial"/>
+              <a:buChar char="○"/>
+              <a:defRPr sz="1400" b="0" i="0" u="none" strike="noStrike" cap="none">
+                <a:solidFill>
+                  <a:schemeClr val="dk2"/>
+                </a:solidFill>
+                <a:latin typeface="Arial"/>
+                <a:ea typeface="Arial"/>
+                <a:cs typeface="Arial"/>
+                <a:sym typeface="Arial"/>
+              </a:defRPr>
+            </a:lvl8pPr>
+            <a:lvl9pPr marL="4114800" marR="0" lvl="8" indent="-317500" algn="l" rtl="0">
+              <a:lnSpc>
+                <a:spcPct val="115000"/>
+              </a:lnSpc>
+              <a:spcBef>
+                <a:spcPts val="0"/>
+              </a:spcBef>
+              <a:spcAft>
+                <a:spcPts val="0"/>
+              </a:spcAft>
+              <a:buClr>
+                <a:schemeClr val="dk2"/>
+              </a:buClr>
+              <a:buSzPts val="1400"/>
+              <a:buFont typeface="Arial"/>
+              <a:buChar char="■"/>
+              <a:defRPr sz="1400" b="0" i="0" u="none" strike="noStrike" cap="none">
+                <a:solidFill>
+                  <a:schemeClr val="dk2"/>
+                </a:solidFill>
+                <a:latin typeface="Arial"/>
+                <a:ea typeface="Arial"/>
+                <a:cs typeface="Arial"/>
+                <a:sym typeface="Arial"/>
+              </a:defRPr>
+            </a:lvl9pPr>
+          </a:lstStyle>
+          <a:p>
+            <a:pPr indent="-356115">
+              <a:buSzPts val="2008"/>
+            </a:pPr>
+            <a:r>
+              <a:rPr lang="en-US" sz="2000" dirty="0"/>
+              <a:t>Accuracy</a:t>
+            </a:r>
+          </a:p>
+          <a:p>
+            <a:pPr lvl="1" indent="-356115">
+              <a:buSzPts val="2008"/>
+            </a:pPr>
+            <a:r>
+              <a:rPr lang="en-US" dirty="0"/>
+              <a:t>This model has the best RMSE for both train and test out of any model thus far</a:t>
+            </a:r>
+          </a:p>
+          <a:p>
+            <a:pPr lvl="1" indent="-356115">
+              <a:buSzPts val="2008"/>
+            </a:pPr>
+            <a:r>
+              <a:rPr lang="en-US" dirty="0"/>
+              <a:t>MAE is also best of any model so far</a:t>
+            </a:r>
+          </a:p>
+        </p:txBody>
+      </p:sp>
+      <p:pic>
+        <p:nvPicPr>
+          <p:cNvPr id="4" name="Picture 3">
+            <a:extLst>
+              <a:ext uri="{FF2B5EF4-FFF2-40B4-BE49-F238E27FC236}">
+                <a16:creationId xmlns:a16="http://schemas.microsoft.com/office/drawing/2014/main" id="{52A90959-FE67-40BF-B492-B075D404715B}"/>
+              </a:ext>
+            </a:extLst>
+          </p:cNvPr>
+          <p:cNvPicPr>
+            <a:picLocks noChangeAspect="1"/>
+          </p:cNvPicPr>
+          <p:nvPr/>
+        </p:nvPicPr>
+        <p:blipFill>
+          <a:blip r:embed="rId3"/>
+          <a:stretch>
+            <a:fillRect/>
+          </a:stretch>
+        </p:blipFill>
+        <p:spPr>
+          <a:xfrm>
+            <a:off x="4563458" y="3210590"/>
+            <a:ext cx="4457700" cy="1581150"/>
+          </a:xfrm>
+          <a:prstGeom prst="rect">
+            <a:avLst/>
+          </a:prstGeom>
+        </p:spPr>
+      </p:pic>
+    </p:spTree>
+    <p:extLst>
+      <p:ext uri="{BB962C8B-B14F-4D97-AF65-F5344CB8AC3E}">
+        <p14:creationId xmlns:p14="http://schemas.microsoft.com/office/powerpoint/2010/main" val="821307744"/>
+      </p:ext>
+    </p:extLst>
+  </p:cSld>
+  <p:clrMapOvr>
+    <a:masterClrMapping/>
+  </p:clrMapOvr>
+</p:sld>
+</file>
+
+<file path=ppt/slides/slide16.xml><?xml version="1.0" encoding="utf-8"?>
+<p:sld xmlns:a="http://schemas.openxmlformats.org/drawingml/2006/main" xmlns:r="http://schemas.openxmlformats.org/officeDocument/2006/relationships" xmlns:p="http://schemas.openxmlformats.org/presentationml/2006/main">
+  <p:cSld>
+    <p:spTree>
+      <p:nvGrpSpPr>
+        <p:cNvPr id="1" name="Shape 63"/>
+        <p:cNvGrpSpPr/>
+        <p:nvPr/>
+      </p:nvGrpSpPr>
+      <p:grpSpPr>
+        <a:xfrm>
+          <a:off x="0" y="0"/>
+          <a:ext cx="0" cy="0"/>
+          <a:chOff x="0" y="0"/>
+          <a:chExt cx="0" cy="0"/>
+        </a:xfrm>
+      </p:grpSpPr>
+      <p:sp>
+        <p:nvSpPr>
+          <p:cNvPr id="64" name="Google Shape;64;p14"/>
+          <p:cNvSpPr txBox="1">
+            <a:spLocks noGrp="1"/>
+          </p:cNvSpPr>
+          <p:nvPr>
+            <p:ph type="title"/>
+          </p:nvPr>
+        </p:nvSpPr>
+        <p:spPr>
+          <a:xfrm>
+            <a:off x="311700" y="445025"/>
+            <a:ext cx="8520600" cy="572700"/>
+          </a:xfrm>
+          <a:prstGeom prst="rect">
+            <a:avLst/>
+          </a:prstGeom>
+        </p:spPr>
+        <p:txBody>
+          <a:bodyPr spcFirstLastPara="1" wrap="square" lIns="91425" tIns="91425" rIns="91425" bIns="91425" anchor="t" anchorCtr="0">
+            <a:normAutofit fontScale="90000"/>
+          </a:bodyPr>
+          <a:lstStyle/>
+          <a:p>
+            <a:pPr marL="0" lvl="0" indent="0" algn="l" rtl="0">
+              <a:spcBef>
+                <a:spcPts val="0"/>
+              </a:spcBef>
+              <a:spcAft>
+                <a:spcPts val="0"/>
+              </a:spcAft>
+              <a:buNone/>
+            </a:pPr>
+            <a:r>
+              <a:rPr lang="en" dirty="0"/>
+              <a:t>Model Interpretation</a:t>
+            </a:r>
+            <a:endParaRPr dirty="0"/>
+          </a:p>
+        </p:txBody>
+      </p:sp>
+      <p:sp>
+        <p:nvSpPr>
+          <p:cNvPr id="65" name="Google Shape;65;p14"/>
+          <p:cNvSpPr txBox="1">
+            <a:spLocks noGrp="1"/>
+          </p:cNvSpPr>
+          <p:nvPr>
+            <p:ph type="body" idx="1"/>
+          </p:nvPr>
+        </p:nvSpPr>
+        <p:spPr>
+          <a:xfrm>
+            <a:off x="311700" y="1152475"/>
+            <a:ext cx="4421666" cy="3416400"/>
+          </a:xfrm>
+          <a:prstGeom prst="rect">
+            <a:avLst/>
+          </a:prstGeom>
+        </p:spPr>
+        <p:txBody>
+          <a:bodyPr spcFirstLastPara="1" wrap="square" lIns="91425" tIns="91425" rIns="91425" bIns="91425" anchor="t" anchorCtr="0">
+            <a:normAutofit/>
+          </a:bodyPr>
+          <a:lstStyle/>
+          <a:p>
+            <a:pPr marL="457200" lvl="0" indent="-356115" algn="l" rtl="0">
+              <a:spcBef>
+                <a:spcPts val="0"/>
+              </a:spcBef>
+              <a:spcAft>
+                <a:spcPts val="0"/>
+              </a:spcAft>
+              <a:buSzPts val="2008"/>
+              <a:buChar char="●"/>
+            </a:pPr>
+            <a:r>
+              <a:rPr lang="en-US" dirty="0"/>
+              <a:t>Feature Importance</a:t>
+            </a:r>
+            <a:endParaRPr lang="en-US" sz="1200" dirty="0"/>
+          </a:p>
+          <a:p>
+            <a:pPr lvl="1" indent="-356115">
+              <a:buSzPts val="2008"/>
+              <a:buChar char="●"/>
+            </a:pPr>
+            <a:r>
+              <a:rPr lang="en-US" dirty="0"/>
+              <a:t>Using </a:t>
+            </a:r>
+            <a:r>
+              <a:rPr lang="en-US" dirty="0" err="1"/>
+              <a:t>Shap</a:t>
+            </a:r>
+            <a:r>
+              <a:rPr lang="en-US" dirty="0"/>
+              <a:t> values</a:t>
+            </a:r>
+          </a:p>
+          <a:p>
+            <a:pPr indent="-356115">
+              <a:buSzPts val="2008"/>
+            </a:pPr>
+            <a:endParaRPr lang="en-US" dirty="0"/>
+          </a:p>
+          <a:p>
+            <a:pPr indent="-356115">
+              <a:buSzPts val="2008"/>
+            </a:pPr>
+            <a:r>
+              <a:rPr lang="en-US" dirty="0"/>
+              <a:t>Weather</a:t>
+            </a:r>
+          </a:p>
+          <a:p>
+            <a:pPr lvl="1" indent="-356115">
+              <a:buSzPts val="2008"/>
+            </a:pPr>
+            <a:r>
+              <a:rPr lang="en-US" dirty="0"/>
+              <a:t>Captures the cyclical nature of wildfires and impact of weather on their size</a:t>
+            </a:r>
+          </a:p>
+          <a:p>
+            <a:pPr indent="-356115">
+              <a:buSzPts val="2008"/>
+            </a:pPr>
+            <a:endParaRPr lang="en-US" dirty="0"/>
+          </a:p>
+          <a:p>
+            <a:pPr indent="-356115">
+              <a:buSzPts val="2008"/>
+            </a:pPr>
+            <a:r>
+              <a:rPr lang="en-US" dirty="0"/>
+              <a:t>Previous month/year burn area</a:t>
+            </a:r>
+          </a:p>
+          <a:p>
+            <a:pPr lvl="1" indent="-356115">
+              <a:buSzPts val="2008"/>
+            </a:pPr>
+            <a:r>
+              <a:rPr lang="en-US" dirty="0"/>
+              <a:t>Indicate the model is capturing the autocorrelation we noticed previously</a:t>
+            </a:r>
+          </a:p>
+        </p:txBody>
+      </p:sp>
+      <p:sp>
+        <p:nvSpPr>
+          <p:cNvPr id="67" name="Google Shape;67;p14"/>
+          <p:cNvSpPr txBox="1">
+            <a:spLocks noGrp="1"/>
+          </p:cNvSpPr>
+          <p:nvPr>
+            <p:ph type="sldNum" idx="12"/>
+          </p:nvPr>
+        </p:nvSpPr>
+        <p:spPr>
+          <a:xfrm>
+            <a:off x="8472458" y="4663217"/>
+            <a:ext cx="548700" cy="393600"/>
+          </a:xfrm>
+          <a:prstGeom prst="rect">
+            <a:avLst/>
+          </a:prstGeom>
+        </p:spPr>
+        <p:txBody>
+          <a:bodyPr spcFirstLastPara="1" wrap="square" lIns="91425" tIns="91425" rIns="91425" bIns="91425" anchor="ctr" anchorCtr="0">
+            <a:normAutofit/>
+          </a:bodyPr>
+          <a:lstStyle/>
+          <a:p>
+            <a:pPr marL="0" lvl="0" indent="0" algn="r" rtl="0">
+              <a:spcBef>
+                <a:spcPts val="0"/>
+              </a:spcBef>
+              <a:spcAft>
+                <a:spcPts val="0"/>
+              </a:spcAft>
+              <a:buNone/>
+            </a:pPr>
+            <a:fld id="{00000000-1234-1234-1234-123412341234}" type="slidenum">
+              <a:rPr lang="en"/>
+              <a:t>16</a:t>
+            </a:fld>
+            <a:endParaRPr/>
+          </a:p>
+        </p:txBody>
+      </p:sp>
+      <p:pic>
+        <p:nvPicPr>
+          <p:cNvPr id="3" name="Picture 2" descr="A picture containing table&#10;&#10;Description automatically generated">
+            <a:extLst>
+              <a:ext uri="{FF2B5EF4-FFF2-40B4-BE49-F238E27FC236}">
+                <a16:creationId xmlns:a16="http://schemas.microsoft.com/office/drawing/2014/main" id="{447A239A-4ED3-4178-8943-80FD7F75CB87}"/>
+              </a:ext>
+            </a:extLst>
+          </p:cNvPr>
+          <p:cNvPicPr>
+            <a:picLocks noChangeAspect="1"/>
+          </p:cNvPicPr>
+          <p:nvPr/>
+        </p:nvPicPr>
+        <p:blipFill>
+          <a:blip r:embed="rId3"/>
+          <a:stretch>
+            <a:fillRect/>
+          </a:stretch>
+        </p:blipFill>
+        <p:spPr>
+          <a:xfrm>
+            <a:off x="4903431" y="222512"/>
+            <a:ext cx="3276503" cy="4698475"/>
+          </a:xfrm>
+          <a:prstGeom prst="rect">
+            <a:avLst/>
+          </a:prstGeom>
+        </p:spPr>
+      </p:pic>
+    </p:spTree>
+    <p:extLst>
+      <p:ext uri="{BB962C8B-B14F-4D97-AF65-F5344CB8AC3E}">
+        <p14:creationId xmlns:p14="http://schemas.microsoft.com/office/powerpoint/2010/main" val="4262667818"/>
+      </p:ext>
+    </p:extLst>
+  </p:cSld>
+  <p:clrMapOvr>
+    <a:masterClrMapping/>
+  </p:clrMapOvr>
+</p:sld>
+</file>
+
+<file path=ppt/slides/slide17.xml><?xml version="1.0" encoding="utf-8"?>
+<p:sld xmlns:a="http://schemas.openxmlformats.org/drawingml/2006/main" xmlns:r="http://schemas.openxmlformats.org/officeDocument/2006/relationships" xmlns:p="http://schemas.openxmlformats.org/presentationml/2006/main">
+  <p:cSld>
+    <p:spTree>
+      <p:nvGrpSpPr>
+        <p:cNvPr id="1" name="Shape 63"/>
+        <p:cNvGrpSpPr/>
+        <p:nvPr/>
+      </p:nvGrpSpPr>
+      <p:grpSpPr>
+        <a:xfrm>
+          <a:off x="0" y="0"/>
+          <a:ext cx="0" cy="0"/>
+          <a:chOff x="0" y="0"/>
+          <a:chExt cx="0" cy="0"/>
+        </a:xfrm>
+      </p:grpSpPr>
+      <p:sp>
+        <p:nvSpPr>
+          <p:cNvPr id="64" name="Google Shape;64;p14"/>
+          <p:cNvSpPr txBox="1">
+            <a:spLocks noGrp="1"/>
+          </p:cNvSpPr>
+          <p:nvPr>
+            <p:ph type="title"/>
+          </p:nvPr>
+        </p:nvSpPr>
+        <p:spPr>
+          <a:xfrm>
+            <a:off x="311700" y="445025"/>
+            <a:ext cx="8520600" cy="572700"/>
+          </a:xfrm>
+          <a:prstGeom prst="rect">
+            <a:avLst/>
+          </a:prstGeom>
+        </p:spPr>
+        <p:txBody>
+          <a:bodyPr spcFirstLastPara="1" wrap="square" lIns="91425" tIns="91425" rIns="91425" bIns="91425" anchor="t" anchorCtr="0">
+            <a:normAutofit fontScale="90000"/>
+          </a:bodyPr>
+          <a:lstStyle/>
+          <a:p>
+            <a:pPr marL="0" lvl="0" indent="0" algn="l" rtl="0">
+              <a:spcBef>
+                <a:spcPts val="0"/>
+              </a:spcBef>
+              <a:spcAft>
+                <a:spcPts val="0"/>
+              </a:spcAft>
+              <a:buNone/>
+            </a:pPr>
+            <a:r>
+              <a:rPr lang="en" dirty="0"/>
+              <a:t>Model Interpretation Cont’d</a:t>
+            </a:r>
+            <a:endParaRPr dirty="0"/>
+          </a:p>
+        </p:txBody>
+      </p:sp>
+      <p:sp>
+        <p:nvSpPr>
+          <p:cNvPr id="65" name="Google Shape;65;p14"/>
+          <p:cNvSpPr txBox="1">
+            <a:spLocks noGrp="1"/>
+          </p:cNvSpPr>
+          <p:nvPr>
+            <p:ph type="body" idx="1"/>
+          </p:nvPr>
+        </p:nvSpPr>
+        <p:spPr>
+          <a:xfrm>
+            <a:off x="311700" y="1152475"/>
+            <a:ext cx="4260300" cy="3416400"/>
+          </a:xfrm>
+          <a:prstGeom prst="rect">
+            <a:avLst/>
+          </a:prstGeom>
+        </p:spPr>
+        <p:txBody>
+          <a:bodyPr spcFirstLastPara="1" wrap="square" lIns="91425" tIns="91425" rIns="91425" bIns="91425" anchor="t" anchorCtr="0">
+            <a:normAutofit/>
+          </a:bodyPr>
+          <a:lstStyle/>
+          <a:p>
+            <a:pPr marL="457200" lvl="0" indent="-356115" algn="l" rtl="0">
+              <a:spcBef>
+                <a:spcPts val="0"/>
+              </a:spcBef>
+              <a:spcAft>
+                <a:spcPts val="0"/>
+              </a:spcAft>
+              <a:buSzPts val="2008"/>
+              <a:buChar char="●"/>
+            </a:pPr>
+            <a:r>
+              <a:rPr lang="en-US" dirty="0"/>
+              <a:t>Feature Impact</a:t>
+            </a:r>
+          </a:p>
+          <a:p>
+            <a:pPr lvl="1" indent="-356115">
+              <a:buSzPts val="2008"/>
+              <a:buChar char="●"/>
+            </a:pPr>
+            <a:r>
+              <a:rPr lang="en-US" dirty="0"/>
+              <a:t>Using </a:t>
+            </a:r>
+            <a:r>
+              <a:rPr lang="en-US" dirty="0" err="1"/>
+              <a:t>Shap</a:t>
+            </a:r>
+            <a:r>
+              <a:rPr lang="en-US" dirty="0"/>
+              <a:t> value per prediction</a:t>
+            </a:r>
+          </a:p>
+          <a:p>
+            <a:pPr lvl="1" indent="-356115">
+              <a:buSzPts val="2008"/>
+              <a:buChar char="●"/>
+            </a:pPr>
+            <a:endParaRPr lang="en-US" dirty="0"/>
+          </a:p>
+          <a:p>
+            <a:pPr indent="-356115">
+              <a:buSzPts val="2008"/>
+            </a:pPr>
+            <a:r>
+              <a:rPr lang="en-US" dirty="0"/>
+              <a:t>Generally positive impact from previous month/year burn area</a:t>
+            </a:r>
+          </a:p>
+          <a:p>
+            <a:pPr indent="-356115">
+              <a:buSzPts val="2008"/>
+            </a:pPr>
+            <a:endParaRPr lang="en-US" dirty="0"/>
+          </a:p>
+          <a:p>
+            <a:pPr indent="-356115">
+              <a:buSzPts val="2008"/>
+            </a:pPr>
+            <a:r>
+              <a:rPr lang="en-US" dirty="0"/>
+              <a:t>Impacts due to weather are difficult to explain since ‘extreme’ weather is relative to each state/county</a:t>
+            </a:r>
+          </a:p>
+        </p:txBody>
+      </p:sp>
+      <p:sp>
+        <p:nvSpPr>
+          <p:cNvPr id="67" name="Google Shape;67;p14"/>
+          <p:cNvSpPr txBox="1">
+            <a:spLocks noGrp="1"/>
+          </p:cNvSpPr>
+          <p:nvPr>
+            <p:ph type="sldNum" idx="12"/>
+          </p:nvPr>
+        </p:nvSpPr>
+        <p:spPr>
+          <a:xfrm>
+            <a:off x="8472458" y="4663217"/>
+            <a:ext cx="548700" cy="393600"/>
+          </a:xfrm>
+          <a:prstGeom prst="rect">
+            <a:avLst/>
+          </a:prstGeom>
+        </p:spPr>
+        <p:txBody>
+          <a:bodyPr spcFirstLastPara="1" wrap="square" lIns="91425" tIns="91425" rIns="91425" bIns="91425" anchor="ctr" anchorCtr="0">
+            <a:normAutofit/>
+          </a:bodyPr>
+          <a:lstStyle/>
+          <a:p>
+            <a:pPr marL="0" lvl="0" indent="0" algn="r" rtl="0">
+              <a:spcBef>
+                <a:spcPts val="0"/>
+              </a:spcBef>
+              <a:spcAft>
+                <a:spcPts val="0"/>
+              </a:spcAft>
+              <a:buNone/>
+            </a:pPr>
+            <a:fld id="{00000000-1234-1234-1234-123412341234}" type="slidenum">
+              <a:rPr lang="en"/>
+              <a:t>17</a:t>
+            </a:fld>
+            <a:endParaRPr/>
+          </a:p>
+        </p:txBody>
+      </p:sp>
+      <p:pic>
+        <p:nvPicPr>
+          <p:cNvPr id="4" name="Picture 3" descr="Graphical user interface&#10;&#10;Description automatically generated">
+            <a:extLst>
+              <a:ext uri="{FF2B5EF4-FFF2-40B4-BE49-F238E27FC236}">
+                <a16:creationId xmlns:a16="http://schemas.microsoft.com/office/drawing/2014/main" id="{7CD9D6BB-86EE-42E9-A6EF-CBD9BB88C4DB}"/>
+              </a:ext>
+            </a:extLst>
+          </p:cNvPr>
+          <p:cNvPicPr>
+            <a:picLocks noChangeAspect="1"/>
+          </p:cNvPicPr>
+          <p:nvPr/>
+        </p:nvPicPr>
+        <p:blipFill>
+          <a:blip r:embed="rId3"/>
+          <a:stretch>
+            <a:fillRect/>
+          </a:stretch>
+        </p:blipFill>
+        <p:spPr>
+          <a:xfrm>
+            <a:off x="4847924" y="222512"/>
+            <a:ext cx="3777909" cy="4698475"/>
+          </a:xfrm>
+          <a:prstGeom prst="rect">
+            <a:avLst/>
+          </a:prstGeom>
+        </p:spPr>
+      </p:pic>
+    </p:spTree>
+    <p:extLst>
+      <p:ext uri="{BB962C8B-B14F-4D97-AF65-F5344CB8AC3E}">
+        <p14:creationId xmlns:p14="http://schemas.microsoft.com/office/powerpoint/2010/main" val="144743385"/>
+      </p:ext>
+    </p:extLst>
+  </p:cSld>
+  <p:clrMapOvr>
+    <a:masterClrMapping/>
+  </p:clrMapOvr>
+</p:sld>
+</file>
+
+<file path=ppt/slides/slide18.xml><?xml version="1.0" encoding="utf-8"?>
+<p:sld xmlns:a="http://schemas.openxmlformats.org/drawingml/2006/main" xmlns:r="http://schemas.openxmlformats.org/officeDocument/2006/relationships" xmlns:p="http://schemas.openxmlformats.org/presentationml/2006/main">
+  <p:cSld>
+    <p:spTree>
+      <p:nvGrpSpPr>
+        <p:cNvPr id="1" name="Shape 63"/>
+        <p:cNvGrpSpPr/>
+        <p:nvPr/>
+      </p:nvGrpSpPr>
+      <p:grpSpPr>
+        <a:xfrm>
+          <a:off x="0" y="0"/>
+          <a:ext cx="0" cy="0"/>
+          <a:chOff x="0" y="0"/>
+          <a:chExt cx="0" cy="0"/>
+        </a:xfrm>
+      </p:grpSpPr>
+      <p:sp>
+        <p:nvSpPr>
+          <p:cNvPr id="64" name="Google Shape;64;p14"/>
+          <p:cNvSpPr txBox="1">
+            <a:spLocks noGrp="1"/>
+          </p:cNvSpPr>
+          <p:nvPr>
+            <p:ph type="title"/>
+          </p:nvPr>
+        </p:nvSpPr>
+        <p:spPr>
+          <a:xfrm>
+            <a:off x="311700" y="445025"/>
+            <a:ext cx="8520600" cy="572700"/>
+          </a:xfrm>
+          <a:prstGeom prst="rect">
+            <a:avLst/>
+          </a:prstGeom>
+        </p:spPr>
+        <p:txBody>
+          <a:bodyPr spcFirstLastPara="1" wrap="square" lIns="91425" tIns="91425" rIns="91425" bIns="91425" anchor="t" anchorCtr="0">
+            <a:normAutofit fontScale="90000"/>
+          </a:bodyPr>
+          <a:lstStyle/>
+          <a:p>
+            <a:pPr marL="0" lvl="0" indent="0" algn="l" rtl="0">
+              <a:spcBef>
+                <a:spcPts val="0"/>
+              </a:spcBef>
+              <a:spcAft>
+                <a:spcPts val="0"/>
+              </a:spcAft>
+              <a:buNone/>
+            </a:pPr>
+            <a:r>
+              <a:rPr lang="en" dirty="0"/>
               <a:t>Predictions</a:t>
             </a:r>
             <a:endParaRPr dirty="0"/>
@@ -10387,6 +12986,24 @@
               <a:t>Use the model to predict on the train and test sets and plot the results</a:t>
             </a:r>
           </a:p>
+          <a:p>
+            <a:pPr lvl="1" indent="-356115">
+              <a:buSzPts val="2008"/>
+            </a:pPr>
+            <a:r>
+              <a:rPr lang="en-US" dirty="0"/>
+              <a:t>As expected, Napa County model has major deficiencies</a:t>
+            </a:r>
+          </a:p>
+          <a:p>
+            <a:pPr lvl="1" indent="-356115">
+              <a:buSzPts val="2008"/>
+            </a:pPr>
+            <a:r>
+              <a:rPr lang="en-US" dirty="0"/>
+              <a:t>Elko County model does a decent job in training and testing spaces, the seasonal patterns are easier for the model to detect</a:t>
+            </a:r>
+          </a:p>
         </p:txBody>
       </p:sp>
       <p:sp>
@@ -10425,7 +13042,7 @@
             </a:pPr>
             <a:fld id="{00000000-1234-1234-1234-123412341234}" type="slidenum">
               <a:rPr lang="en"/>
-              <a:t>14</a:t>
+              <a:t>18</a:t>
             </a:fld>
             <a:endParaRPr/>
           </a:p>
@@ -10433,10 +13050,10 @@
       </p:sp>
       <p:pic>
         <p:nvPicPr>
-          <p:cNvPr id="8" name="Picture 7" descr="Chart, histogram&#10;&#10;Description automatically generated">
+          <p:cNvPr id="3" name="Picture 2" descr="Chart, histogram&#10;&#10;Description automatically generated">
             <a:extLst>
               <a:ext uri="{FF2B5EF4-FFF2-40B4-BE49-F238E27FC236}">
-                <a16:creationId xmlns:a16="http://schemas.microsoft.com/office/drawing/2014/main" id="{CB047DEB-843C-47E4-BA08-7AFD22CE833D}"/>
+                <a16:creationId xmlns:a16="http://schemas.microsoft.com/office/drawing/2014/main" id="{2DD3307F-5282-4696-A279-74F38DE838F5}"/>
               </a:ext>
             </a:extLst>
           </p:cNvPr>
@@ -10453,8 +13070,8 @@
         </p:blipFill>
         <p:spPr>
           <a:xfrm>
-            <a:off x="4407687" y="1697264"/>
-            <a:ext cx="4501817" cy="3001211"/>
+            <a:off x="4642137" y="2381384"/>
+            <a:ext cx="3717949" cy="2478633"/>
           </a:xfrm>
           <a:prstGeom prst="rect">
             <a:avLst/>
@@ -10463,10 +13080,10 @@
       </p:pic>
       <p:pic>
         <p:nvPicPr>
-          <p:cNvPr id="10" name="Picture 9" descr="Chart, histogram&#10;&#10;Description automatically generated">
+          <p:cNvPr id="5" name="Picture 4" descr="Chart, histogram&#10;&#10;Description automatically generated">
             <a:extLst>
               <a:ext uri="{FF2B5EF4-FFF2-40B4-BE49-F238E27FC236}">
-                <a16:creationId xmlns:a16="http://schemas.microsoft.com/office/drawing/2014/main" id="{829CEB33-F8AC-42B5-BE97-69D46806CF9E}"/>
+                <a16:creationId xmlns:a16="http://schemas.microsoft.com/office/drawing/2014/main" id="{ABB34C26-DD94-498D-8B14-80EEF7262C2C}"/>
               </a:ext>
             </a:extLst>
           </p:cNvPr>
@@ -10483,8 +13100,8 @@
         </p:blipFill>
         <p:spPr>
           <a:xfrm>
-            <a:off x="-94130" y="1662005"/>
-            <a:ext cx="4501817" cy="3001212"/>
+            <a:off x="617944" y="2381384"/>
+            <a:ext cx="3717949" cy="2478633"/>
           </a:xfrm>
           <a:prstGeom prst="rect">
             <a:avLst/>
@@ -10504,7 +13121,7 @@
 </p:sld>
 </file>
 
-<file path=ppt/slides/slide15.xml><?xml version="1.0" encoding="utf-8"?>
+<file path=ppt/slides/slide19.xml><?xml version="1.0" encoding="utf-8"?>
 <p:sld xmlns:a="http://schemas.openxmlformats.org/drawingml/2006/main" xmlns:r="http://schemas.openxmlformats.org/officeDocument/2006/relationships" xmlns:p="http://schemas.openxmlformats.org/presentationml/2006/main">
   <p:cSld>
     <p:spTree>
@@ -10584,7 +13201,7 @@
         </p:spPr>
         <p:txBody>
           <a:bodyPr spcFirstLastPara="1" wrap="square" lIns="91425" tIns="91425" rIns="91425" bIns="91425" anchor="t" anchorCtr="0">
-            <a:normAutofit fontScale="85000" lnSpcReduction="10000"/>
+            <a:normAutofit fontScale="85000" lnSpcReduction="20000"/>
           </a:bodyPr>
           <a:lstStyle/>
           <a:p>
@@ -10654,7 +13271,7 @@
             </a:pPr>
             <a:r>
               <a:rPr lang="en-US" dirty="0"/>
-              <a:t>A model framework which is truly hierarchical may be able to better model the effects due to the individual counties and states</a:t>
+              <a:t>A model framework which is hierarchical may be able to better model the effects due to the individual counties and states, as the spatial-temporal structure of the data is ideally suited for a hierarchical framework</a:t>
             </a:r>
           </a:p>
           <a:p>
@@ -10724,7 +13341,7 @@
             </a:pPr>
             <a:fld id="{00000000-1234-1234-1234-123412341234}" type="slidenum">
               <a:rPr lang="en"/>
-              <a:t>15</a:t>
+              <a:t>19</a:t>
             </a:fld>
             <a:endParaRPr/>
           </a:p>
@@ -10810,7 +13427,7 @@
         <p:spPr>
           <a:xfrm>
             <a:off x="311700" y="1152475"/>
-            <a:ext cx="3204706" cy="3416400"/>
+            <a:ext cx="3204706" cy="3738502"/>
           </a:xfrm>
           <a:prstGeom prst="rect">
             <a:avLst/>
@@ -10818,7 +13435,7 @@
         </p:spPr>
         <p:txBody>
           <a:bodyPr spcFirstLastPara="1" wrap="square" lIns="91425" tIns="91425" rIns="91425" bIns="91425" anchor="t" anchorCtr="0">
-            <a:normAutofit/>
+            <a:normAutofit lnSpcReduction="10000"/>
           </a:bodyPr>
           <a:lstStyle/>
           <a:p>
@@ -10862,7 +13479,7 @@
             </a:pPr>
             <a:r>
               <a:rPr lang="en-US" sz="1208" dirty="0"/>
-              <a:t>Starts in 1992, ends in 2018 (most recently published data)</a:t>
+              <a:t>Starts in 1992, ends in 2018</a:t>
             </a:r>
           </a:p>
           <a:p>
@@ -10871,7 +13488,7 @@
             </a:pPr>
             <a:r>
               <a:rPr lang="en-US" sz="1208" dirty="0"/>
-              <a:t>Covers every state in the U.S. including Hawaii and Alaska</a:t>
+              <a:t>Covers every state in the U.S.</a:t>
             </a:r>
           </a:p>
           <a:p>
@@ -10881,6 +13498,61 @@
             <a:r>
               <a:rPr lang="en-US" sz="1208" dirty="0"/>
               <a:t>Geographically allocated at the State and County level</a:t>
+            </a:r>
+            <a:endParaRPr lang="en-US" sz="1608" dirty="0"/>
+          </a:p>
+          <a:p>
+            <a:pPr lvl="1" indent="-356115">
+              <a:buSzPts val="2008"/>
+            </a:pPr>
+            <a:r>
+              <a:rPr lang="en-US" sz="1208" dirty="0"/>
+              <a:t>Our dataset contains over 2 million individual fires</a:t>
+            </a:r>
+          </a:p>
+          <a:p>
+            <a:pPr lvl="1" indent="-356115">
+              <a:buSzPts val="2008"/>
+            </a:pPr>
+            <a:r>
+              <a:rPr lang="en-US" sz="1208" dirty="0"/>
+              <a:t>Each row indicates a single fire</a:t>
+            </a:r>
+          </a:p>
+          <a:p>
+            <a:pPr indent="-356115">
+              <a:buSzPts val="2008"/>
+            </a:pPr>
+            <a:r>
+              <a:rPr lang="en-US" sz="1608" dirty="0"/>
+              <a:t>Variables of Interest</a:t>
+            </a:r>
+          </a:p>
+          <a:p>
+            <a:pPr lvl="1" indent="-356115">
+              <a:buSzPts val="2008"/>
+            </a:pPr>
+            <a:r>
+              <a:rPr lang="en-US" sz="1208" dirty="0"/>
+              <a:t>Fire location: State, County</a:t>
+            </a:r>
+          </a:p>
+          <a:p>
+            <a:pPr lvl="1" indent="-356115">
+              <a:buSzPts val="2008"/>
+            </a:pPr>
+            <a:r>
+              <a:rPr lang="en-US" sz="1208" dirty="0"/>
+              <a:t>Fire Size (acres burned)</a:t>
+            </a:r>
+          </a:p>
+          <a:p>
+            <a:pPr lvl="1" indent="-356115">
+              <a:buSzPts val="2008"/>
+            </a:pPr>
+            <a:r>
+              <a:rPr lang="en-US" sz="1208" dirty="0"/>
+              <a:t>Fire start date</a:t>
             </a:r>
           </a:p>
           <a:p>
@@ -10955,8 +13627,8 @@
         </p:blipFill>
         <p:spPr>
           <a:xfrm>
-            <a:off x="3583381" y="1331260"/>
-            <a:ext cx="5560619" cy="2855210"/>
+            <a:off x="3516406" y="1470257"/>
+            <a:ext cx="5643813" cy="2933437"/>
           </a:xfrm>
           <a:prstGeom prst="rect">
             <a:avLst/>
@@ -11087,7 +13759,17 @@
             </a:pPr>
             <a:r>
               <a:rPr lang="en-US" sz="1208" dirty="0"/>
-              <a:t>Precipitation, Min and Max temperature by month for select states</a:t>
+              <a:t>Precipitation, Min and Max temperature by month for select states from 1992 to 2018</a:t>
+            </a:r>
+          </a:p>
+          <a:p>
+            <a:pPr lvl="1" indent="-356115">
+              <a:buSzPts val="2008"/>
+              <a:buChar char="●"/>
+            </a:pPr>
+            <a:r>
+              <a:rPr lang="en-US" sz="1208" dirty="0"/>
+              <a:t>Joined to fire data via state and month</a:t>
             </a:r>
           </a:p>
           <a:p>
@@ -11118,6 +13800,24 @@
             </a:r>
           </a:p>
           <a:p>
+            <a:pPr lvl="1" indent="-356115">
+              <a:buSzPts val="2008"/>
+            </a:pPr>
+            <a:r>
+              <a:rPr lang="en-US" sz="1208" dirty="0"/>
+              <a:t>Size serves as a standardization factor of burn area by county since larger counties =&gt; increased fire size</a:t>
+            </a:r>
+          </a:p>
+          <a:p>
+            <a:pPr lvl="1" indent="-356115">
+              <a:buSzPts val="2008"/>
+            </a:pPr>
+            <a:r>
+              <a:rPr lang="en-US" sz="1208" dirty="0"/>
+              <a:t>Joined to fire data by county state and county identifier, more technically, FIPS Code</a:t>
+            </a:r>
+          </a:p>
+          <a:p>
             <a:pPr indent="-356115">
               <a:buSzPts val="2008"/>
             </a:pPr>
@@ -11129,7 +13829,7 @@
             </a:pPr>
             <a:r>
               <a:rPr lang="en-US" sz="1608" dirty="0"/>
-              <a:t>Notes:</a:t>
+              <a:t>Note:</a:t>
             </a:r>
           </a:p>
           <a:p>
@@ -11138,7 +13838,7 @@
             </a:pPr>
             <a:r>
               <a:rPr lang="en-US" sz="1208" dirty="0"/>
-              <a:t>Only considered Western U.S. States which includes Washington, Oregon, California, Idaho, Nevada, Arizona, Montana, Utah, New Mexico, Colorado and Wyoming</a:t>
+              <a:t>For this project we only considered Western U.S. States which includes Washington, Oregon, California, Idaho, Nevada, Arizona, Montana, Utah, New Mexico, Colorado and Wyoming</a:t>
             </a:r>
           </a:p>
           <a:p>
@@ -11257,7 +13957,7 @@
             </a:pPr>
             <a:r>
               <a:rPr lang="en" dirty="0"/>
-              <a:t>Research Question</a:t>
+              <a:t>Data Preparation</a:t>
             </a:r>
             <a:endParaRPr dirty="0"/>
           </a:p>
@@ -11283,19 +13983,89 @@
           </a:prstGeom>
         </p:spPr>
         <p:txBody>
-          <a:bodyPr spcFirstLastPara="1" wrap="square" lIns="91425" tIns="91425" rIns="91425" bIns="91425" anchor="ctr" anchorCtr="0">
+          <a:bodyPr spcFirstLastPara="1" wrap="square" lIns="91425" tIns="91425" rIns="91425" bIns="91425" anchor="t" anchorCtr="0">
             <a:normAutofit/>
           </a:bodyPr>
           <a:lstStyle/>
           <a:p>
-            <a:pPr marL="558285" lvl="1" indent="0" algn="ctr">
+            <a:pPr marL="457200" lvl="0" indent="-356115" algn="l" rtl="0">
+              <a:spcBef>
+                <a:spcPts val="0"/>
+              </a:spcBef>
+              <a:spcAft>
+                <a:spcPts val="0"/>
+              </a:spcAft>
               <a:buSzPts val="2008"/>
-              <a:buNone/>
+              <a:buChar char="●"/>
             </a:pPr>
             <a:r>
-              <a:rPr lang="en-US" sz="2800" dirty="0"/>
-              <a:t>Can we use historical fire data, in conjunction with weather and county spatial data to model the severity (size) of wildfires by month for the selected counties? </a:t>
+              <a:rPr lang="en-US" sz="2000" dirty="0"/>
+              <a:t>Filling Nulls</a:t>
             </a:r>
+          </a:p>
+          <a:p>
+            <a:pPr lvl="1" indent="-356115">
+              <a:buSzPts val="2008"/>
+            </a:pPr>
+            <a:r>
+              <a:rPr lang="en-US" dirty="0"/>
+              <a:t>Almost all fires had a </a:t>
+            </a:r>
+            <a:r>
+              <a:rPr lang="en-US" dirty="0" err="1"/>
+              <a:t>lat</a:t>
+            </a:r>
+            <a:r>
+              <a:rPr lang="en-US" dirty="0"/>
+              <a:t>/long point associated to it, however, over 600K fires were missing proper county identifiers</a:t>
+            </a:r>
+          </a:p>
+          <a:p>
+            <a:pPr lvl="1" indent="-356115">
+              <a:buSzPts val="2008"/>
+            </a:pPr>
+            <a:r>
+              <a:rPr lang="en-US" dirty="0"/>
+              <a:t>Using a spatial data frame with all the polygons for the U.S. counties I was able to fill in most of those missing county identifiers via a spatial join matching fire </a:t>
+            </a:r>
+            <a:r>
+              <a:rPr lang="en-US" dirty="0" err="1"/>
+              <a:t>lat</a:t>
+            </a:r>
+            <a:r>
+              <a:rPr lang="en-US" dirty="0"/>
+              <a:t>/long coordinates which were within specific county polygons</a:t>
+            </a:r>
+          </a:p>
+          <a:p>
+            <a:pPr indent="-356115">
+              <a:buSzPts val="2008"/>
+            </a:pPr>
+            <a:r>
+              <a:rPr lang="en-US" dirty="0"/>
+              <a:t>Aggregation</a:t>
+            </a:r>
+          </a:p>
+          <a:p>
+            <a:pPr lvl="1" indent="-356115">
+              <a:buSzPts val="2008"/>
+            </a:pPr>
+            <a:r>
+              <a:rPr lang="en-US" dirty="0"/>
+              <a:t>Individual fires were aggregated to the county and month level. The fire size was summed up to get total burn area for a given county and month</a:t>
+            </a:r>
+          </a:p>
+          <a:p>
+            <a:pPr lvl="1" indent="-356115">
+              <a:buSzPts val="2008"/>
+            </a:pPr>
+            <a:endParaRPr lang="en-US" dirty="0"/>
+          </a:p>
+          <a:p>
+            <a:pPr indent="-356115">
+              <a:buSzPts val="2008"/>
+            </a:pPr>
+            <a:endParaRPr lang="en-US" sz="1208" dirty="0"/>
           </a:p>
         </p:txBody>
       </p:sp>
@@ -11344,7 +14114,7 @@
     </p:spTree>
     <p:extLst>
       <p:ext uri="{BB962C8B-B14F-4D97-AF65-F5344CB8AC3E}">
-        <p14:creationId xmlns:p14="http://schemas.microsoft.com/office/powerpoint/2010/main" val="1170782108"/>
+        <p14:creationId xmlns:p14="http://schemas.microsoft.com/office/powerpoint/2010/main" val="417058454"/>
       </p:ext>
     </p:extLst>
   </p:cSld>
@@ -11407,7 +14177,7 @@
             </a:pPr>
             <a:r>
               <a:rPr lang="en" dirty="0"/>
-              <a:t>Data Visualization</a:t>
+              <a:t>Research Question</a:t>
             </a:r>
             <a:endParaRPr dirty="0"/>
           </a:p>
@@ -11433,66 +14203,18 @@
           </a:prstGeom>
         </p:spPr>
         <p:txBody>
-          <a:bodyPr spcFirstLastPara="1" wrap="square" lIns="91425" tIns="91425" rIns="91425" bIns="91425" anchor="t" anchorCtr="0">
+          <a:bodyPr spcFirstLastPara="1" wrap="square" lIns="91425" tIns="91425" rIns="91425" bIns="91425" anchor="ctr" anchorCtr="0">
             <a:normAutofit/>
           </a:bodyPr>
           <a:lstStyle/>
           <a:p>
-            <a:pPr marL="457200" lvl="0" indent="-356115" algn="l" rtl="0">
-              <a:spcBef>
-                <a:spcPts val="0"/>
-              </a:spcBef>
-              <a:spcAft>
-                <a:spcPts val="0"/>
-              </a:spcAft>
+            <a:pPr marL="558285" lvl="1" indent="0" algn="ctr">
               <a:buSzPts val="2008"/>
-              <a:buChar char="●"/>
+              <a:buNone/>
             </a:pPr>
             <a:r>
-              <a:rPr lang="en-US" sz="2000" dirty="0"/>
-              <a:t>We use specific counties as examples to make analysis clearer</a:t>
-            </a:r>
-          </a:p>
-          <a:p>
-            <a:pPr lvl="1" indent="-356115">
-              <a:buSzPts val="2008"/>
-              <a:buChar char="●"/>
-            </a:pPr>
-            <a:r>
-              <a:rPr lang="en-US" sz="1600" dirty="0"/>
-              <a:t>Napa County, California</a:t>
-            </a:r>
-          </a:p>
-          <a:p>
-            <a:pPr lvl="1" indent="-356115">
-              <a:buSzPts val="2008"/>
-              <a:buChar char="●"/>
-            </a:pPr>
-            <a:r>
-              <a:rPr lang="en-US" sz="1600" dirty="0"/>
-              <a:t>Elko County, Nevada</a:t>
-            </a:r>
-          </a:p>
-          <a:p>
-            <a:pPr indent="-356115">
-              <a:buSzPts val="2008"/>
-            </a:pPr>
-            <a:endParaRPr lang="en-US" sz="2000" dirty="0"/>
-          </a:p>
-          <a:p>
-            <a:pPr marL="101085" indent="0">
-              <a:buSzPts val="2008"/>
-              <a:buNone/>
-            </a:pPr>
-            <a:endParaRPr lang="en-US" sz="2000" dirty="0"/>
-          </a:p>
-          <a:p>
-            <a:pPr indent="-356115">
-              <a:buSzPts val="2008"/>
-            </a:pPr>
-            <a:r>
-              <a:rPr lang="en-US" sz="2000" dirty="0"/>
-              <a:t>Time Series Plots</a:t>
+              <a:rPr lang="en-US" sz="2800" dirty="0"/>
+              <a:t>Can we use historical fire data, in conjunction with weather and county spatial data to model the severity (size) of wildfires by month for the selected counties? </a:t>
             </a:r>
           </a:p>
         </p:txBody>
@@ -11534,6 +14256,206 @@
             <a:fld id="{00000000-1234-1234-1234-123412341234}" type="slidenum">
               <a:rPr lang="en"/>
               <a:t>5</a:t>
+            </a:fld>
+            <a:endParaRPr/>
+          </a:p>
+        </p:txBody>
+      </p:sp>
+    </p:spTree>
+    <p:extLst>
+      <p:ext uri="{BB962C8B-B14F-4D97-AF65-F5344CB8AC3E}">
+        <p14:creationId xmlns:p14="http://schemas.microsoft.com/office/powerpoint/2010/main" val="1170782108"/>
+      </p:ext>
+    </p:extLst>
+  </p:cSld>
+  <p:clrMapOvr>
+    <a:masterClrMapping/>
+  </p:clrMapOvr>
+</p:sld>
+</file>
+
+<file path=ppt/slides/slide6.xml><?xml version="1.0" encoding="utf-8"?>
+<p:sld xmlns:a="http://schemas.openxmlformats.org/drawingml/2006/main" xmlns:r="http://schemas.openxmlformats.org/officeDocument/2006/relationships" xmlns:p="http://schemas.openxmlformats.org/presentationml/2006/main">
+  <p:cSld>
+    <p:spTree>
+      <p:nvGrpSpPr>
+        <p:cNvPr id="1" name="Shape 63"/>
+        <p:cNvGrpSpPr/>
+        <p:nvPr/>
+      </p:nvGrpSpPr>
+      <p:grpSpPr>
+        <a:xfrm>
+          <a:off x="0" y="0"/>
+          <a:ext cx="0" cy="0"/>
+          <a:chOff x="0" y="0"/>
+          <a:chExt cx="0" cy="0"/>
+        </a:xfrm>
+      </p:grpSpPr>
+      <p:sp>
+        <p:nvSpPr>
+          <p:cNvPr id="64" name="Google Shape;64;p14"/>
+          <p:cNvSpPr txBox="1">
+            <a:spLocks noGrp="1"/>
+          </p:cNvSpPr>
+          <p:nvPr>
+            <p:ph type="title"/>
+          </p:nvPr>
+        </p:nvSpPr>
+        <p:spPr>
+          <a:xfrm>
+            <a:off x="311700" y="445025"/>
+            <a:ext cx="8520600" cy="572700"/>
+          </a:xfrm>
+          <a:prstGeom prst="rect">
+            <a:avLst/>
+          </a:prstGeom>
+        </p:spPr>
+        <p:txBody>
+          <a:bodyPr spcFirstLastPara="1" wrap="square" lIns="91425" tIns="91425" rIns="91425" bIns="91425" anchor="t" anchorCtr="0">
+            <a:normAutofit fontScale="90000"/>
+          </a:bodyPr>
+          <a:lstStyle/>
+          <a:p>
+            <a:pPr marL="0" lvl="0" indent="0" algn="l" rtl="0">
+              <a:spcBef>
+                <a:spcPts val="0"/>
+              </a:spcBef>
+              <a:spcAft>
+                <a:spcPts val="0"/>
+              </a:spcAft>
+              <a:buNone/>
+            </a:pPr>
+            <a:r>
+              <a:rPr lang="en" dirty="0"/>
+              <a:t>Data Visualization</a:t>
+            </a:r>
+            <a:endParaRPr dirty="0"/>
+          </a:p>
+        </p:txBody>
+      </p:sp>
+      <p:sp>
+        <p:nvSpPr>
+          <p:cNvPr id="65" name="Google Shape;65;p14"/>
+          <p:cNvSpPr txBox="1">
+            <a:spLocks noGrp="1"/>
+          </p:cNvSpPr>
+          <p:nvPr>
+            <p:ph type="body" idx="1"/>
+          </p:nvPr>
+        </p:nvSpPr>
+        <p:spPr>
+          <a:xfrm>
+            <a:off x="311700" y="1152475"/>
+            <a:ext cx="8520600" cy="1688818"/>
+          </a:xfrm>
+          <a:prstGeom prst="rect">
+            <a:avLst/>
+          </a:prstGeom>
+        </p:spPr>
+        <p:txBody>
+          <a:bodyPr spcFirstLastPara="1" wrap="square" lIns="91425" tIns="91425" rIns="91425" bIns="91425" anchor="t" anchorCtr="0">
+            <a:normAutofit/>
+          </a:bodyPr>
+          <a:lstStyle/>
+          <a:p>
+            <a:pPr marL="457200" lvl="0" indent="-356115" algn="l" rtl="0">
+              <a:spcBef>
+                <a:spcPts val="0"/>
+              </a:spcBef>
+              <a:spcAft>
+                <a:spcPts val="0"/>
+              </a:spcAft>
+              <a:buSzPts val="2008"/>
+              <a:buChar char="●"/>
+            </a:pPr>
+            <a:r>
+              <a:rPr lang="en-US" sz="2000" dirty="0"/>
+              <a:t>We use specific counties as examples to make analysis clearer</a:t>
+            </a:r>
+          </a:p>
+          <a:p>
+            <a:pPr lvl="1" indent="-356115">
+              <a:buSzPts val="2008"/>
+            </a:pPr>
+            <a:r>
+              <a:rPr lang="en-US" sz="1600" dirty="0"/>
+              <a:t>Napa County, California</a:t>
+            </a:r>
+          </a:p>
+          <a:p>
+            <a:pPr lvl="2" indent="-356115">
+              <a:buSzPts val="2008"/>
+            </a:pPr>
+            <a:r>
+              <a:rPr lang="en-US" dirty="0"/>
+              <a:t>Area: 788 sq mi</a:t>
+            </a:r>
+          </a:p>
+          <a:p>
+            <a:pPr lvl="1" indent="-356115">
+              <a:buSzPts val="2008"/>
+            </a:pPr>
+            <a:r>
+              <a:rPr lang="en-US" sz="1600" dirty="0"/>
+              <a:t>Elko County, Nevada</a:t>
+            </a:r>
+          </a:p>
+          <a:p>
+            <a:pPr lvl="2" indent="-356115">
+              <a:buSzPts val="2008"/>
+            </a:pPr>
+            <a:r>
+              <a:rPr lang="en-US" dirty="0"/>
+              <a:t>Area: 17,203 sq mi</a:t>
+            </a:r>
+            <a:endParaRPr lang="en-US" sz="2000" dirty="0"/>
+          </a:p>
+          <a:p>
+            <a:pPr marL="101085" indent="0">
+              <a:buSzPts val="2008"/>
+              <a:buNone/>
+            </a:pPr>
+            <a:endParaRPr lang="en-US" sz="2000" dirty="0"/>
+          </a:p>
+        </p:txBody>
+      </p:sp>
+      <p:sp>
+        <p:nvSpPr>
+          <p:cNvPr id="67" name="Google Shape;67;p14"/>
+          <p:cNvSpPr txBox="1">
+            <a:spLocks noGrp="1"/>
+          </p:cNvSpPr>
+          <p:nvPr>
+            <p:ph type="sldNum" idx="12"/>
+          </p:nvPr>
+        </p:nvSpPr>
+        <p:spPr>
+          <a:xfrm>
+            <a:off x="8472458" y="4663217"/>
+            <a:ext cx="548700" cy="393600"/>
+          </a:xfrm>
+          <a:prstGeom prst="rect">
+            <a:avLst/>
+          </a:prstGeom>
+        </p:spPr>
+        <p:txBody>
+          <a:bodyPr spcFirstLastPara="1" wrap="square" lIns="91425" tIns="91425" rIns="91425" bIns="91425" anchor="ctr" anchorCtr="0">
+            <a:normAutofit/>
+          </a:bodyPr>
+          <a:lstStyle/>
+          <a:p>
+            <a:pPr marL="0" lvl="0" indent="0" algn="r" rtl="0">
+              <a:spcBef>
+                <a:spcPts val="0"/>
+              </a:spcBef>
+              <a:spcAft>
+                <a:spcPts val="0"/>
+              </a:spcAft>
+              <a:buNone/>
+            </a:pPr>
+            <a:fld id="{00000000-1234-1234-1234-123412341234}" type="slidenum">
+              <a:rPr lang="en"/>
+              <a:t>6</a:t>
             </a:fld>
             <a:endParaRPr/>
           </a:p>
@@ -11725,7 +14647,7 @@
         </p:blipFill>
         <p:spPr>
           <a:xfrm>
-            <a:off x="2344226" y="3073992"/>
+            <a:off x="2992886" y="2841293"/>
             <a:ext cx="3104262" cy="2069508"/>
           </a:xfrm>
           <a:prstGeom prst="rect">
@@ -11755,7 +14677,7 @@
         </p:blipFill>
         <p:spPr>
           <a:xfrm>
-            <a:off x="5588263" y="3073992"/>
+            <a:off x="5957757" y="2790509"/>
             <a:ext cx="3104262" cy="2069508"/>
           </a:xfrm>
           <a:prstGeom prst="rect">
@@ -11763,203 +14685,316 @@
           </a:prstGeom>
         </p:spPr>
       </p:pic>
+      <p:sp>
+        <p:nvSpPr>
+          <p:cNvPr id="12" name="Google Shape;65;p14">
+            <a:extLst>
+              <a:ext uri="{FF2B5EF4-FFF2-40B4-BE49-F238E27FC236}">
+                <a16:creationId xmlns:a16="http://schemas.microsoft.com/office/drawing/2014/main" id="{2DBEAB00-EC41-4E35-9647-39B90880C113}"/>
+              </a:ext>
+            </a:extLst>
+          </p:cNvPr>
+          <p:cNvSpPr txBox="1">
+            <a:spLocks/>
+          </p:cNvSpPr>
+          <p:nvPr/>
+        </p:nvSpPr>
+        <p:spPr>
+          <a:xfrm>
+            <a:off x="311700" y="2815286"/>
+            <a:ext cx="2681186" cy="1688818"/>
+          </a:xfrm>
+          <a:prstGeom prst="rect">
+            <a:avLst/>
+          </a:prstGeom>
+          <a:noFill/>
+          <a:ln>
+            <a:noFill/>
+          </a:ln>
+        </p:spPr>
+        <p:txBody>
+          <a:bodyPr spcFirstLastPara="1" wrap="square" lIns="91425" tIns="91425" rIns="91425" bIns="91425" anchor="t" anchorCtr="0">
+            <a:normAutofit lnSpcReduction="10000"/>
+          </a:bodyPr>
+          <a:lstStyle>
+            <a:defPPr marR="0" lvl="0" algn="l" rtl="0">
+              <a:lnSpc>
+                <a:spcPct val="100000"/>
+              </a:lnSpc>
+              <a:spcBef>
+                <a:spcPts val="0"/>
+              </a:spcBef>
+              <a:spcAft>
+                <a:spcPts val="0"/>
+              </a:spcAft>
+            </a:defPPr>
+            <a:lvl1pPr marL="457200" marR="0" lvl="0" indent="-342900" algn="l" rtl="0">
+              <a:lnSpc>
+                <a:spcPct val="115000"/>
+              </a:lnSpc>
+              <a:spcBef>
+                <a:spcPts val="0"/>
+              </a:spcBef>
+              <a:spcAft>
+                <a:spcPts val="0"/>
+              </a:spcAft>
+              <a:buClr>
+                <a:schemeClr val="dk2"/>
+              </a:buClr>
+              <a:buSzPts val="1800"/>
+              <a:buFont typeface="Arial"/>
+              <a:buChar char="●"/>
+              <a:defRPr sz="1800" b="0" i="0" u="none" strike="noStrike" cap="none">
+                <a:solidFill>
+                  <a:schemeClr val="dk2"/>
+                </a:solidFill>
+                <a:latin typeface="Arial"/>
+                <a:ea typeface="Arial"/>
+                <a:cs typeface="Arial"/>
+                <a:sym typeface="Arial"/>
+              </a:defRPr>
+            </a:lvl1pPr>
+            <a:lvl2pPr marL="914400" marR="0" lvl="1" indent="-317500" algn="l" rtl="0">
+              <a:lnSpc>
+                <a:spcPct val="115000"/>
+              </a:lnSpc>
+              <a:spcBef>
+                <a:spcPts val="0"/>
+              </a:spcBef>
+              <a:spcAft>
+                <a:spcPts val="0"/>
+              </a:spcAft>
+              <a:buClr>
+                <a:schemeClr val="dk2"/>
+              </a:buClr>
+              <a:buSzPts val="1400"/>
+              <a:buFont typeface="Arial"/>
+              <a:buChar char="○"/>
+              <a:defRPr sz="1400" b="0" i="0" u="none" strike="noStrike" cap="none">
+                <a:solidFill>
+                  <a:schemeClr val="dk2"/>
+                </a:solidFill>
+                <a:latin typeface="Arial"/>
+                <a:ea typeface="Arial"/>
+                <a:cs typeface="Arial"/>
+                <a:sym typeface="Arial"/>
+              </a:defRPr>
+            </a:lvl2pPr>
+            <a:lvl3pPr marL="1371600" marR="0" lvl="2" indent="-317500" algn="l" rtl="0">
+              <a:lnSpc>
+                <a:spcPct val="115000"/>
+              </a:lnSpc>
+              <a:spcBef>
+                <a:spcPts val="0"/>
+              </a:spcBef>
+              <a:spcAft>
+                <a:spcPts val="0"/>
+              </a:spcAft>
+              <a:buClr>
+                <a:schemeClr val="dk2"/>
+              </a:buClr>
+              <a:buSzPts val="1400"/>
+              <a:buFont typeface="Arial"/>
+              <a:buChar char="■"/>
+              <a:defRPr sz="1400" b="0" i="0" u="none" strike="noStrike" cap="none">
+                <a:solidFill>
+                  <a:schemeClr val="dk2"/>
+                </a:solidFill>
+                <a:latin typeface="Arial"/>
+                <a:ea typeface="Arial"/>
+                <a:cs typeface="Arial"/>
+                <a:sym typeface="Arial"/>
+              </a:defRPr>
+            </a:lvl3pPr>
+            <a:lvl4pPr marL="1828800" marR="0" lvl="3" indent="-317500" algn="l" rtl="0">
+              <a:lnSpc>
+                <a:spcPct val="115000"/>
+              </a:lnSpc>
+              <a:spcBef>
+                <a:spcPts val="0"/>
+              </a:spcBef>
+              <a:spcAft>
+                <a:spcPts val="0"/>
+              </a:spcAft>
+              <a:buClr>
+                <a:schemeClr val="dk2"/>
+              </a:buClr>
+              <a:buSzPts val="1400"/>
+              <a:buFont typeface="Arial"/>
+              <a:buChar char="●"/>
+              <a:defRPr sz="1400" b="0" i="0" u="none" strike="noStrike" cap="none">
+                <a:solidFill>
+                  <a:schemeClr val="dk2"/>
+                </a:solidFill>
+                <a:latin typeface="Arial"/>
+                <a:ea typeface="Arial"/>
+                <a:cs typeface="Arial"/>
+                <a:sym typeface="Arial"/>
+              </a:defRPr>
+            </a:lvl4pPr>
+            <a:lvl5pPr marL="2286000" marR="0" lvl="4" indent="-317500" algn="l" rtl="0">
+              <a:lnSpc>
+                <a:spcPct val="115000"/>
+              </a:lnSpc>
+              <a:spcBef>
+                <a:spcPts val="0"/>
+              </a:spcBef>
+              <a:spcAft>
+                <a:spcPts val="0"/>
+              </a:spcAft>
+              <a:buClr>
+                <a:schemeClr val="dk2"/>
+              </a:buClr>
+              <a:buSzPts val="1400"/>
+              <a:buFont typeface="Arial"/>
+              <a:buChar char="○"/>
+              <a:defRPr sz="1400" b="0" i="0" u="none" strike="noStrike" cap="none">
+                <a:solidFill>
+                  <a:schemeClr val="dk2"/>
+                </a:solidFill>
+                <a:latin typeface="Arial"/>
+                <a:ea typeface="Arial"/>
+                <a:cs typeface="Arial"/>
+                <a:sym typeface="Arial"/>
+              </a:defRPr>
+            </a:lvl5pPr>
+            <a:lvl6pPr marL="2743200" marR="0" lvl="5" indent="-317500" algn="l" rtl="0">
+              <a:lnSpc>
+                <a:spcPct val="115000"/>
+              </a:lnSpc>
+              <a:spcBef>
+                <a:spcPts val="0"/>
+              </a:spcBef>
+              <a:spcAft>
+                <a:spcPts val="0"/>
+              </a:spcAft>
+              <a:buClr>
+                <a:schemeClr val="dk2"/>
+              </a:buClr>
+              <a:buSzPts val="1400"/>
+              <a:buFont typeface="Arial"/>
+              <a:buChar char="■"/>
+              <a:defRPr sz="1400" b="0" i="0" u="none" strike="noStrike" cap="none">
+                <a:solidFill>
+                  <a:schemeClr val="dk2"/>
+                </a:solidFill>
+                <a:latin typeface="Arial"/>
+                <a:ea typeface="Arial"/>
+                <a:cs typeface="Arial"/>
+                <a:sym typeface="Arial"/>
+              </a:defRPr>
+            </a:lvl6pPr>
+            <a:lvl7pPr marL="3200400" marR="0" lvl="6" indent="-317500" algn="l" rtl="0">
+              <a:lnSpc>
+                <a:spcPct val="115000"/>
+              </a:lnSpc>
+              <a:spcBef>
+                <a:spcPts val="0"/>
+              </a:spcBef>
+              <a:spcAft>
+                <a:spcPts val="0"/>
+              </a:spcAft>
+              <a:buClr>
+                <a:schemeClr val="dk2"/>
+              </a:buClr>
+              <a:buSzPts val="1400"/>
+              <a:buFont typeface="Arial"/>
+              <a:buChar char="●"/>
+              <a:defRPr sz="1400" b="0" i="0" u="none" strike="noStrike" cap="none">
+                <a:solidFill>
+                  <a:schemeClr val="dk2"/>
+                </a:solidFill>
+                <a:latin typeface="Arial"/>
+                <a:ea typeface="Arial"/>
+                <a:cs typeface="Arial"/>
+                <a:sym typeface="Arial"/>
+              </a:defRPr>
+            </a:lvl7pPr>
+            <a:lvl8pPr marL="3657600" marR="0" lvl="7" indent="-317500" algn="l" rtl="0">
+              <a:lnSpc>
+                <a:spcPct val="115000"/>
+              </a:lnSpc>
+              <a:spcBef>
+                <a:spcPts val="0"/>
+              </a:spcBef>
+              <a:spcAft>
+                <a:spcPts val="0"/>
+              </a:spcAft>
+              <a:buClr>
+                <a:schemeClr val="dk2"/>
+              </a:buClr>
+              <a:buSzPts val="1400"/>
+              <a:buFont typeface="Arial"/>
+              <a:buChar char="○"/>
+              <a:defRPr sz="1400" b="0" i="0" u="none" strike="noStrike" cap="none">
+                <a:solidFill>
+                  <a:schemeClr val="dk2"/>
+                </a:solidFill>
+                <a:latin typeface="Arial"/>
+                <a:ea typeface="Arial"/>
+                <a:cs typeface="Arial"/>
+                <a:sym typeface="Arial"/>
+              </a:defRPr>
+            </a:lvl8pPr>
+            <a:lvl9pPr marL="4114800" marR="0" lvl="8" indent="-317500" algn="l" rtl="0">
+              <a:lnSpc>
+                <a:spcPct val="115000"/>
+              </a:lnSpc>
+              <a:spcBef>
+                <a:spcPts val="0"/>
+              </a:spcBef>
+              <a:spcAft>
+                <a:spcPts val="0"/>
+              </a:spcAft>
+              <a:buClr>
+                <a:schemeClr val="dk2"/>
+              </a:buClr>
+              <a:buSzPts val="1400"/>
+              <a:buFont typeface="Arial"/>
+              <a:buChar char="■"/>
+              <a:defRPr sz="1400" b="0" i="0" u="none" strike="noStrike" cap="none">
+                <a:solidFill>
+                  <a:schemeClr val="dk2"/>
+                </a:solidFill>
+                <a:latin typeface="Arial"/>
+                <a:ea typeface="Arial"/>
+                <a:cs typeface="Arial"/>
+                <a:sym typeface="Arial"/>
+              </a:defRPr>
+            </a:lvl9pPr>
+          </a:lstStyle>
+          <a:p>
+            <a:pPr indent="-356115">
+              <a:buSzPts val="2008"/>
+            </a:pPr>
+            <a:r>
+              <a:rPr lang="en-US" sz="2000" dirty="0"/>
+              <a:t>Time Series Plots</a:t>
+            </a:r>
+          </a:p>
+          <a:p>
+            <a:pPr lvl="1" indent="-356115">
+              <a:buSzPts val="2008"/>
+            </a:pPr>
+            <a:r>
+              <a:rPr lang="en-US" dirty="0"/>
+              <a:t>Spikes in Napa County will be more difficult to predict than the more cyclical Elko County</a:t>
+            </a:r>
+          </a:p>
+          <a:p>
+            <a:pPr marL="101085" indent="0">
+              <a:buSzPts val="2008"/>
+              <a:buFont typeface="Arial"/>
+              <a:buNone/>
+            </a:pPr>
+            <a:endParaRPr lang="en-US" sz="2000" dirty="0"/>
+          </a:p>
+        </p:txBody>
+      </p:sp>
     </p:spTree>
     <p:extLst>
       <p:ext uri="{BB962C8B-B14F-4D97-AF65-F5344CB8AC3E}">
         <p14:creationId xmlns:p14="http://schemas.microsoft.com/office/powerpoint/2010/main" val="3649565824"/>
-      </p:ext>
-    </p:extLst>
-  </p:cSld>
-  <p:clrMapOvr>
-    <a:masterClrMapping/>
-  </p:clrMapOvr>
-</p:sld>
-</file>
-
-<file path=ppt/slides/slide6.xml><?xml version="1.0" encoding="utf-8"?>
-<p:sld xmlns:a="http://schemas.openxmlformats.org/drawingml/2006/main" xmlns:r="http://schemas.openxmlformats.org/officeDocument/2006/relationships" xmlns:p="http://schemas.openxmlformats.org/presentationml/2006/main">
-  <p:cSld>
-    <p:spTree>
-      <p:nvGrpSpPr>
-        <p:cNvPr id="1" name=""/>
-        <p:cNvGrpSpPr/>
-        <p:nvPr/>
-      </p:nvGrpSpPr>
-      <p:grpSpPr>
-        <a:xfrm>
-          <a:off x="0" y="0"/>
-          <a:ext cx="0" cy="0"/>
-          <a:chOff x="0" y="0"/>
-          <a:chExt cx="0" cy="0"/>
-        </a:xfrm>
-      </p:grpSpPr>
-      <p:sp>
-        <p:nvSpPr>
-          <p:cNvPr id="2" name="Title 1">
-            <a:extLst>
-              <a:ext uri="{FF2B5EF4-FFF2-40B4-BE49-F238E27FC236}">
-                <a16:creationId xmlns:a16="http://schemas.microsoft.com/office/drawing/2014/main" id="{8E7B2233-4693-4672-ADA0-127F638C6CDD}"/>
-              </a:ext>
-            </a:extLst>
-          </p:cNvPr>
-          <p:cNvSpPr>
-            <a:spLocks noGrp="1"/>
-          </p:cNvSpPr>
-          <p:nvPr>
-            <p:ph type="title"/>
-          </p:nvPr>
-        </p:nvSpPr>
-        <p:spPr/>
-        <p:txBody>
-          <a:bodyPr>
-            <a:normAutofit fontScale="90000"/>
-          </a:bodyPr>
-          <a:lstStyle/>
-          <a:p>
-            <a:r>
-              <a:rPr lang="en-US" dirty="0"/>
-              <a:t>Data Visualization Cont’d</a:t>
-            </a:r>
-          </a:p>
-        </p:txBody>
-      </p:sp>
-      <p:sp>
-        <p:nvSpPr>
-          <p:cNvPr id="3" name="Text Placeholder 2">
-            <a:extLst>
-              <a:ext uri="{FF2B5EF4-FFF2-40B4-BE49-F238E27FC236}">
-                <a16:creationId xmlns:a16="http://schemas.microsoft.com/office/drawing/2014/main" id="{AE8DCB93-BB91-4817-9F15-C2344BBB5E61}"/>
-              </a:ext>
-            </a:extLst>
-          </p:cNvPr>
-          <p:cNvSpPr>
-            <a:spLocks noGrp="1"/>
-          </p:cNvSpPr>
-          <p:nvPr>
-            <p:ph type="body" idx="1"/>
-          </p:nvPr>
-        </p:nvSpPr>
-        <p:spPr>
-          <a:xfrm>
-            <a:off x="311700" y="1152474"/>
-            <a:ext cx="8520600" cy="3762425"/>
-          </a:xfrm>
-        </p:spPr>
-        <p:txBody>
-          <a:bodyPr>
-            <a:normAutofit/>
-          </a:bodyPr>
-          <a:lstStyle/>
-          <a:p>
-            <a:r>
-              <a:rPr lang="en-US" dirty="0"/>
-              <a:t>Visualize Precipitation with Burn Area</a:t>
-            </a:r>
-          </a:p>
-        </p:txBody>
-      </p:sp>
-      <p:sp>
-        <p:nvSpPr>
-          <p:cNvPr id="4" name="Slide Number Placeholder 3">
-            <a:extLst>
-              <a:ext uri="{FF2B5EF4-FFF2-40B4-BE49-F238E27FC236}">
-                <a16:creationId xmlns:a16="http://schemas.microsoft.com/office/drawing/2014/main" id="{BD07DA9D-6763-4B01-AA1C-9669A5625F75}"/>
-              </a:ext>
-            </a:extLst>
-          </p:cNvPr>
-          <p:cNvSpPr>
-            <a:spLocks noGrp="1"/>
-          </p:cNvSpPr>
-          <p:nvPr>
-            <p:ph type="sldNum" idx="12"/>
-          </p:nvPr>
-        </p:nvSpPr>
-        <p:spPr/>
-        <p:txBody>
-          <a:bodyPr/>
-          <a:lstStyle/>
-          <a:p>
-            <a:pPr marL="0" lvl="0" indent="0" algn="r" rtl="0">
-              <a:spcBef>
-                <a:spcPts val="0"/>
-              </a:spcBef>
-              <a:spcAft>
-                <a:spcPts val="0"/>
-              </a:spcAft>
-              <a:buNone/>
-            </a:pPr>
-            <a:fld id="{00000000-1234-1234-1234-123412341234}" type="slidenum">
-              <a:rPr lang="en" smtClean="0"/>
-              <a:t>6</a:t>
-            </a:fld>
-            <a:endParaRPr lang="en"/>
-          </a:p>
-        </p:txBody>
-      </p:sp>
-      <p:pic>
-        <p:nvPicPr>
-          <p:cNvPr id="6" name="Picture 5" descr="Chart, histogram&#10;&#10;Description automatically generated">
-            <a:extLst>
-              <a:ext uri="{FF2B5EF4-FFF2-40B4-BE49-F238E27FC236}">
-                <a16:creationId xmlns:a16="http://schemas.microsoft.com/office/drawing/2014/main" id="{9004F56A-B64F-48AF-8DF8-7BC1BF50A03D}"/>
-              </a:ext>
-            </a:extLst>
-          </p:cNvPr>
-          <p:cNvPicPr>
-            <a:picLocks noChangeAspect="1"/>
-          </p:cNvPicPr>
-          <p:nvPr/>
-        </p:nvPicPr>
-        <p:blipFill>
-          <a:blip r:embed="rId2"/>
-          <a:stretch>
-            <a:fillRect/>
-          </a:stretch>
-        </p:blipFill>
-        <p:spPr>
-          <a:xfrm>
-            <a:off x="430300" y="1830170"/>
-            <a:ext cx="3610547" cy="2407031"/>
-          </a:xfrm>
-          <a:prstGeom prst="rect">
-            <a:avLst/>
-          </a:prstGeom>
-        </p:spPr>
-      </p:pic>
-      <p:pic>
-        <p:nvPicPr>
-          <p:cNvPr id="8" name="Picture 7" descr="Chart, histogram&#10;&#10;Description automatically generated">
-            <a:extLst>
-              <a:ext uri="{FF2B5EF4-FFF2-40B4-BE49-F238E27FC236}">
-                <a16:creationId xmlns:a16="http://schemas.microsoft.com/office/drawing/2014/main" id="{BA0438AF-F9F5-458C-954E-749FA3F39161}"/>
-              </a:ext>
-            </a:extLst>
-          </p:cNvPr>
-          <p:cNvPicPr>
-            <a:picLocks noChangeAspect="1"/>
-          </p:cNvPicPr>
-          <p:nvPr/>
-        </p:nvPicPr>
-        <p:blipFill>
-          <a:blip r:embed="rId3"/>
-          <a:stretch>
-            <a:fillRect/>
-          </a:stretch>
-        </p:blipFill>
-        <p:spPr>
-          <a:xfrm>
-            <a:off x="4572000" y="1830170"/>
-            <a:ext cx="3610547" cy="2407031"/>
-          </a:xfrm>
-          <a:prstGeom prst="rect">
-            <a:avLst/>
-          </a:prstGeom>
-        </p:spPr>
-      </p:pic>
-    </p:spTree>
-    <p:extLst>
-      <p:ext uri="{BB962C8B-B14F-4D97-AF65-F5344CB8AC3E}">
-        <p14:creationId xmlns:p14="http://schemas.microsoft.com/office/powerpoint/2010/main" val="1245058602"/>
       </p:ext>
     </p:extLst>
   </p:cSld>
@@ -12046,7 +15081,21 @@
           <a:p>
             <a:r>
               <a:rPr lang="en-US" dirty="0"/>
-              <a:t>Visualize Temperature with Burn Area</a:t>
+              <a:t>Visualize Precipitation with Burn Area</a:t>
+            </a:r>
+          </a:p>
+          <a:p>
+            <a:pPr lvl="1"/>
+            <a:r>
+              <a:rPr lang="en-US" dirty="0"/>
+              <a:t>Precipitation is at the state level, so we are seeing precipitation data for California and Nevada as a whole</a:t>
+            </a:r>
+          </a:p>
+          <a:p>
+            <a:pPr lvl="1"/>
+            <a:r>
+              <a:rPr lang="en-US" dirty="0"/>
+              <a:t>Precipitation in CA appears to be more consistent than in NV</a:t>
             </a:r>
           </a:p>
         </p:txBody>
@@ -12084,6 +15133,220 @@
             <a:fld id="{00000000-1234-1234-1234-123412341234}" type="slidenum">
               <a:rPr lang="en" smtClean="0"/>
               <a:t>7</a:t>
+            </a:fld>
+            <a:endParaRPr lang="en"/>
+          </a:p>
+        </p:txBody>
+      </p:sp>
+      <p:pic>
+        <p:nvPicPr>
+          <p:cNvPr id="6" name="Picture 5" descr="Chart, histogram&#10;&#10;Description automatically generated">
+            <a:extLst>
+              <a:ext uri="{FF2B5EF4-FFF2-40B4-BE49-F238E27FC236}">
+                <a16:creationId xmlns:a16="http://schemas.microsoft.com/office/drawing/2014/main" id="{9004F56A-B64F-48AF-8DF8-7BC1BF50A03D}"/>
+              </a:ext>
+            </a:extLst>
+          </p:cNvPr>
+          <p:cNvPicPr>
+            <a:picLocks noChangeAspect="1"/>
+          </p:cNvPicPr>
+          <p:nvPr/>
+        </p:nvPicPr>
+        <p:blipFill>
+          <a:blip r:embed="rId2"/>
+          <a:stretch>
+            <a:fillRect/>
+          </a:stretch>
+        </p:blipFill>
+        <p:spPr>
+          <a:xfrm>
+            <a:off x="636577" y="2507868"/>
+            <a:ext cx="3610547" cy="2407031"/>
+          </a:xfrm>
+          <a:prstGeom prst="rect">
+            <a:avLst/>
+          </a:prstGeom>
+        </p:spPr>
+      </p:pic>
+      <p:pic>
+        <p:nvPicPr>
+          <p:cNvPr id="8" name="Picture 7" descr="Chart, histogram&#10;&#10;Description automatically generated">
+            <a:extLst>
+              <a:ext uri="{FF2B5EF4-FFF2-40B4-BE49-F238E27FC236}">
+                <a16:creationId xmlns:a16="http://schemas.microsoft.com/office/drawing/2014/main" id="{BA0438AF-F9F5-458C-954E-749FA3F39161}"/>
+              </a:ext>
+            </a:extLst>
+          </p:cNvPr>
+          <p:cNvPicPr>
+            <a:picLocks noChangeAspect="1"/>
+          </p:cNvPicPr>
+          <p:nvPr/>
+        </p:nvPicPr>
+        <p:blipFill>
+          <a:blip r:embed="rId3"/>
+          <a:stretch>
+            <a:fillRect/>
+          </a:stretch>
+        </p:blipFill>
+        <p:spPr>
+          <a:xfrm>
+            <a:off x="4572000" y="2507868"/>
+            <a:ext cx="3610547" cy="2407031"/>
+          </a:xfrm>
+          <a:prstGeom prst="rect">
+            <a:avLst/>
+          </a:prstGeom>
+        </p:spPr>
+      </p:pic>
+    </p:spTree>
+    <p:extLst>
+      <p:ext uri="{BB962C8B-B14F-4D97-AF65-F5344CB8AC3E}">
+        <p14:creationId xmlns:p14="http://schemas.microsoft.com/office/powerpoint/2010/main" val="1245058602"/>
+      </p:ext>
+    </p:extLst>
+  </p:cSld>
+  <p:clrMapOvr>
+    <a:masterClrMapping/>
+  </p:clrMapOvr>
+</p:sld>
+</file>
+
+<file path=ppt/slides/slide8.xml><?xml version="1.0" encoding="utf-8"?>
+<p:sld xmlns:a="http://schemas.openxmlformats.org/drawingml/2006/main" xmlns:r="http://schemas.openxmlformats.org/officeDocument/2006/relationships" xmlns:p="http://schemas.openxmlformats.org/presentationml/2006/main">
+  <p:cSld>
+    <p:spTree>
+      <p:nvGrpSpPr>
+        <p:cNvPr id="1" name=""/>
+        <p:cNvGrpSpPr/>
+        <p:nvPr/>
+      </p:nvGrpSpPr>
+      <p:grpSpPr>
+        <a:xfrm>
+          <a:off x="0" y="0"/>
+          <a:ext cx="0" cy="0"/>
+          <a:chOff x="0" y="0"/>
+          <a:chExt cx="0" cy="0"/>
+        </a:xfrm>
+      </p:grpSpPr>
+      <p:sp>
+        <p:nvSpPr>
+          <p:cNvPr id="2" name="Title 1">
+            <a:extLst>
+              <a:ext uri="{FF2B5EF4-FFF2-40B4-BE49-F238E27FC236}">
+                <a16:creationId xmlns:a16="http://schemas.microsoft.com/office/drawing/2014/main" id="{8E7B2233-4693-4672-ADA0-127F638C6CDD}"/>
+              </a:ext>
+            </a:extLst>
+          </p:cNvPr>
+          <p:cNvSpPr>
+            <a:spLocks noGrp="1"/>
+          </p:cNvSpPr>
+          <p:nvPr>
+            <p:ph type="title"/>
+          </p:nvPr>
+        </p:nvSpPr>
+        <p:spPr/>
+        <p:txBody>
+          <a:bodyPr>
+            <a:normAutofit fontScale="90000"/>
+          </a:bodyPr>
+          <a:lstStyle/>
+          <a:p>
+            <a:r>
+              <a:rPr lang="en-US" dirty="0"/>
+              <a:t>Data Visualization Cont’d</a:t>
+            </a:r>
+          </a:p>
+        </p:txBody>
+      </p:sp>
+      <p:sp>
+        <p:nvSpPr>
+          <p:cNvPr id="3" name="Text Placeholder 2">
+            <a:extLst>
+              <a:ext uri="{FF2B5EF4-FFF2-40B4-BE49-F238E27FC236}">
+                <a16:creationId xmlns:a16="http://schemas.microsoft.com/office/drawing/2014/main" id="{AE8DCB93-BB91-4817-9F15-C2344BBB5E61}"/>
+              </a:ext>
+            </a:extLst>
+          </p:cNvPr>
+          <p:cNvSpPr>
+            <a:spLocks noGrp="1"/>
+          </p:cNvSpPr>
+          <p:nvPr>
+            <p:ph type="body" idx="1"/>
+          </p:nvPr>
+        </p:nvSpPr>
+        <p:spPr>
+          <a:xfrm>
+            <a:off x="311700" y="1152474"/>
+            <a:ext cx="8520600" cy="3762425"/>
+          </a:xfrm>
+        </p:spPr>
+        <p:txBody>
+          <a:bodyPr>
+            <a:normAutofit/>
+          </a:bodyPr>
+          <a:lstStyle/>
+          <a:p>
+            <a:r>
+              <a:rPr lang="en-US" dirty="0"/>
+              <a:t>Visualize Temperature with Burn Area</a:t>
+            </a:r>
+          </a:p>
+          <a:p>
+            <a:pPr lvl="1"/>
+            <a:r>
+              <a:rPr lang="en-US" dirty="0"/>
+              <a:t>Average high temperatures are similar, the average lows for Nevada are lower than CA</a:t>
+            </a:r>
+          </a:p>
+          <a:p>
+            <a:pPr lvl="1"/>
+            <a:r>
+              <a:rPr lang="en-US" dirty="0"/>
+              <a:t>Fires in Nevada typically correspond to the months of highest temperature (summers)</a:t>
+            </a:r>
+          </a:p>
+          <a:p>
+            <a:pPr lvl="1"/>
+            <a:r>
+              <a:rPr lang="en-US" dirty="0"/>
+              <a:t>There doesn’t appear to be much correlation between temperature and burn area in CA</a:t>
+            </a:r>
+          </a:p>
+        </p:txBody>
+      </p:sp>
+      <p:sp>
+        <p:nvSpPr>
+          <p:cNvPr id="4" name="Slide Number Placeholder 3">
+            <a:extLst>
+              <a:ext uri="{FF2B5EF4-FFF2-40B4-BE49-F238E27FC236}">
+                <a16:creationId xmlns:a16="http://schemas.microsoft.com/office/drawing/2014/main" id="{BD07DA9D-6763-4B01-AA1C-9669A5625F75}"/>
+              </a:ext>
+            </a:extLst>
+          </p:cNvPr>
+          <p:cNvSpPr>
+            <a:spLocks noGrp="1"/>
+          </p:cNvSpPr>
+          <p:nvPr>
+            <p:ph type="sldNum" idx="12"/>
+          </p:nvPr>
+        </p:nvSpPr>
+        <p:spPr/>
+        <p:txBody>
+          <a:bodyPr/>
+          <a:lstStyle/>
+          <a:p>
+            <a:pPr marL="0" lvl="0" indent="0" algn="r" rtl="0">
+              <a:spcBef>
+                <a:spcPts val="0"/>
+              </a:spcBef>
+              <a:spcAft>
+                <a:spcPts val="0"/>
+              </a:spcAft>
+              <a:buNone/>
+            </a:pPr>
+            <a:fld id="{00000000-1234-1234-1234-123412341234}" type="slidenum">
+              <a:rPr lang="en" smtClean="0"/>
+              <a:t>8</a:t>
             </a:fld>
             <a:endParaRPr lang="en"/>
           </a:p>
@@ -12111,7 +15374,7 @@
         </p:blipFill>
         <p:spPr>
           <a:xfrm>
-            <a:off x="571500" y="1760444"/>
+            <a:off x="571500" y="2476496"/>
             <a:ext cx="3657605" cy="2438403"/>
           </a:xfrm>
           <a:prstGeom prst="rect">
@@ -12141,7 +15404,7 @@
         </p:blipFill>
         <p:spPr>
           <a:xfrm>
-            <a:off x="4488905" y="1760444"/>
+            <a:off x="4488905" y="2476495"/>
             <a:ext cx="3657605" cy="2438403"/>
           </a:xfrm>
           <a:prstGeom prst="rect">
@@ -12162,7 +15425,7 @@
 </p:sld>
 </file>
 
-<file path=ppt/slides/slide8.xml><?xml version="1.0" encoding="utf-8"?>
+<file path=ppt/slides/slide9.xml><?xml version="1.0" encoding="utf-8"?>
 <p:sld xmlns:a="http://schemas.openxmlformats.org/drawingml/2006/main" xmlns:r="http://schemas.openxmlformats.org/officeDocument/2006/relationships" xmlns:p="http://schemas.openxmlformats.org/presentationml/2006/main">
   <p:cSld>
     <p:spTree>
@@ -12260,7 +15523,7 @@
             </a:pPr>
             <a:r>
               <a:rPr lang="en-US" sz="1600" dirty="0"/>
-              <a:t>This involves lagging burn area, precipitation, and temperature for both immediate lags (i.e., 1,2,3, … periods ago) as well as for annual lags (i.e., 11, 12, 13, 23, 24, 25 periods ago)</a:t>
+              <a:t>This involves lags for burn area, precipitation, and temperature for both immediate lags (i.e., 1,2,3, … periods ago) as well as for annual lags (i.e., 11, 12, 13, 23, 24, 25 periods ago)</a:t>
             </a:r>
           </a:p>
           <a:p>
@@ -12310,7 +15573,7 @@
             </a:pPr>
             <a:fld id="{00000000-1234-1234-1234-123412341234}" type="slidenum">
               <a:rPr lang="en"/>
-              <a:t>8</a:t>
+              <a:t>9</a:t>
             </a:fld>
             <a:endParaRPr/>
           </a:p>
@@ -12380,209 +15643,6 @@
     <p:extLst>
       <p:ext uri="{BB962C8B-B14F-4D97-AF65-F5344CB8AC3E}">
         <p14:creationId xmlns:p14="http://schemas.microsoft.com/office/powerpoint/2010/main" val="3201877962"/>
-      </p:ext>
-    </p:extLst>
-  </p:cSld>
-  <p:clrMapOvr>
-    <a:masterClrMapping/>
-  </p:clrMapOvr>
-</p:sld>
-</file>
-
-<file path=ppt/slides/slide9.xml><?xml version="1.0" encoding="utf-8"?>
-<p:sld xmlns:a="http://schemas.openxmlformats.org/drawingml/2006/main" xmlns:r="http://schemas.openxmlformats.org/officeDocument/2006/relationships" xmlns:p="http://schemas.openxmlformats.org/presentationml/2006/main">
-  <p:cSld>
-    <p:spTree>
-      <p:nvGrpSpPr>
-        <p:cNvPr id="1" name="Shape 63"/>
-        <p:cNvGrpSpPr/>
-        <p:nvPr/>
-      </p:nvGrpSpPr>
-      <p:grpSpPr>
-        <a:xfrm>
-          <a:off x="0" y="0"/>
-          <a:ext cx="0" cy="0"/>
-          <a:chOff x="0" y="0"/>
-          <a:chExt cx="0" cy="0"/>
-        </a:xfrm>
-      </p:grpSpPr>
-      <p:sp>
-        <p:nvSpPr>
-          <p:cNvPr id="64" name="Google Shape;64;p14"/>
-          <p:cNvSpPr txBox="1">
-            <a:spLocks noGrp="1"/>
-          </p:cNvSpPr>
-          <p:nvPr>
-            <p:ph type="title"/>
-          </p:nvPr>
-        </p:nvSpPr>
-        <p:spPr>
-          <a:xfrm>
-            <a:off x="311700" y="445025"/>
-            <a:ext cx="8520600" cy="572700"/>
-          </a:xfrm>
-          <a:prstGeom prst="rect">
-            <a:avLst/>
-          </a:prstGeom>
-        </p:spPr>
-        <p:txBody>
-          <a:bodyPr spcFirstLastPara="1" wrap="square" lIns="91425" tIns="91425" rIns="91425" bIns="91425" anchor="t" anchorCtr="0">
-            <a:normAutofit fontScale="90000"/>
-          </a:bodyPr>
-          <a:lstStyle/>
-          <a:p>
-            <a:pPr marL="0" lvl="0" indent="0" algn="l" rtl="0">
-              <a:spcBef>
-                <a:spcPts val="0"/>
-              </a:spcBef>
-              <a:spcAft>
-                <a:spcPts val="0"/>
-              </a:spcAft>
-              <a:buNone/>
-            </a:pPr>
-            <a:r>
-              <a:rPr lang="en" dirty="0"/>
-              <a:t>Model Framework Cont’d</a:t>
-            </a:r>
-            <a:endParaRPr dirty="0"/>
-          </a:p>
-        </p:txBody>
-      </p:sp>
-      <p:sp>
-        <p:nvSpPr>
-          <p:cNvPr id="65" name="Google Shape;65;p14"/>
-          <p:cNvSpPr txBox="1">
-            <a:spLocks noGrp="1"/>
-          </p:cNvSpPr>
-          <p:nvPr>
-            <p:ph type="body" idx="1"/>
-          </p:nvPr>
-        </p:nvSpPr>
-        <p:spPr>
-          <a:xfrm>
-            <a:off x="311700" y="1152475"/>
-            <a:ext cx="8520600" cy="3416400"/>
-          </a:xfrm>
-          <a:prstGeom prst="rect">
-            <a:avLst/>
-          </a:prstGeom>
-        </p:spPr>
-        <p:txBody>
-          <a:bodyPr spcFirstLastPara="1" wrap="square" lIns="91425" tIns="91425" rIns="91425" bIns="91425" anchor="t" anchorCtr="0">
-            <a:normAutofit/>
-          </a:bodyPr>
-          <a:lstStyle/>
-          <a:p>
-            <a:pPr marL="457200" lvl="0" indent="-356115" algn="l" rtl="0">
-              <a:spcBef>
-                <a:spcPts val="0"/>
-              </a:spcBef>
-              <a:spcAft>
-                <a:spcPts val="0"/>
-              </a:spcAft>
-              <a:buSzPts val="2008"/>
-              <a:buChar char="●"/>
-            </a:pPr>
-            <a:r>
-              <a:rPr lang="en-US" sz="2000" dirty="0"/>
-              <a:t>Include county area	</a:t>
-            </a:r>
-          </a:p>
-          <a:p>
-            <a:pPr lvl="1" indent="-356115">
-              <a:buSzPts val="2008"/>
-              <a:buChar char="●"/>
-            </a:pPr>
-            <a:r>
-              <a:rPr lang="en-US" dirty="0"/>
-              <a:t>Account for the fact that larger counties typically have more land to burn</a:t>
-            </a:r>
-          </a:p>
-          <a:p>
-            <a:pPr lvl="1" indent="-356115">
-              <a:buSzPts val="2008"/>
-              <a:buChar char="●"/>
-            </a:pPr>
-            <a:r>
-              <a:rPr lang="en-US" dirty="0"/>
-              <a:t>Although we did not include Alaska, there are some counties in Alaska with county areas larger than most entire states</a:t>
-            </a:r>
-          </a:p>
-          <a:p>
-            <a:pPr indent="-356115">
-              <a:buSzPts val="2008"/>
-            </a:pPr>
-            <a:r>
-              <a:rPr lang="en-US" dirty="0"/>
-              <a:t>Include categorical variables for individual county and state</a:t>
-            </a:r>
-          </a:p>
-          <a:p>
-            <a:pPr lvl="1" indent="-356115">
-              <a:buSzPts val="2008"/>
-            </a:pPr>
-            <a:r>
-              <a:rPr lang="en-US" dirty="0"/>
-              <a:t>This may account for varying wildfire containment or prevention policies by county or state as those are likely left up to local governments to determine</a:t>
-            </a:r>
-          </a:p>
-          <a:p>
-            <a:pPr lvl="1" indent="-356115">
-              <a:buSzPts val="2008"/>
-            </a:pPr>
-            <a:r>
-              <a:rPr lang="en-US" dirty="0"/>
-              <a:t>This consists of 411 individual counties and 11 states</a:t>
-            </a:r>
-          </a:p>
-        </p:txBody>
-      </p:sp>
-      <p:sp>
-        <p:nvSpPr>
-          <p:cNvPr id="67" name="Google Shape;67;p14"/>
-          <p:cNvSpPr txBox="1">
-            <a:spLocks noGrp="1"/>
-          </p:cNvSpPr>
-          <p:nvPr>
-            <p:ph type="sldNum" idx="12"/>
-          </p:nvPr>
-        </p:nvSpPr>
-        <p:spPr>
-          <a:xfrm>
-            <a:off x="8472458" y="4663217"/>
-            <a:ext cx="548700" cy="393600"/>
-          </a:xfrm>
-          <a:prstGeom prst="rect">
-            <a:avLst/>
-          </a:prstGeom>
-        </p:spPr>
-        <p:txBody>
-          <a:bodyPr spcFirstLastPara="1" wrap="square" lIns="91425" tIns="91425" rIns="91425" bIns="91425" anchor="ctr" anchorCtr="0">
-            <a:normAutofit/>
-          </a:bodyPr>
-          <a:lstStyle/>
-          <a:p>
-            <a:pPr marL="0" lvl="0" indent="0" algn="r" rtl="0">
-              <a:spcBef>
-                <a:spcPts val="0"/>
-              </a:spcBef>
-              <a:spcAft>
-                <a:spcPts val="0"/>
-              </a:spcAft>
-              <a:buNone/>
-            </a:pPr>
-            <a:fld id="{00000000-1234-1234-1234-123412341234}" type="slidenum">
-              <a:rPr lang="en"/>
-              <a:t>9</a:t>
-            </a:fld>
-            <a:endParaRPr/>
-          </a:p>
-        </p:txBody>
-      </p:sp>
-    </p:spTree>
-    <p:extLst>
-      <p:ext uri="{BB962C8B-B14F-4D97-AF65-F5344CB8AC3E}">
-        <p14:creationId xmlns:p14="http://schemas.microsoft.com/office/powerpoint/2010/main" val="3987383754"/>
       </p:ext>
     </p:extLst>
   </p:cSld>
